--- a/clases/Cap02_Geometria/presentaciones/CV02_PointsLinesPlanes.pptx
+++ b/clases/Cap02_Geometria/presentaciones/CV02_PointsLinesPlanes.pptx
@@ -5,7 +5,7 @@
     <p:sldMasterId id="2147483648" r:id="rId1"/>
   </p:sldMasterIdLst>
   <p:notesMasterIdLst>
-    <p:notesMasterId r:id="rId17"/>
+    <p:notesMasterId r:id="rId20"/>
   </p:notesMasterIdLst>
   <p:sldIdLst>
     <p:sldId id="442" r:id="rId2"/>
@@ -19,10 +19,13 @@
     <p:sldId id="450" r:id="rId10"/>
     <p:sldId id="451" r:id="rId11"/>
     <p:sldId id="452" r:id="rId12"/>
-    <p:sldId id="453" r:id="rId13"/>
+    <p:sldId id="457" r:id="rId13"/>
     <p:sldId id="454" r:id="rId14"/>
-    <p:sldId id="455" r:id="rId15"/>
+    <p:sldId id="458" r:id="rId15"/>
     <p:sldId id="456" r:id="rId16"/>
+    <p:sldId id="459" r:id="rId17"/>
+    <p:sldId id="462" r:id="rId18"/>
+    <p:sldId id="460" r:id="rId19"/>
   </p:sldIdLst>
   <p:sldSz cx="9144000" cy="6858000" type="screen4x3"/>
   <p:notesSz cx="6858000" cy="9144000"/>
@@ -222,7 +225,7 @@
           <a:p>
             <a:fld id="{089CB84B-3086-824D-91F5-F571CFDD3E7D}" type="datetimeFigureOut">
               <a:rPr lang="en-US" smtClean="0"/>
-              <a:t>7/26/19</a:t>
+              <a:t>8/20/21</a:t>
             </a:fld>
             <a:endParaRPr lang="en-US"/>
           </a:p>
@@ -847,6 +850,11 @@
         </p:txBody>
       </p:sp>
     </p:spTree>
+    <p:extLst>
+      <p:ext uri="{BB962C8B-B14F-4D97-AF65-F5344CB8AC3E}">
+        <p14:creationId xmlns:p14="http://schemas.microsoft.com/office/powerpoint/2010/main" val="2216822487"/>
+      </p:ext>
+    </p:extLst>
   </p:cSld>
   <p:clrMapOvr>
     <a:masterClrMapping/>
@@ -1031,6 +1039,11 @@
         </p:txBody>
       </p:sp>
     </p:spTree>
+    <p:extLst>
+      <p:ext uri="{BB962C8B-B14F-4D97-AF65-F5344CB8AC3E}">
+        <p14:creationId xmlns:p14="http://schemas.microsoft.com/office/powerpoint/2010/main" val="550195167"/>
+      </p:ext>
+    </p:extLst>
   </p:cSld>
   <p:clrMapOvr>
     <a:masterClrMapping/>
@@ -1123,6 +1136,297 @@
         </p:txBody>
       </p:sp>
     </p:spTree>
+  </p:cSld>
+  <p:clrMapOvr>
+    <a:masterClrMapping/>
+  </p:clrMapOvr>
+</p:notes>
+</file>
+
+<file path=ppt/notesSlides/notesSlide16.xml><?xml version="1.0" encoding="utf-8"?>
+<p:notes xmlns:a="http://schemas.openxmlformats.org/drawingml/2006/main" xmlns:r="http://schemas.openxmlformats.org/officeDocument/2006/relationships" xmlns:p="http://schemas.openxmlformats.org/presentationml/2006/main">
+  <p:cSld>
+    <p:spTree>
+      <p:nvGrpSpPr>
+        <p:cNvPr id="1" name=""/>
+        <p:cNvGrpSpPr/>
+        <p:nvPr/>
+      </p:nvGrpSpPr>
+      <p:grpSpPr>
+        <a:xfrm>
+          <a:off x="0" y="0"/>
+          <a:ext cx="0" cy="0"/>
+          <a:chOff x="0" y="0"/>
+          <a:chExt cx="0" cy="0"/>
+        </a:xfrm>
+      </p:grpSpPr>
+      <p:sp>
+        <p:nvSpPr>
+          <p:cNvPr id="65538" name="Rectangle 7"/>
+          <p:cNvSpPr>
+            <a:spLocks noGrp="1" noChangeArrowheads="1"/>
+          </p:cNvSpPr>
+          <p:nvPr>
+            <p:ph type="sldNum" sz="quarter" idx="5"/>
+          </p:nvPr>
+        </p:nvSpPr>
+        <p:spPr>
+          <a:noFill/>
+        </p:spPr>
+        <p:txBody>
+          <a:bodyPr/>
+          <a:lstStyle/>
+          <a:p>
+            <a:fld id="{63F19DA8-E282-4E63-9FB1-69D6A3FD6FEB}" type="slidenum">
+              <a:rPr lang="en-US"/>
+              <a:pPr/>
+              <a:t>16</a:t>
+            </a:fld>
+            <a:endParaRPr lang="en-US"/>
+          </a:p>
+        </p:txBody>
+      </p:sp>
+      <p:sp>
+        <p:nvSpPr>
+          <p:cNvPr id="65539" name="Rectangle 2"/>
+          <p:cNvSpPr>
+            <a:spLocks noGrp="1" noRot="1" noChangeAspect="1" noChangeArrowheads="1" noTextEdit="1"/>
+          </p:cNvSpPr>
+          <p:nvPr>
+            <p:ph type="sldImg"/>
+          </p:nvPr>
+        </p:nvSpPr>
+        <p:spPr>
+          <a:ln/>
+        </p:spPr>
+      </p:sp>
+      <p:sp>
+        <p:nvSpPr>
+          <p:cNvPr id="65540" name="Rectangle 3"/>
+          <p:cNvSpPr>
+            <a:spLocks noGrp="1" noChangeArrowheads="1"/>
+          </p:cNvSpPr>
+          <p:nvPr>
+            <p:ph type="body" idx="1"/>
+          </p:nvPr>
+        </p:nvSpPr>
+        <p:spPr>
+          <a:xfrm>
+            <a:off x="914400" y="4343400"/>
+            <a:ext cx="5029200" cy="4114800"/>
+          </a:xfrm>
+          <a:noFill/>
+          <a:ln/>
+        </p:spPr>
+        <p:txBody>
+          <a:bodyPr/>
+          <a:lstStyle/>
+          <a:p>
+            <a:pPr eaLnBrk="1" hangingPunct="1"/>
+            <a:endParaRPr lang="es-ES"/>
+          </a:p>
+        </p:txBody>
+      </p:sp>
+    </p:spTree>
+    <p:extLst>
+      <p:ext uri="{BB962C8B-B14F-4D97-AF65-F5344CB8AC3E}">
+        <p14:creationId xmlns:p14="http://schemas.microsoft.com/office/powerpoint/2010/main" val="29383796"/>
+      </p:ext>
+    </p:extLst>
+  </p:cSld>
+  <p:clrMapOvr>
+    <a:masterClrMapping/>
+  </p:clrMapOvr>
+</p:notes>
+</file>
+
+<file path=ppt/notesSlides/notesSlide17.xml><?xml version="1.0" encoding="utf-8"?>
+<p:notes xmlns:a="http://schemas.openxmlformats.org/drawingml/2006/main" xmlns:r="http://schemas.openxmlformats.org/officeDocument/2006/relationships" xmlns:p="http://schemas.openxmlformats.org/presentationml/2006/main">
+  <p:cSld>
+    <p:spTree>
+      <p:nvGrpSpPr>
+        <p:cNvPr id="1" name=""/>
+        <p:cNvGrpSpPr/>
+        <p:nvPr/>
+      </p:nvGrpSpPr>
+      <p:grpSpPr>
+        <a:xfrm>
+          <a:off x="0" y="0"/>
+          <a:ext cx="0" cy="0"/>
+          <a:chOff x="0" y="0"/>
+          <a:chExt cx="0" cy="0"/>
+        </a:xfrm>
+      </p:grpSpPr>
+      <p:sp>
+        <p:nvSpPr>
+          <p:cNvPr id="65538" name="Rectangle 7"/>
+          <p:cNvSpPr>
+            <a:spLocks noGrp="1" noChangeArrowheads="1"/>
+          </p:cNvSpPr>
+          <p:nvPr>
+            <p:ph type="sldNum" sz="quarter" idx="5"/>
+          </p:nvPr>
+        </p:nvSpPr>
+        <p:spPr>
+          <a:noFill/>
+        </p:spPr>
+        <p:txBody>
+          <a:bodyPr/>
+          <a:lstStyle/>
+          <a:p>
+            <a:fld id="{63F19DA8-E282-4E63-9FB1-69D6A3FD6FEB}" type="slidenum">
+              <a:rPr lang="en-US"/>
+              <a:pPr/>
+              <a:t>17</a:t>
+            </a:fld>
+            <a:endParaRPr lang="en-US"/>
+          </a:p>
+        </p:txBody>
+      </p:sp>
+      <p:sp>
+        <p:nvSpPr>
+          <p:cNvPr id="65539" name="Rectangle 2"/>
+          <p:cNvSpPr>
+            <a:spLocks noGrp="1" noRot="1" noChangeAspect="1" noChangeArrowheads="1" noTextEdit="1"/>
+          </p:cNvSpPr>
+          <p:nvPr>
+            <p:ph type="sldImg"/>
+          </p:nvPr>
+        </p:nvSpPr>
+        <p:spPr>
+          <a:ln/>
+        </p:spPr>
+      </p:sp>
+      <p:sp>
+        <p:nvSpPr>
+          <p:cNvPr id="65540" name="Rectangle 3"/>
+          <p:cNvSpPr>
+            <a:spLocks noGrp="1" noChangeArrowheads="1"/>
+          </p:cNvSpPr>
+          <p:nvPr>
+            <p:ph type="body" idx="1"/>
+          </p:nvPr>
+        </p:nvSpPr>
+        <p:spPr>
+          <a:xfrm>
+            <a:off x="914400" y="4343400"/>
+            <a:ext cx="5029200" cy="4114800"/>
+          </a:xfrm>
+          <a:noFill/>
+          <a:ln/>
+        </p:spPr>
+        <p:txBody>
+          <a:bodyPr/>
+          <a:lstStyle/>
+          <a:p>
+            <a:pPr eaLnBrk="1" hangingPunct="1"/>
+            <a:endParaRPr lang="es-ES"/>
+          </a:p>
+        </p:txBody>
+      </p:sp>
+    </p:spTree>
+    <p:extLst>
+      <p:ext uri="{BB962C8B-B14F-4D97-AF65-F5344CB8AC3E}">
+        <p14:creationId xmlns:p14="http://schemas.microsoft.com/office/powerpoint/2010/main" val="3123601998"/>
+      </p:ext>
+    </p:extLst>
+  </p:cSld>
+  <p:clrMapOvr>
+    <a:masterClrMapping/>
+  </p:clrMapOvr>
+</p:notes>
+</file>
+
+<file path=ppt/notesSlides/notesSlide18.xml><?xml version="1.0" encoding="utf-8"?>
+<p:notes xmlns:a="http://schemas.openxmlformats.org/drawingml/2006/main" xmlns:r="http://schemas.openxmlformats.org/officeDocument/2006/relationships" xmlns:p="http://schemas.openxmlformats.org/presentationml/2006/main">
+  <p:cSld>
+    <p:spTree>
+      <p:nvGrpSpPr>
+        <p:cNvPr id="1" name=""/>
+        <p:cNvGrpSpPr/>
+        <p:nvPr/>
+      </p:nvGrpSpPr>
+      <p:grpSpPr>
+        <a:xfrm>
+          <a:off x="0" y="0"/>
+          <a:ext cx="0" cy="0"/>
+          <a:chOff x="0" y="0"/>
+          <a:chExt cx="0" cy="0"/>
+        </a:xfrm>
+      </p:grpSpPr>
+      <p:sp>
+        <p:nvSpPr>
+          <p:cNvPr id="65538" name="Rectangle 7"/>
+          <p:cNvSpPr>
+            <a:spLocks noGrp="1" noChangeArrowheads="1"/>
+          </p:cNvSpPr>
+          <p:nvPr>
+            <p:ph type="sldNum" sz="quarter" idx="5"/>
+          </p:nvPr>
+        </p:nvSpPr>
+        <p:spPr>
+          <a:noFill/>
+        </p:spPr>
+        <p:txBody>
+          <a:bodyPr/>
+          <a:lstStyle/>
+          <a:p>
+            <a:fld id="{63F19DA8-E282-4E63-9FB1-69D6A3FD6FEB}" type="slidenum">
+              <a:rPr lang="en-US"/>
+              <a:pPr/>
+              <a:t>18</a:t>
+            </a:fld>
+            <a:endParaRPr lang="en-US"/>
+          </a:p>
+        </p:txBody>
+      </p:sp>
+      <p:sp>
+        <p:nvSpPr>
+          <p:cNvPr id="65539" name="Rectangle 2"/>
+          <p:cNvSpPr>
+            <a:spLocks noGrp="1" noRot="1" noChangeAspect="1" noChangeArrowheads="1" noTextEdit="1"/>
+          </p:cNvSpPr>
+          <p:nvPr>
+            <p:ph type="sldImg"/>
+          </p:nvPr>
+        </p:nvSpPr>
+        <p:spPr>
+          <a:ln/>
+        </p:spPr>
+      </p:sp>
+      <p:sp>
+        <p:nvSpPr>
+          <p:cNvPr id="65540" name="Rectangle 3"/>
+          <p:cNvSpPr>
+            <a:spLocks noGrp="1" noChangeArrowheads="1"/>
+          </p:cNvSpPr>
+          <p:nvPr>
+            <p:ph type="body" idx="1"/>
+          </p:nvPr>
+        </p:nvSpPr>
+        <p:spPr>
+          <a:xfrm>
+            <a:off x="914400" y="4343400"/>
+            <a:ext cx="5029200" cy="4114800"/>
+          </a:xfrm>
+          <a:noFill/>
+          <a:ln/>
+        </p:spPr>
+        <p:txBody>
+          <a:bodyPr/>
+          <a:lstStyle/>
+          <a:p>
+            <a:pPr eaLnBrk="1" hangingPunct="1"/>
+            <a:endParaRPr lang="es-ES"/>
+          </a:p>
+        </p:txBody>
+      </p:sp>
+    </p:spTree>
+    <p:extLst>
+      <p:ext uri="{BB962C8B-B14F-4D97-AF65-F5344CB8AC3E}">
+        <p14:creationId xmlns:p14="http://schemas.microsoft.com/office/powerpoint/2010/main" val="2403292105"/>
+      </p:ext>
+    </p:extLst>
   </p:cSld>
   <p:clrMapOvr>
     <a:masterClrMapping/>
@@ -2045,7 +2349,7 @@
           <a:p>
             <a:fld id="{D3AE09B4-90D0-1245-B83D-B1B2932963E4}" type="datetimeFigureOut">
               <a:rPr lang="en-US" smtClean="0"/>
-              <a:t>7/26/19</a:t>
+              <a:t>8/20/21</a:t>
             </a:fld>
             <a:endParaRPr lang="en-US"/>
           </a:p>
@@ -2215,7 +2519,7 @@
           <a:p>
             <a:fld id="{D3AE09B4-90D0-1245-B83D-B1B2932963E4}" type="datetimeFigureOut">
               <a:rPr lang="en-US" smtClean="0"/>
-              <a:t>7/26/19</a:t>
+              <a:t>8/20/21</a:t>
             </a:fld>
             <a:endParaRPr lang="en-US"/>
           </a:p>
@@ -2395,7 +2699,7 @@
           <a:p>
             <a:fld id="{D3AE09B4-90D0-1245-B83D-B1B2932963E4}" type="datetimeFigureOut">
               <a:rPr lang="en-US" smtClean="0"/>
-              <a:t>7/26/19</a:t>
+              <a:t>8/20/21</a:t>
             </a:fld>
             <a:endParaRPr lang="en-US"/>
           </a:p>
@@ -2565,7 +2869,7 @@
           <a:p>
             <a:fld id="{D3AE09B4-90D0-1245-B83D-B1B2932963E4}" type="datetimeFigureOut">
               <a:rPr lang="en-US" smtClean="0"/>
-              <a:t>7/26/19</a:t>
+              <a:t>8/20/21</a:t>
             </a:fld>
             <a:endParaRPr lang="en-US"/>
           </a:p>
@@ -2811,7 +3115,7 @@
           <a:p>
             <a:fld id="{D3AE09B4-90D0-1245-B83D-B1B2932963E4}" type="datetimeFigureOut">
               <a:rPr lang="en-US" smtClean="0"/>
-              <a:t>7/26/19</a:t>
+              <a:t>8/20/21</a:t>
             </a:fld>
             <a:endParaRPr lang="en-US"/>
           </a:p>
@@ -3099,7 +3403,7 @@
           <a:p>
             <a:fld id="{D3AE09B4-90D0-1245-B83D-B1B2932963E4}" type="datetimeFigureOut">
               <a:rPr lang="en-US" smtClean="0"/>
-              <a:t>7/26/19</a:t>
+              <a:t>8/20/21</a:t>
             </a:fld>
             <a:endParaRPr lang="en-US"/>
           </a:p>
@@ -3521,7 +3825,7 @@
           <a:p>
             <a:fld id="{D3AE09B4-90D0-1245-B83D-B1B2932963E4}" type="datetimeFigureOut">
               <a:rPr lang="en-US" smtClean="0"/>
-              <a:t>7/26/19</a:t>
+              <a:t>8/20/21</a:t>
             </a:fld>
             <a:endParaRPr lang="en-US"/>
           </a:p>
@@ -3639,7 +3943,7 @@
           <a:p>
             <a:fld id="{D3AE09B4-90D0-1245-B83D-B1B2932963E4}" type="datetimeFigureOut">
               <a:rPr lang="en-US" smtClean="0"/>
-              <a:t>7/26/19</a:t>
+              <a:t>8/20/21</a:t>
             </a:fld>
             <a:endParaRPr lang="en-US"/>
           </a:p>
@@ -3734,7 +4038,7 @@
           <a:p>
             <a:fld id="{D3AE09B4-90D0-1245-B83D-B1B2932963E4}" type="datetimeFigureOut">
               <a:rPr lang="en-US" smtClean="0"/>
-              <a:t>7/26/19</a:t>
+              <a:t>8/20/21</a:t>
             </a:fld>
             <a:endParaRPr lang="en-US"/>
           </a:p>
@@ -4011,7 +4315,7 @@
           <a:p>
             <a:fld id="{D3AE09B4-90D0-1245-B83D-B1B2932963E4}" type="datetimeFigureOut">
               <a:rPr lang="en-US" smtClean="0"/>
-              <a:t>7/26/19</a:t>
+              <a:t>8/20/21</a:t>
             </a:fld>
             <a:endParaRPr lang="en-US"/>
           </a:p>
@@ -4264,7 +4568,7 @@
           <a:p>
             <a:fld id="{D3AE09B4-90D0-1245-B83D-B1B2932963E4}" type="datetimeFigureOut">
               <a:rPr lang="en-US" smtClean="0"/>
-              <a:t>7/26/19</a:t>
+              <a:t>8/20/21</a:t>
             </a:fld>
             <a:endParaRPr lang="en-US"/>
           </a:p>
@@ -4475,7 +4779,7 @@
           <a:p>
             <a:fld id="{D3AE09B4-90D0-1245-B83D-B1B2932963E4}" type="datetimeFigureOut">
               <a:rPr lang="en-US" smtClean="0"/>
-              <a:t>7/26/19</a:t>
+              <a:t>8/20/21</a:t>
             </a:fld>
             <a:endParaRPr lang="en-US"/>
           </a:p>
@@ -6722,7 +7026,7 @@
         <p:spPr>
           <a:xfrm>
             <a:off x="5389698" y="3583001"/>
-            <a:ext cx="2372516" cy="461665"/>
+            <a:ext cx="2236510" cy="400110"/>
           </a:xfrm>
           <a:prstGeom prst="rect">
             <a:avLst/>
@@ -6736,9 +7040,10 @@
           <a:lstStyle/>
           <a:p>
             <a:r>
-              <a:rPr lang="en-US" sz="2400" dirty="0">
-                <a:latin typeface="Xingkai SC Light"/>
-                <a:cs typeface="Xingkai SC Light"/>
+              <a:rPr lang="en-US" sz="2000" dirty="0">
+                <a:latin typeface="Brush Script MT" panose="03060802040406070304" pitchFamily="66" charset="-122"/>
+                <a:ea typeface="Brush Script MT" panose="03060802040406070304" pitchFamily="66" charset="-122"/>
+                <a:cs typeface="Brush Script MT" panose="03060802040406070304" pitchFamily="66" charset="-122"/>
               </a:rPr>
               <a:t>l</a:t>
             </a:r>
@@ -6895,7 +7200,7 @@
         <p:spPr>
           <a:xfrm>
             <a:off x="5372766" y="4130509"/>
-            <a:ext cx="2372516" cy="461665"/>
+            <a:ext cx="2247731" cy="461665"/>
           </a:xfrm>
           <a:prstGeom prst="rect">
             <a:avLst/>
@@ -6910,8 +7215,9 @@
           <a:p>
             <a:r>
               <a:rPr lang="en-US" sz="2400" dirty="0">
-                <a:latin typeface="Xingkai SC Light"/>
-                <a:cs typeface="Xingkai SC Light"/>
+                <a:latin typeface="Brush Script MT" panose="03060802040406070304" pitchFamily="66" charset="-122"/>
+                <a:ea typeface="Brush Script MT" panose="03060802040406070304" pitchFamily="66" charset="-122"/>
+                <a:cs typeface="Brush Script MT" panose="03060802040406070304" pitchFamily="66" charset="-122"/>
               </a:rPr>
               <a:t>l</a:t>
             </a:r>
@@ -7036,7 +7342,7 @@
         <p:spPr>
           <a:xfrm>
             <a:off x="1145091" y="5471062"/>
-            <a:ext cx="1915422" cy="461665"/>
+            <a:ext cx="1858201" cy="461665"/>
           </a:xfrm>
           <a:prstGeom prst="rect">
             <a:avLst/>
@@ -7050,9 +7356,10 @@
           <a:lstStyle/>
           <a:p>
             <a:r>
-              <a:rPr lang="en-US" sz="2400" b="1" dirty="0">
-                <a:latin typeface="Xingkai SC Light"/>
-                <a:cs typeface="Xingkai SC Light"/>
+              <a:rPr lang="en-US" sz="2400" dirty="0">
+                <a:latin typeface="Brush Script MT" panose="03060802040406070304" pitchFamily="66" charset="-122"/>
+                <a:ea typeface="Brush Script MT" panose="03060802040406070304" pitchFamily="66" charset="-122"/>
+                <a:cs typeface="Brush Script MT" panose="03060802040406070304" pitchFamily="66" charset="-122"/>
               </a:rPr>
               <a:t>l</a:t>
             </a:r>
@@ -7156,7 +7463,7 @@
         <p:spPr>
           <a:xfrm>
             <a:off x="1142270" y="5877460"/>
-            <a:ext cx="1915422" cy="461665"/>
+            <a:ext cx="1858201" cy="461665"/>
           </a:xfrm>
           <a:prstGeom prst="rect">
             <a:avLst/>
@@ -7170,9 +7477,10 @@
           <a:lstStyle/>
           <a:p>
             <a:r>
-              <a:rPr lang="en-US" sz="2400" b="1" dirty="0">
-                <a:latin typeface="Xingkai SC Light"/>
-                <a:cs typeface="Xingkai SC Light"/>
+              <a:rPr lang="en-US" sz="2400" dirty="0">
+                <a:latin typeface="Brush Script MT" panose="03060802040406070304" pitchFamily="66" charset="-122"/>
+                <a:ea typeface="Brush Script MT" panose="03060802040406070304" pitchFamily="66" charset="-122"/>
+                <a:cs typeface="Brush Script MT" panose="03060802040406070304" pitchFamily="66" charset="-122"/>
               </a:rPr>
               <a:t>l</a:t>
             </a:r>
@@ -7276,9 +7584,9 @@
         <p:grpSpPr>
           <a:xfrm>
             <a:off x="3090788" y="5574073"/>
-            <a:ext cx="1700176" cy="797107"/>
+            <a:ext cx="1624835" cy="797107"/>
             <a:chOff x="3090788" y="5574073"/>
-            <a:chExt cx="1700176" cy="797107"/>
+            <a:chExt cx="1624835" cy="797107"/>
           </a:xfrm>
         </p:grpSpPr>
         <p:sp>
@@ -7333,7 +7641,7 @@
           <p:spPr>
             <a:xfrm>
               <a:off x="3516256" y="5632516"/>
-              <a:ext cx="1274708" cy="738664"/>
+              <a:ext cx="1199367" cy="738664"/>
             </a:xfrm>
             <a:prstGeom prst="rect">
               <a:avLst/>
@@ -7346,9 +7654,10 @@
             <a:lstStyle/>
             <a:p>
               <a:r>
-                <a:rPr lang="en-US" sz="2400" b="1" dirty="0">
-                  <a:latin typeface="Xingkai SC Light"/>
-                  <a:cs typeface="Xingkai SC Light"/>
+                <a:rPr lang="en-US" sz="2400" dirty="0">
+                  <a:latin typeface="Brush Script MT" panose="03060802040406070304" pitchFamily="66" charset="-122"/>
+                  <a:ea typeface="Brush Script MT" panose="03060802040406070304" pitchFamily="66" charset="-122"/>
+                  <a:cs typeface="Brush Script MT" panose="03060802040406070304" pitchFamily="66" charset="-122"/>
                 </a:rPr>
                 <a:t>l</a:t>
               </a:r>
@@ -7381,9 +7690,10 @@
                 <a:t>  </a:t>
               </a:r>
               <a:r>
-                <a:rPr lang="en-US" sz="2400" b="1" dirty="0">
-                  <a:latin typeface="Xingkai SC Light"/>
-                  <a:cs typeface="Xingkai SC Light"/>
+                <a:rPr lang="en-US" sz="2400" dirty="0">
+                  <a:latin typeface="Brush Script MT" panose="03060802040406070304" pitchFamily="66" charset="-122"/>
+                  <a:ea typeface="Brush Script MT" panose="03060802040406070304" pitchFamily="66" charset="-122"/>
+                  <a:cs typeface="Brush Script MT" panose="03060802040406070304" pitchFamily="66" charset="-122"/>
                 </a:rPr>
                 <a:t>l</a:t>
               </a:r>
@@ -7425,9 +7735,9 @@
         <p:grpSpPr>
           <a:xfrm>
             <a:off x="6442381" y="5390183"/>
-            <a:ext cx="1073918" cy="890105"/>
+            <a:ext cx="1048300" cy="868063"/>
             <a:chOff x="6442381" y="5390183"/>
-            <a:chExt cx="1073918" cy="890105"/>
+            <a:chExt cx="1048300" cy="868063"/>
           </a:xfrm>
         </p:grpSpPr>
         <p:sp>
@@ -7439,7 +7749,7 @@
           <p:spPr>
             <a:xfrm>
               <a:off x="6445202" y="5390183"/>
-              <a:ext cx="1071097" cy="461665"/>
+              <a:ext cx="1045479" cy="461665"/>
             </a:xfrm>
             <a:prstGeom prst="rect">
               <a:avLst/>
@@ -7452,9 +7762,10 @@
             <a:lstStyle/>
             <a:p>
               <a:r>
-                <a:rPr lang="en-US" sz="2400" b="1" dirty="0">
-                  <a:latin typeface="Xingkai SC Light"/>
-                  <a:cs typeface="Xingkai SC Light"/>
+                <a:rPr lang="en-US" sz="2400" dirty="0">
+                  <a:latin typeface="Brush Script MT" panose="03060802040406070304" pitchFamily="66" charset="-122"/>
+                  <a:ea typeface="Brush Script MT" panose="03060802040406070304" pitchFamily="66" charset="-122"/>
+                  <a:cs typeface="Brush Script MT" panose="03060802040406070304" pitchFamily="66" charset="-122"/>
                 </a:rPr>
                 <a:t>l</a:t>
               </a:r>
@@ -7540,7 +7851,7 @@
           <p:spPr>
             <a:xfrm>
               <a:off x="6442381" y="5796581"/>
-              <a:ext cx="1071097" cy="461665"/>
+              <a:ext cx="1045479" cy="461665"/>
             </a:xfrm>
             <a:prstGeom prst="rect">
               <a:avLst/>
@@ -7553,9 +7864,10 @@
             <a:lstStyle/>
             <a:p>
               <a:r>
-                <a:rPr lang="en-US" sz="2400" b="1" dirty="0">
-                  <a:latin typeface="Xingkai SC Light"/>
-                  <a:cs typeface="Xingkai SC Light"/>
+                <a:rPr lang="en-US" sz="2400" dirty="0">
+                  <a:latin typeface="Brush Script MT" panose="03060802040406070304" pitchFamily="66" charset="-122"/>
+                  <a:ea typeface="Brush Script MT" panose="03060802040406070304" pitchFamily="66" charset="-122"/>
+                  <a:cs typeface="Brush Script MT" panose="03060802040406070304" pitchFamily="66" charset="-122"/>
                 </a:rPr>
                 <a:t>l</a:t>
               </a:r>
@@ -7606,7 +7918,7 @@
           </p:nvSpPr>
           <p:spPr>
             <a:xfrm>
-              <a:off x="6625376" y="5910956"/>
+              <a:off x="6625376" y="5876231"/>
               <a:ext cx="290276" cy="369332"/>
             </a:xfrm>
             <a:prstGeom prst="rect">
@@ -7685,24 +7997,25 @@
           </a:p>
           <a:p>
             <a:r>
+              <a:rPr lang="en-US" sz="2400" dirty="0">
+                <a:latin typeface="Brush Script MT" panose="03060802040406070304" pitchFamily="66" charset="-122"/>
+                <a:ea typeface="Brush Script MT" panose="03060802040406070304" pitchFamily="66" charset="-122"/>
+                <a:cs typeface="Brush Script MT" panose="03060802040406070304" pitchFamily="66" charset="-122"/>
+              </a:rPr>
+              <a:t>l</a:t>
+            </a:r>
+            <a:r>
+              <a:rPr lang="en-US" sz="2400" baseline="-25000" dirty="0">
+                <a:latin typeface="Times"/>
+                <a:cs typeface="Times"/>
+              </a:rPr>
+              <a:t>1</a:t>
+            </a:r>
+            <a:r>
               <a:rPr lang="en-US" sz="2400" b="1" dirty="0">
                 <a:latin typeface="Xingkai SC Light"/>
                 <a:cs typeface="Xingkai SC Light"/>
               </a:rPr>
-              <a:t>l</a:t>
-            </a:r>
-            <a:r>
-              <a:rPr lang="en-US" sz="2400" baseline="-25000" dirty="0">
-                <a:latin typeface="Times"/>
-                <a:cs typeface="Times"/>
-              </a:rPr>
-              <a:t>1</a:t>
-            </a:r>
-            <a:r>
-              <a:rPr lang="en-US" sz="2400" b="1" dirty="0">
-                <a:latin typeface="Xingkai SC Light"/>
-                <a:cs typeface="Xingkai SC Light"/>
-              </a:rPr>
               <a:t>  </a:t>
             </a:r>
             <a:r>
@@ -7720,9 +8033,10 @@
               <a:t> = 0     and     </a:t>
             </a:r>
             <a:r>
-              <a:rPr lang="en-US" sz="2400" b="1" dirty="0">
-                <a:latin typeface="Xingkai SC Light"/>
-                <a:cs typeface="Xingkai SC Light"/>
+              <a:rPr lang="en-US" sz="2400" dirty="0">
+                <a:latin typeface="Brush Script MT" panose="03060802040406070304" pitchFamily="66" charset="-122"/>
+                <a:ea typeface="Brush Script MT" panose="03060802040406070304" pitchFamily="66" charset="-122"/>
+                <a:cs typeface="Brush Script MT" panose="03060802040406070304" pitchFamily="66" charset="-122"/>
               </a:rPr>
               <a:t>l</a:t>
             </a:r>
@@ -7775,7 +8089,7 @@
         </p:nvSpPr>
         <p:spPr>
           <a:xfrm>
-            <a:off x="5608168" y="1874073"/>
+            <a:off x="5596593" y="1850923"/>
             <a:ext cx="290276" cy="369332"/>
           </a:xfrm>
           <a:prstGeom prst="rect">
@@ -7809,7 +8123,7 @@
         </p:nvSpPr>
         <p:spPr>
           <a:xfrm>
-            <a:off x="7411555" y="1871252"/>
+            <a:off x="7353680" y="1859677"/>
             <a:ext cx="290276" cy="369332"/>
           </a:xfrm>
           <a:prstGeom prst="rect">
@@ -8181,984 +8495,9 @@
           <a:chExt cx="0" cy="0"/>
         </a:xfrm>
       </p:grpSpPr>
-      <p:sp>
-        <p:nvSpPr>
-          <p:cNvPr id="764930" name="Text Box 2"/>
-          <p:cNvSpPr txBox="1">
-            <a:spLocks noChangeArrowheads="1"/>
-          </p:cNvSpPr>
-          <p:nvPr/>
-        </p:nvSpPr>
-        <p:spPr bwMode="auto">
-          <a:xfrm>
-            <a:off x="290513" y="268288"/>
-            <a:ext cx="8218487" cy="615553"/>
-          </a:xfrm>
-          <a:prstGeom prst="rect">
-            <a:avLst/>
-          </a:prstGeom>
-          <a:noFill/>
-          <a:ln w="9525">
-            <a:noFill/>
-            <a:miter lim="800000"/>
-            <a:headEnd/>
-            <a:tailEnd/>
-          </a:ln>
-        </p:spPr>
-        <p:txBody>
-          <a:bodyPr>
-            <a:spAutoFit/>
-          </a:bodyPr>
-          <a:lstStyle/>
-          <a:p>
-            <a:pPr eaLnBrk="0" hangingPunct="0"/>
-            <a:r>
-              <a:rPr lang="en-US" sz="2400" dirty="0">
-                <a:solidFill>
-                  <a:srgbClr val="0000FF"/>
-                </a:solidFill>
-                <a:latin typeface="Trebuchet MS" pitchFamily="34" charset="0"/>
-              </a:rPr>
-              <a:t>[ Intersection of two lines ]</a:t>
-            </a:r>
-          </a:p>
-          <a:p>
-            <a:pPr eaLnBrk="0" hangingPunct="0"/>
-            <a:endParaRPr lang="en-US" sz="1000" dirty="0">
-              <a:solidFill>
-                <a:srgbClr val="0000FF"/>
-              </a:solidFill>
-              <a:latin typeface="Trebuchet MS" pitchFamily="34" charset="0"/>
-            </a:endParaRPr>
-          </a:p>
-        </p:txBody>
-      </p:sp>
-      <p:sp>
-        <p:nvSpPr>
-          <p:cNvPr id="20" name="TextBox 19"/>
-          <p:cNvSpPr txBox="1"/>
-          <p:nvPr/>
-        </p:nvSpPr>
-        <p:spPr>
-          <a:xfrm>
-            <a:off x="1145091" y="5471062"/>
-            <a:ext cx="1915422" cy="461665"/>
-          </a:xfrm>
-          <a:prstGeom prst="rect">
-            <a:avLst/>
-          </a:prstGeom>
-          <a:noFill/>
-        </p:spPr>
-        <p:txBody>
-          <a:bodyPr wrap="none" rtlCol="0">
-            <a:spAutoFit/>
-          </a:bodyPr>
-          <a:lstStyle/>
-          <a:p>
-            <a:r>
-              <a:rPr lang="en-US" sz="2400" b="1" dirty="0">
-                <a:latin typeface="Xingkai SC Light"/>
-                <a:cs typeface="Xingkai SC Light"/>
-              </a:rPr>
-              <a:t>l</a:t>
-            </a:r>
-            <a:r>
-              <a:rPr lang="en-US" baseline="-25000" dirty="0">
-                <a:latin typeface="Times"/>
-                <a:cs typeface="Times"/>
-              </a:rPr>
-              <a:t>1</a:t>
-            </a:r>
-            <a:r>
-              <a:rPr lang="en-US" i="1" dirty="0">
-                <a:latin typeface="Times"/>
-                <a:cs typeface="Times"/>
-              </a:rPr>
-              <a:t> = </a:t>
-            </a:r>
-            <a:r>
-              <a:rPr lang="en-US" dirty="0">
-                <a:latin typeface="Times"/>
-                <a:cs typeface="Times"/>
-              </a:rPr>
-              <a:t>[ </a:t>
-            </a:r>
-            <a:r>
-              <a:rPr lang="en-US" i="1" dirty="0">
-                <a:latin typeface="Times"/>
-                <a:cs typeface="Times"/>
-              </a:rPr>
-              <a:t>a</a:t>
-            </a:r>
-            <a:r>
-              <a:rPr lang="en-US" baseline="-25000" dirty="0">
-                <a:latin typeface="Times"/>
-                <a:cs typeface="Times"/>
-              </a:rPr>
-              <a:t>1</a:t>
-            </a:r>
-            <a:r>
-              <a:rPr lang="en-US" i="1" dirty="0">
-                <a:latin typeface="Times"/>
-                <a:cs typeface="Times"/>
-              </a:rPr>
-              <a:t>   b</a:t>
-            </a:r>
-            <a:r>
-              <a:rPr lang="en-US" baseline="-25000" dirty="0">
-                <a:latin typeface="Times"/>
-                <a:cs typeface="Times"/>
-              </a:rPr>
-              <a:t>1</a:t>
-            </a:r>
-            <a:r>
-              <a:rPr lang="en-US" i="1" dirty="0">
-                <a:latin typeface="Times"/>
-                <a:cs typeface="Times"/>
-              </a:rPr>
-              <a:t>   c</a:t>
-            </a:r>
-            <a:r>
-              <a:rPr lang="en-US" baseline="-25000" dirty="0">
-                <a:latin typeface="Times"/>
-                <a:cs typeface="Times"/>
-              </a:rPr>
-              <a:t>1</a:t>
-            </a:r>
-            <a:r>
-              <a:rPr lang="en-US" i="1" dirty="0">
-                <a:latin typeface="Times"/>
-                <a:cs typeface="Times"/>
-              </a:rPr>
-              <a:t> </a:t>
-            </a:r>
-            <a:r>
-              <a:rPr lang="en-US" dirty="0">
-                <a:latin typeface="Times"/>
-                <a:cs typeface="Times"/>
-              </a:rPr>
-              <a:t>]</a:t>
-            </a:r>
-            <a:r>
-              <a:rPr lang="en-US" baseline="30000" dirty="0">
-                <a:latin typeface="+mj-lt"/>
-                <a:cs typeface="Times"/>
-              </a:rPr>
-              <a:t>T</a:t>
-            </a:r>
-            <a:endParaRPr lang="en-US" i="1" baseline="30000" dirty="0">
-              <a:latin typeface="+mj-lt"/>
-              <a:cs typeface="Times"/>
-            </a:endParaRPr>
-          </a:p>
-        </p:txBody>
-      </p:sp>
-      <p:sp>
-        <p:nvSpPr>
-          <p:cNvPr id="21" name="TextBox 20"/>
-          <p:cNvSpPr txBox="1"/>
-          <p:nvPr/>
-        </p:nvSpPr>
-        <p:spPr>
-          <a:xfrm>
-            <a:off x="1142270" y="5877460"/>
-            <a:ext cx="1915422" cy="461665"/>
-          </a:xfrm>
-          <a:prstGeom prst="rect">
-            <a:avLst/>
-          </a:prstGeom>
-          <a:noFill/>
-        </p:spPr>
-        <p:txBody>
-          <a:bodyPr wrap="none" rtlCol="0">
-            <a:spAutoFit/>
-          </a:bodyPr>
-          <a:lstStyle/>
-          <a:p>
-            <a:r>
-              <a:rPr lang="en-US" sz="2400" b="1" dirty="0">
-                <a:latin typeface="Xingkai SC Light"/>
-                <a:cs typeface="Xingkai SC Light"/>
-              </a:rPr>
-              <a:t>l</a:t>
-            </a:r>
-            <a:r>
-              <a:rPr lang="en-US" baseline="-25000" dirty="0">
-                <a:latin typeface="Times"/>
-                <a:cs typeface="Times"/>
-              </a:rPr>
-              <a:t>2</a:t>
-            </a:r>
-            <a:r>
-              <a:rPr lang="en-US" i="1" dirty="0">
-                <a:latin typeface="Times"/>
-                <a:cs typeface="Times"/>
-              </a:rPr>
-              <a:t> = </a:t>
-            </a:r>
-            <a:r>
-              <a:rPr lang="en-US" dirty="0">
-                <a:latin typeface="Times"/>
-                <a:cs typeface="Times"/>
-              </a:rPr>
-              <a:t>[ </a:t>
-            </a:r>
-            <a:r>
-              <a:rPr lang="en-US" i="1" dirty="0">
-                <a:latin typeface="Times"/>
-                <a:cs typeface="Times"/>
-              </a:rPr>
-              <a:t>a</a:t>
-            </a:r>
-            <a:r>
-              <a:rPr lang="en-US" baseline="-25000" dirty="0">
-                <a:latin typeface="Times"/>
-                <a:cs typeface="Times"/>
-              </a:rPr>
-              <a:t>2</a:t>
-            </a:r>
-            <a:r>
-              <a:rPr lang="en-US" i="1" dirty="0">
-                <a:latin typeface="Times"/>
-                <a:cs typeface="Times"/>
-              </a:rPr>
-              <a:t>   b</a:t>
-            </a:r>
-            <a:r>
-              <a:rPr lang="en-US" baseline="-25000" dirty="0">
-                <a:latin typeface="Times"/>
-                <a:cs typeface="Times"/>
-              </a:rPr>
-              <a:t>2</a:t>
-            </a:r>
-            <a:r>
-              <a:rPr lang="en-US" i="1" dirty="0">
-                <a:latin typeface="Times"/>
-                <a:cs typeface="Times"/>
-              </a:rPr>
-              <a:t>   c</a:t>
-            </a:r>
-            <a:r>
-              <a:rPr lang="en-US" baseline="-25000" dirty="0">
-                <a:latin typeface="Times"/>
-                <a:cs typeface="Times"/>
-              </a:rPr>
-              <a:t>2</a:t>
-            </a:r>
-            <a:r>
-              <a:rPr lang="en-US" i="1" dirty="0">
-                <a:latin typeface="Times"/>
-                <a:cs typeface="Times"/>
-              </a:rPr>
-              <a:t> </a:t>
-            </a:r>
-            <a:r>
-              <a:rPr lang="en-US" dirty="0">
-                <a:latin typeface="Times"/>
-                <a:cs typeface="Times"/>
-              </a:rPr>
-              <a:t>]</a:t>
-            </a:r>
-            <a:r>
-              <a:rPr lang="en-US" baseline="30000" dirty="0">
-                <a:latin typeface="+mj-lt"/>
-                <a:cs typeface="Times"/>
-              </a:rPr>
-              <a:t>T</a:t>
-            </a:r>
-            <a:endParaRPr lang="en-US" i="1" baseline="30000" dirty="0">
-              <a:latin typeface="+mj-lt"/>
-              <a:cs typeface="Times"/>
-            </a:endParaRPr>
-          </a:p>
-        </p:txBody>
-      </p:sp>
-      <p:grpSp>
-        <p:nvGrpSpPr>
-          <p:cNvPr id="23" name="Group 22"/>
-          <p:cNvGrpSpPr/>
-          <p:nvPr/>
-        </p:nvGrpSpPr>
-        <p:grpSpPr>
-          <a:xfrm>
-            <a:off x="3090788" y="5574073"/>
-            <a:ext cx="1700176" cy="797107"/>
-            <a:chOff x="3090788" y="5574073"/>
-            <a:chExt cx="1700176" cy="797107"/>
-          </a:xfrm>
-        </p:grpSpPr>
-        <p:sp>
-          <p:nvSpPr>
-            <p:cNvPr id="22" name="Right Brace 21"/>
-            <p:cNvSpPr/>
-            <p:nvPr/>
-          </p:nvSpPr>
-          <p:spPr>
-            <a:xfrm>
-              <a:off x="3090788" y="5574073"/>
-              <a:ext cx="268111" cy="717307"/>
-            </a:xfrm>
-            <a:prstGeom prst="rightBrace">
-              <a:avLst/>
-            </a:prstGeom>
-            <a:ln>
-              <a:solidFill>
-                <a:srgbClr val="595959"/>
-              </a:solidFill>
-            </a:ln>
-          </p:spPr>
-          <p:style>
-            <a:lnRef idx="2">
-              <a:schemeClr val="accent1"/>
-            </a:lnRef>
-            <a:fillRef idx="0">
-              <a:schemeClr val="accent1"/>
-            </a:fillRef>
-            <a:effectRef idx="1">
-              <a:schemeClr val="accent1"/>
-            </a:effectRef>
-            <a:fontRef idx="minor">
-              <a:schemeClr val="tx1"/>
-            </a:fontRef>
-          </p:style>
-          <p:txBody>
-            <a:bodyPr rtlCol="0" anchor="ctr"/>
-            <a:lstStyle/>
-            <a:p>
-              <a:pPr algn="ctr"/>
-              <a:endParaRPr lang="en-US"/>
-            </a:p>
-          </p:txBody>
-        </p:sp>
-        <p:sp>
-          <p:nvSpPr>
-            <p:cNvPr id="4" name="Rectangle 3"/>
-            <p:cNvSpPr/>
-            <p:nvPr/>
-          </p:nvSpPr>
-          <p:spPr>
-            <a:xfrm>
-              <a:off x="3516256" y="5632516"/>
-              <a:ext cx="1274708" cy="738664"/>
-            </a:xfrm>
-            <a:prstGeom prst="rect">
-              <a:avLst/>
-            </a:prstGeom>
-          </p:spPr>
-          <p:txBody>
-            <a:bodyPr wrap="none">
-              <a:spAutoFit/>
-            </a:bodyPr>
-            <a:lstStyle/>
-            <a:p>
-              <a:r>
-                <a:rPr lang="en-US" sz="2400" b="1" dirty="0">
-                  <a:latin typeface="Xingkai SC Light"/>
-                  <a:cs typeface="Xingkai SC Light"/>
-                </a:rPr>
-                <a:t>l</a:t>
-              </a:r>
-              <a:r>
-                <a:rPr lang="en-US" baseline="-25000" dirty="0">
-                  <a:latin typeface="Times"/>
-                  <a:cs typeface="Times"/>
-                </a:rPr>
-                <a:t>1</a:t>
-              </a:r>
-              <a:r>
-                <a:rPr lang="en-US" i="1" dirty="0">
-                  <a:latin typeface="Times"/>
-                  <a:cs typeface="Times"/>
-                </a:rPr>
-                <a:t> </a:t>
-              </a:r>
-              <a:r>
-                <a:rPr lang="en-US" dirty="0">
-                  <a:latin typeface="Trebuchet MS"/>
-                  <a:cs typeface="Trebuchet MS"/>
-                </a:rPr>
-                <a:t>x</a:t>
-              </a:r>
-              <a:r>
-                <a:rPr lang="en-US" i="1" dirty="0">
-                  <a:latin typeface="Times"/>
-                  <a:cs typeface="Times"/>
-                </a:rPr>
-                <a:t>  </a:t>
-              </a:r>
-              <a:r>
-                <a:rPr lang="en-US" sz="2400" b="1" dirty="0">
-                  <a:latin typeface="Xingkai SC Light"/>
-                  <a:cs typeface="Xingkai SC Light"/>
-                </a:rPr>
-                <a:t>l</a:t>
-              </a:r>
-              <a:r>
-                <a:rPr lang="en-US" baseline="-25000" dirty="0">
-                  <a:latin typeface="Times"/>
-                  <a:cs typeface="Times"/>
-                </a:rPr>
-                <a:t>2</a:t>
-              </a:r>
-              <a:r>
-                <a:rPr lang="en-US" i="1" dirty="0">
-                  <a:latin typeface="Times"/>
-                  <a:cs typeface="Times"/>
-                </a:rPr>
-                <a:t> = </a:t>
-              </a:r>
-              <a:r>
-                <a:rPr lang="en-US" b="1" dirty="0">
-                  <a:latin typeface="Times"/>
-                  <a:cs typeface="Times"/>
-                </a:rPr>
-                <a:t>w</a:t>
-              </a:r>
-              <a:endParaRPr lang="en-US" b="1" dirty="0"/>
-            </a:p>
-            <a:p>
-              <a:endParaRPr lang="en-US" dirty="0"/>
-            </a:p>
-          </p:txBody>
-        </p:sp>
-      </p:grpSp>
-      <p:sp>
-        <p:nvSpPr>
-          <p:cNvPr id="25" name="Rectangle 24"/>
-          <p:cNvSpPr/>
-          <p:nvPr/>
-        </p:nvSpPr>
-        <p:spPr>
-          <a:xfrm>
-            <a:off x="6445202" y="5390183"/>
-            <a:ext cx="1084059" cy="461665"/>
-          </a:xfrm>
-          <a:prstGeom prst="rect">
-            <a:avLst/>
-          </a:prstGeom>
-        </p:spPr>
-        <p:txBody>
-          <a:bodyPr wrap="none">
-            <a:spAutoFit/>
-          </a:bodyPr>
-          <a:lstStyle/>
-          <a:p>
-            <a:r>
-              <a:rPr lang="en-US" sz="2400" b="1" dirty="0">
-                <a:latin typeface="Xingkai SC Light"/>
-                <a:cs typeface="Xingkai SC Light"/>
-              </a:rPr>
-              <a:t>l</a:t>
-            </a:r>
-            <a:r>
-              <a:rPr lang="en-US" baseline="-25000" dirty="0">
-                <a:latin typeface="Times"/>
-                <a:cs typeface="Times"/>
-              </a:rPr>
-              <a:t>1</a:t>
-            </a:r>
-            <a:r>
-              <a:rPr lang="en-US" i="1" dirty="0">
-                <a:latin typeface="Times"/>
-                <a:cs typeface="Times"/>
-              </a:rPr>
-              <a:t>   </a:t>
-            </a:r>
-            <a:r>
-              <a:rPr lang="en-US" b="1" dirty="0">
-                <a:latin typeface="Times"/>
-                <a:cs typeface="Times"/>
-              </a:rPr>
-              <a:t>w </a:t>
-            </a:r>
-            <a:r>
-              <a:rPr lang="en-US" i="1" dirty="0">
-                <a:latin typeface="Times"/>
-                <a:cs typeface="Times"/>
-              </a:rPr>
-              <a:t>= </a:t>
-            </a:r>
-            <a:r>
-              <a:rPr lang="en-US" dirty="0">
-                <a:latin typeface="Times"/>
-                <a:cs typeface="Times"/>
-              </a:rPr>
-              <a:t>0</a:t>
-            </a:r>
-            <a:endParaRPr lang="en-US" b="1" dirty="0"/>
-          </a:p>
-        </p:txBody>
-      </p:sp>
-      <p:sp>
-        <p:nvSpPr>
-          <p:cNvPr id="26" name="Rectangle 25"/>
-          <p:cNvSpPr/>
-          <p:nvPr/>
-        </p:nvSpPr>
-        <p:spPr>
-          <a:xfrm>
-            <a:off x="6628197" y="5504558"/>
-            <a:ext cx="290276" cy="369332"/>
-          </a:xfrm>
-          <a:prstGeom prst="rect">
-            <a:avLst/>
-          </a:prstGeom>
-        </p:spPr>
-        <p:txBody>
-          <a:bodyPr wrap="none">
-            <a:spAutoFit/>
-          </a:bodyPr>
-          <a:lstStyle/>
-          <a:p>
-            <a:r>
-              <a:rPr lang="en-US" b="1" dirty="0">
-                <a:latin typeface="Wingdings"/>
-                <a:ea typeface="Wingdings"/>
-                <a:cs typeface="Wingdings"/>
-                <a:sym typeface="Wingdings"/>
-              </a:rPr>
-              <a:t></a:t>
-            </a:r>
-            <a:endParaRPr lang="en-US" dirty="0"/>
-          </a:p>
-        </p:txBody>
-      </p:sp>
-      <p:sp>
-        <p:nvSpPr>
-          <p:cNvPr id="27" name="Rectangle 26"/>
-          <p:cNvSpPr/>
-          <p:nvPr/>
-        </p:nvSpPr>
-        <p:spPr>
-          <a:xfrm>
-            <a:off x="6442381" y="5796581"/>
-            <a:ext cx="1084059" cy="461665"/>
-          </a:xfrm>
-          <a:prstGeom prst="rect">
-            <a:avLst/>
-          </a:prstGeom>
-        </p:spPr>
-        <p:txBody>
-          <a:bodyPr wrap="none">
-            <a:spAutoFit/>
-          </a:bodyPr>
-          <a:lstStyle/>
-          <a:p>
-            <a:r>
-              <a:rPr lang="en-US" sz="2400" b="1" dirty="0">
-                <a:latin typeface="Xingkai SC Light"/>
-                <a:cs typeface="Xingkai SC Light"/>
-              </a:rPr>
-              <a:t>l</a:t>
-            </a:r>
-            <a:r>
-              <a:rPr lang="en-US" baseline="-25000" dirty="0">
-                <a:latin typeface="Times"/>
-                <a:cs typeface="Times"/>
-              </a:rPr>
-              <a:t>2</a:t>
-            </a:r>
-            <a:r>
-              <a:rPr lang="en-US" i="1" dirty="0">
-                <a:latin typeface="Times"/>
-                <a:cs typeface="Times"/>
-              </a:rPr>
-              <a:t>   </a:t>
-            </a:r>
-            <a:r>
-              <a:rPr lang="en-US" b="1" dirty="0">
-                <a:latin typeface="Times"/>
-                <a:cs typeface="Times"/>
-              </a:rPr>
-              <a:t>w </a:t>
-            </a:r>
-            <a:r>
-              <a:rPr lang="en-US" i="1" dirty="0">
-                <a:latin typeface="Times"/>
-                <a:cs typeface="Times"/>
-              </a:rPr>
-              <a:t>= </a:t>
-            </a:r>
-            <a:r>
-              <a:rPr lang="en-US" dirty="0">
-                <a:latin typeface="Times"/>
-                <a:cs typeface="Times"/>
-              </a:rPr>
-              <a:t>0</a:t>
-            </a:r>
-            <a:endParaRPr lang="en-US" b="1" dirty="0"/>
-          </a:p>
-        </p:txBody>
-      </p:sp>
-      <p:sp>
-        <p:nvSpPr>
-          <p:cNvPr id="28" name="Rectangle 27"/>
-          <p:cNvSpPr/>
-          <p:nvPr/>
-        </p:nvSpPr>
-        <p:spPr>
-          <a:xfrm>
-            <a:off x="6625376" y="5910956"/>
-            <a:ext cx="290276" cy="369332"/>
-          </a:xfrm>
-          <a:prstGeom prst="rect">
-            <a:avLst/>
-          </a:prstGeom>
-        </p:spPr>
-        <p:txBody>
-          <a:bodyPr wrap="none">
-            <a:spAutoFit/>
-          </a:bodyPr>
-          <a:lstStyle/>
-          <a:p>
-            <a:r>
-              <a:rPr lang="en-US" b="1" dirty="0">
-                <a:latin typeface="Wingdings"/>
-                <a:ea typeface="Wingdings"/>
-                <a:cs typeface="Wingdings"/>
-                <a:sym typeface="Wingdings"/>
-              </a:rPr>
-              <a:t></a:t>
-            </a:r>
-            <a:endParaRPr lang="en-US" dirty="0"/>
-          </a:p>
-        </p:txBody>
-      </p:sp>
-      <p:sp>
-        <p:nvSpPr>
-          <p:cNvPr id="24" name="TextBox 23"/>
-          <p:cNvSpPr txBox="1"/>
-          <p:nvPr/>
-        </p:nvSpPr>
-        <p:spPr>
-          <a:xfrm>
-            <a:off x="5412270" y="1099783"/>
-            <a:ext cx="3830508" cy="1323439"/>
-          </a:xfrm>
-          <a:prstGeom prst="rect">
-            <a:avLst/>
-          </a:prstGeom>
-          <a:noFill/>
-        </p:spPr>
-        <p:txBody>
-          <a:bodyPr wrap="square" rtlCol="0">
-            <a:spAutoFit/>
-          </a:bodyPr>
-          <a:lstStyle/>
-          <a:p>
-            <a:r>
-              <a:rPr lang="en-US" dirty="0">
-                <a:latin typeface="Trebuchet MS"/>
-                <a:cs typeface="Trebuchet MS"/>
-              </a:rPr>
-              <a:t>We look for </a:t>
-            </a:r>
-            <a:r>
-              <a:rPr lang="en-US" sz="2000" b="1" dirty="0">
-                <a:latin typeface="Times"/>
-                <a:cs typeface="Times"/>
-              </a:rPr>
-              <a:t>m</a:t>
-            </a:r>
-            <a:r>
-              <a:rPr lang="en-US" dirty="0">
-                <a:latin typeface="Trebuchet MS"/>
-                <a:cs typeface="Trebuchet MS"/>
-              </a:rPr>
-              <a:t> so that</a:t>
-            </a:r>
-          </a:p>
-          <a:p>
-            <a:endParaRPr lang="en-US" sz="2400" b="1" dirty="0">
-              <a:latin typeface="Xingkai SC Light"/>
-              <a:cs typeface="Xingkai SC Light"/>
-            </a:endParaRPr>
-          </a:p>
-          <a:p>
-            <a:r>
-              <a:rPr lang="en-US" sz="2400" b="1" dirty="0">
-                <a:latin typeface="Xingkai SC Light"/>
-                <a:cs typeface="Xingkai SC Light"/>
-              </a:rPr>
-              <a:t>l</a:t>
-            </a:r>
-            <a:r>
-              <a:rPr lang="en-US" sz="2400" baseline="-25000" dirty="0">
-                <a:latin typeface="Times"/>
-                <a:cs typeface="Times"/>
-              </a:rPr>
-              <a:t>1</a:t>
-            </a:r>
-            <a:r>
-              <a:rPr lang="en-US" sz="2400" b="1" dirty="0">
-                <a:latin typeface="Xingkai SC Light"/>
-                <a:cs typeface="Xingkai SC Light"/>
-              </a:rPr>
-              <a:t>  </a:t>
-            </a:r>
-            <a:r>
-              <a:rPr lang="en-US" b="1" dirty="0">
-                <a:latin typeface="Times"/>
-                <a:cs typeface="Times"/>
-              </a:rPr>
-              <a:t>m</a:t>
-            </a:r>
-            <a:r>
-              <a:rPr lang="en-US" dirty="0">
-                <a:latin typeface="Times"/>
-                <a:cs typeface="Times"/>
-              </a:rPr>
-              <a:t> = 0     and     </a:t>
-            </a:r>
-            <a:r>
-              <a:rPr lang="en-US" sz="2400" b="1" dirty="0">
-                <a:latin typeface="Xingkai SC Light"/>
-                <a:cs typeface="Xingkai SC Light"/>
-              </a:rPr>
-              <a:t>l</a:t>
-            </a:r>
-            <a:r>
-              <a:rPr lang="en-US" sz="2400" baseline="-25000" dirty="0">
-                <a:latin typeface="Times"/>
-                <a:cs typeface="Times"/>
-              </a:rPr>
-              <a:t>2</a:t>
-            </a:r>
-            <a:r>
-              <a:rPr lang="en-US" sz="2400" b="1" dirty="0">
-                <a:latin typeface="Xingkai SC Light"/>
-                <a:cs typeface="Xingkai SC Light"/>
-              </a:rPr>
-              <a:t>  </a:t>
-            </a:r>
-            <a:r>
-              <a:rPr lang="en-US" b="1" dirty="0">
-                <a:latin typeface="Times"/>
-                <a:cs typeface="Times"/>
-              </a:rPr>
-              <a:t>m</a:t>
-            </a:r>
-            <a:r>
-              <a:rPr lang="en-US" dirty="0">
-                <a:latin typeface="Times"/>
-                <a:cs typeface="Times"/>
-              </a:rPr>
-              <a:t> = 0</a:t>
-            </a:r>
-            <a:endParaRPr lang="en-US" i="1" baseline="30000" dirty="0">
-              <a:latin typeface="Times"/>
-              <a:cs typeface="Times"/>
-            </a:endParaRPr>
-          </a:p>
-          <a:p>
-            <a:endParaRPr lang="en-US" i="1" baseline="30000" dirty="0">
-              <a:latin typeface="Times"/>
-              <a:cs typeface="Times"/>
-            </a:endParaRPr>
-          </a:p>
-        </p:txBody>
-      </p:sp>
-      <p:sp>
-        <p:nvSpPr>
-          <p:cNvPr id="29" name="Rectangle 28"/>
-          <p:cNvSpPr/>
-          <p:nvPr/>
-        </p:nvSpPr>
-        <p:spPr>
-          <a:xfrm>
-            <a:off x="5608168" y="1874073"/>
-            <a:ext cx="290276" cy="369332"/>
-          </a:xfrm>
-          <a:prstGeom prst="rect">
-            <a:avLst/>
-          </a:prstGeom>
-        </p:spPr>
-        <p:txBody>
-          <a:bodyPr wrap="none">
-            <a:spAutoFit/>
-          </a:bodyPr>
-          <a:lstStyle/>
-          <a:p>
-            <a:r>
-              <a:rPr lang="en-US" b="1" dirty="0">
-                <a:latin typeface="Wingdings"/>
-                <a:ea typeface="Wingdings"/>
-                <a:cs typeface="Wingdings"/>
-                <a:sym typeface="Wingdings"/>
-              </a:rPr>
-              <a:t></a:t>
-            </a:r>
-            <a:endParaRPr lang="en-US" dirty="0"/>
-          </a:p>
-        </p:txBody>
-      </p:sp>
-      <p:sp>
-        <p:nvSpPr>
-          <p:cNvPr id="30" name="Rectangle 29"/>
-          <p:cNvSpPr/>
-          <p:nvPr/>
-        </p:nvSpPr>
-        <p:spPr>
-          <a:xfrm>
-            <a:off x="7411555" y="1871252"/>
-            <a:ext cx="290276" cy="369332"/>
-          </a:xfrm>
-          <a:prstGeom prst="rect">
-            <a:avLst/>
-          </a:prstGeom>
-        </p:spPr>
-        <p:txBody>
-          <a:bodyPr wrap="none">
-            <a:spAutoFit/>
-          </a:bodyPr>
-          <a:lstStyle/>
-          <a:p>
-            <a:r>
-              <a:rPr lang="en-US" b="1" dirty="0">
-                <a:latin typeface="Wingdings"/>
-                <a:ea typeface="Wingdings"/>
-                <a:cs typeface="Wingdings"/>
-                <a:sym typeface="Wingdings"/>
-              </a:rPr>
-              <a:t></a:t>
-            </a:r>
-            <a:endParaRPr lang="en-US" dirty="0"/>
-          </a:p>
-        </p:txBody>
-      </p:sp>
-      <p:sp>
-        <p:nvSpPr>
-          <p:cNvPr id="31" name="Rectangle 30"/>
-          <p:cNvSpPr/>
-          <p:nvPr/>
-        </p:nvSpPr>
-        <p:spPr>
-          <a:xfrm>
-            <a:off x="6307667" y="2610291"/>
-            <a:ext cx="1302075" cy="461665"/>
-          </a:xfrm>
-          <a:prstGeom prst="rect">
-            <a:avLst/>
-          </a:prstGeom>
-          <a:solidFill>
-            <a:srgbClr val="FDEADA"/>
-          </a:solidFill>
-        </p:spPr>
-        <p:txBody>
-          <a:bodyPr wrap="none">
-            <a:spAutoFit/>
-          </a:bodyPr>
-          <a:lstStyle/>
-          <a:p>
-            <a:r>
-              <a:rPr lang="en-US" b="1" dirty="0">
-                <a:latin typeface="Times"/>
-                <a:cs typeface="Times"/>
-              </a:rPr>
-              <a:t>m </a:t>
-            </a:r>
-            <a:r>
-              <a:rPr lang="en-US" i="1" dirty="0">
-                <a:latin typeface="Times"/>
-                <a:cs typeface="Times"/>
-              </a:rPr>
-              <a:t>=</a:t>
-            </a:r>
-            <a:r>
-              <a:rPr lang="en-US" sz="2400" i="1" dirty="0">
-                <a:latin typeface="Times"/>
-                <a:cs typeface="Times"/>
-              </a:rPr>
-              <a:t> </a:t>
-            </a:r>
-            <a:r>
-              <a:rPr lang="en-US" sz="2400" b="1" dirty="0">
-                <a:latin typeface="Xingkai SC Light"/>
-                <a:cs typeface="Xingkai SC Light"/>
-              </a:rPr>
-              <a:t>l</a:t>
-            </a:r>
-            <a:r>
-              <a:rPr lang="en-US" baseline="-25000" dirty="0">
-                <a:latin typeface="Times"/>
-                <a:cs typeface="Times"/>
-              </a:rPr>
-              <a:t>1</a:t>
-            </a:r>
-            <a:r>
-              <a:rPr lang="en-US" i="1" dirty="0">
-                <a:latin typeface="Times"/>
-                <a:cs typeface="Times"/>
-              </a:rPr>
-              <a:t> </a:t>
-            </a:r>
-            <a:r>
-              <a:rPr lang="en-US" dirty="0">
-                <a:latin typeface="Trebuchet MS"/>
-                <a:cs typeface="Trebuchet MS"/>
-              </a:rPr>
-              <a:t>x</a:t>
-            </a:r>
-            <a:r>
-              <a:rPr lang="en-US" i="1" dirty="0">
-                <a:latin typeface="Times"/>
-                <a:cs typeface="Times"/>
-              </a:rPr>
-              <a:t>  </a:t>
-            </a:r>
-            <a:r>
-              <a:rPr lang="en-US" sz="2400" b="1" dirty="0">
-                <a:latin typeface="Xingkai SC Light"/>
-                <a:cs typeface="Xingkai SC Light"/>
-              </a:rPr>
-              <a:t>l</a:t>
-            </a:r>
-            <a:r>
-              <a:rPr lang="en-US" baseline="-25000" dirty="0">
-                <a:latin typeface="Times"/>
-                <a:cs typeface="Times"/>
-              </a:rPr>
-              <a:t>2</a:t>
-            </a:r>
-            <a:endParaRPr lang="en-US" b="1" dirty="0"/>
-          </a:p>
-        </p:txBody>
-      </p:sp>
-      <p:sp>
-        <p:nvSpPr>
-          <p:cNvPr id="2" name="Rectangle 1"/>
-          <p:cNvSpPr/>
-          <p:nvPr/>
-        </p:nvSpPr>
-        <p:spPr>
-          <a:xfrm>
-            <a:off x="6519337" y="2428070"/>
-            <a:ext cx="759242" cy="246221"/>
-          </a:xfrm>
-          <a:prstGeom prst="rect">
-            <a:avLst/>
-          </a:prstGeom>
-        </p:spPr>
-        <p:txBody>
-          <a:bodyPr wrap="none">
-            <a:spAutoFit/>
-          </a:bodyPr>
-          <a:lstStyle/>
-          <a:p>
-            <a:r>
-              <a:rPr lang="en-US" sz="1000" dirty="0">
-                <a:latin typeface="Trebuchet MS"/>
-                <a:cs typeface="Trebuchet MS"/>
-              </a:rPr>
-              <a:t>SOLUTION</a:t>
-            </a:r>
-            <a:endParaRPr lang="en-US" sz="1000" dirty="0"/>
-          </a:p>
-        </p:txBody>
-      </p:sp>
       <p:cxnSp>
         <p:nvCxnSpPr>
-          <p:cNvPr id="32" name="Straight Connector 31"/>
+          <p:cNvPr id="18" name="Straight Connector 17"/>
           <p:cNvCxnSpPr/>
           <p:nvPr/>
         </p:nvCxnSpPr>
@@ -9191,9 +8530,61 @@
           </a:fontRef>
         </p:style>
       </p:cxnSp>
+      <p:sp>
+        <p:nvSpPr>
+          <p:cNvPr id="764930" name="Text Box 2"/>
+          <p:cNvSpPr txBox="1">
+            <a:spLocks noChangeArrowheads="1"/>
+          </p:cNvSpPr>
+          <p:nvPr/>
+        </p:nvSpPr>
+        <p:spPr bwMode="auto">
+          <a:xfrm>
+            <a:off x="290513" y="268288"/>
+            <a:ext cx="8218487" cy="615553"/>
+          </a:xfrm>
+          <a:prstGeom prst="rect">
+            <a:avLst/>
+          </a:prstGeom>
+          <a:noFill/>
+          <a:ln w="9525">
+            <a:noFill/>
+            <a:miter lim="800000"/>
+            <a:headEnd/>
+            <a:tailEnd/>
+          </a:ln>
+        </p:spPr>
+        <p:txBody>
+          <a:bodyPr>
+            <a:spAutoFit/>
+          </a:bodyPr>
+          <a:lstStyle/>
+          <a:p>
+            <a:pPr eaLnBrk="0" hangingPunct="0"/>
+            <a:r>
+              <a:rPr lang="en-US" sz="2400" dirty="0">
+                <a:solidFill>
+                  <a:srgbClr val="0000FF"/>
+                </a:solidFill>
+                <a:latin typeface="Trebuchet MS" pitchFamily="34" charset="0"/>
+              </a:rPr>
+              <a:t>[ Intersection of two lines ]</a:t>
+            </a:r>
+          </a:p>
+          <a:p>
+            <a:pPr eaLnBrk="0" hangingPunct="0"/>
+            <a:endParaRPr lang="en-US" sz="1000" dirty="0">
+              <a:solidFill>
+                <a:srgbClr val="0000FF"/>
+              </a:solidFill>
+              <a:latin typeface="Trebuchet MS" pitchFamily="34" charset="0"/>
+            </a:endParaRPr>
+          </a:p>
+        </p:txBody>
+      </p:sp>
       <p:cxnSp>
         <p:nvCxnSpPr>
-          <p:cNvPr id="33" name="Straight Connector 32"/>
+          <p:cNvPr id="8" name="Straight Connector 7"/>
           <p:cNvCxnSpPr/>
           <p:nvPr/>
         </p:nvCxnSpPr>
@@ -9228,7 +8619,7 @@
       </p:cxnSp>
       <p:sp>
         <p:nvSpPr>
-          <p:cNvPr id="34" name="Oval 33"/>
+          <p:cNvPr id="9" name="Oval 8"/>
           <p:cNvSpPr/>
           <p:nvPr/>
         </p:nvSpPr>
@@ -9274,7 +8665,7 @@
       </p:sp>
       <p:grpSp>
         <p:nvGrpSpPr>
-          <p:cNvPr id="35" name="Group 34"/>
+          <p:cNvPr id="10" name="Group 9"/>
           <p:cNvGrpSpPr/>
           <p:nvPr/>
         </p:nvGrpSpPr>
@@ -9288,7 +8679,7 @@
         </p:grpSpPr>
         <p:cxnSp>
           <p:nvCxnSpPr>
-            <p:cNvPr id="36" name="Straight Arrow Connector 35"/>
+            <p:cNvPr id="11" name="Straight Arrow Connector 10"/>
             <p:cNvCxnSpPr/>
             <p:nvPr/>
           </p:nvCxnSpPr>
@@ -9321,7 +8712,7 @@
         </p:cxnSp>
         <p:cxnSp>
           <p:nvCxnSpPr>
-            <p:cNvPr id="37" name="Straight Arrow Connector 36"/>
+            <p:cNvPr id="12" name="Straight Arrow Connector 11"/>
             <p:cNvCxnSpPr/>
             <p:nvPr/>
           </p:nvCxnSpPr>
@@ -9354,7 +8745,7 @@
         </p:cxnSp>
         <p:sp>
           <p:nvSpPr>
-            <p:cNvPr id="38" name="TextBox 37"/>
+            <p:cNvPr id="13" name="TextBox 12"/>
             <p:cNvSpPr txBox="1"/>
             <p:nvPr/>
           </p:nvSpPr>
@@ -9386,7 +8777,7 @@
         </p:sp>
         <p:sp>
           <p:nvSpPr>
-            <p:cNvPr id="39" name="TextBox 38"/>
+            <p:cNvPr id="14" name="TextBox 13"/>
             <p:cNvSpPr txBox="1"/>
             <p:nvPr/>
           </p:nvSpPr>
@@ -9418,7 +8809,7 @@
         </p:sp>
         <p:sp>
           <p:nvSpPr>
-            <p:cNvPr id="40" name="TextBox 39"/>
+            <p:cNvPr id="15" name="TextBox 14"/>
             <p:cNvSpPr txBox="1"/>
             <p:nvPr/>
           </p:nvSpPr>
@@ -9479,14 +8870,14 @@
       </p:grpSp>
       <p:sp>
         <p:nvSpPr>
-          <p:cNvPr id="41" name="TextBox 40"/>
+          <p:cNvPr id="16" name="TextBox 15"/>
           <p:cNvSpPr txBox="1"/>
           <p:nvPr/>
         </p:nvSpPr>
         <p:spPr>
           <a:xfrm>
             <a:off x="5389698" y="3583001"/>
-            <a:ext cx="2372516" cy="461665"/>
+            <a:ext cx="2236510" cy="400110"/>
           </a:xfrm>
           <a:prstGeom prst="rect">
             <a:avLst/>
@@ -9500,9 +8891,10 @@
           <a:lstStyle/>
           <a:p>
             <a:r>
-              <a:rPr lang="en-US" sz="2400" dirty="0">
-                <a:latin typeface="Xingkai SC Light"/>
-                <a:cs typeface="Xingkai SC Light"/>
+              <a:rPr lang="en-US" sz="2000" dirty="0">
+                <a:latin typeface="Brush Script MT" panose="03060802040406070304" pitchFamily="66" charset="-122"/>
+                <a:ea typeface="Brush Script MT" panose="03060802040406070304" pitchFamily="66" charset="-122"/>
+                <a:cs typeface="Brush Script MT" panose="03060802040406070304" pitchFamily="66" charset="-122"/>
               </a:rPr>
               <a:t>l</a:t>
             </a:r>
@@ -9620,7 +9012,7 @@
       </p:sp>
       <p:sp>
         <p:nvSpPr>
-          <p:cNvPr id="42" name="TextBox 41"/>
+          <p:cNvPr id="17" name="TextBox 16"/>
           <p:cNvSpPr txBox="1"/>
           <p:nvPr/>
         </p:nvSpPr>
@@ -9652,14 +9044,14 @@
       </p:sp>
       <p:sp>
         <p:nvSpPr>
-          <p:cNvPr id="43" name="TextBox 42"/>
+          <p:cNvPr id="19" name="TextBox 18"/>
           <p:cNvSpPr txBox="1"/>
           <p:nvPr/>
         </p:nvSpPr>
         <p:spPr>
           <a:xfrm>
             <a:off x="5372766" y="4130509"/>
-            <a:ext cx="2372516" cy="461665"/>
+            <a:ext cx="2247731" cy="461665"/>
           </a:xfrm>
           <a:prstGeom prst="rect">
             <a:avLst/>
@@ -9674,8 +9066,9 @@
           <a:p>
             <a:r>
               <a:rPr lang="en-US" sz="2400" dirty="0">
-                <a:latin typeface="Xingkai SC Light"/>
-                <a:cs typeface="Xingkai SC Light"/>
+                <a:latin typeface="Brush Script MT" panose="03060802040406070304" pitchFamily="66" charset="-122"/>
+                <a:ea typeface="Brush Script MT" panose="03060802040406070304" pitchFamily="66" charset="-122"/>
+                <a:cs typeface="Brush Script MT" panose="03060802040406070304" pitchFamily="66" charset="-122"/>
               </a:rPr>
               <a:t>l</a:t>
             </a:r>
@@ -9791,351 +9184,16 @@
           </a:p>
         </p:txBody>
       </p:sp>
-    </p:spTree>
-    <p:extLst>
-      <p:ext uri="{BB962C8B-B14F-4D97-AF65-F5344CB8AC3E}">
-        <p14:creationId xmlns:p14="http://schemas.microsoft.com/office/powerpoint/2010/main" val="2147865526"/>
-      </p:ext>
-    </p:extLst>
-  </p:cSld>
-  <p:clrMapOvr>
-    <a:masterClrMapping/>
-  </p:clrMapOvr>
-  <p:timing>
-    <p:tnLst>
-      <p:par>
-        <p:cTn id="1" dur="indefinite" restart="never" nodeType="tmRoot">
-          <p:childTnLst>
-            <p:seq concurrent="1" nextAc="seek">
-              <p:cTn id="2" dur="indefinite" nodeType="mainSeq">
-                <p:childTnLst>
-                  <p:par>
-                    <p:cTn id="3" fill="hold">
-                      <p:stCondLst>
-                        <p:cond delay="indefinite"/>
-                      </p:stCondLst>
-                      <p:childTnLst>
-                        <p:par>
-                          <p:cTn id="4" fill="hold">
-                            <p:stCondLst>
-                              <p:cond delay="0"/>
-                            </p:stCondLst>
-                            <p:childTnLst>
-                              <p:par>
-                                <p:cTn id="5" presetID="1" presetClass="entr" presetSubtype="0" fill="hold" grpId="0" nodeType="clickEffect">
-                                  <p:stCondLst>
-                                    <p:cond delay="0"/>
-                                  </p:stCondLst>
-                                  <p:childTnLst>
-                                    <p:set>
-                                      <p:cBhvr>
-                                        <p:cTn id="6" dur="1" fill="hold">
-                                          <p:stCondLst>
-                                            <p:cond delay="0"/>
-                                          </p:stCondLst>
-                                        </p:cTn>
-                                        <p:tgtEl>
-                                          <p:spTgt spid="31"/>
-                                        </p:tgtEl>
-                                        <p:attrNameLst>
-                                          <p:attrName>style.visibility</p:attrName>
-                                        </p:attrNameLst>
-                                      </p:cBhvr>
-                                      <p:to>
-                                        <p:strVal val="visible"/>
-                                      </p:to>
-                                    </p:set>
-                                  </p:childTnLst>
-                                </p:cTn>
-                              </p:par>
-                              <p:par>
-                                <p:cTn id="7" presetID="1" presetClass="entr" presetSubtype="0" fill="hold" grpId="0" nodeType="withEffect">
-                                  <p:stCondLst>
-                                    <p:cond delay="0"/>
-                                  </p:stCondLst>
-                                  <p:childTnLst>
-                                    <p:set>
-                                      <p:cBhvr>
-                                        <p:cTn id="8" dur="1" fill="hold">
-                                          <p:stCondLst>
-                                            <p:cond delay="0"/>
-                                          </p:stCondLst>
-                                        </p:cTn>
-                                        <p:tgtEl>
-                                          <p:spTgt spid="2"/>
-                                        </p:tgtEl>
-                                        <p:attrNameLst>
-                                          <p:attrName>style.visibility</p:attrName>
-                                        </p:attrNameLst>
-                                      </p:cBhvr>
-                                      <p:to>
-                                        <p:strVal val="visible"/>
-                                      </p:to>
-                                    </p:set>
-                                  </p:childTnLst>
-                                </p:cTn>
-                              </p:par>
-                            </p:childTnLst>
-                          </p:cTn>
-                        </p:par>
-                      </p:childTnLst>
-                    </p:cTn>
-                  </p:par>
-                </p:childTnLst>
-              </p:cTn>
-              <p:prevCondLst>
-                <p:cond evt="onPrev" delay="0">
-                  <p:tgtEl>
-                    <p:sldTgt/>
-                  </p:tgtEl>
-                </p:cond>
-              </p:prevCondLst>
-              <p:nextCondLst>
-                <p:cond evt="onNext" delay="0">
-                  <p:tgtEl>
-                    <p:sldTgt/>
-                  </p:tgtEl>
-                </p:cond>
-              </p:nextCondLst>
-            </p:seq>
-          </p:childTnLst>
-        </p:cTn>
-      </p:par>
-    </p:tnLst>
-    <p:bldLst>
-      <p:bldP spid="31" grpId="0" animBg="1"/>
-      <p:bldP spid="2" grpId="0"/>
-    </p:bldLst>
-  </p:timing>
-</p:sld>
-</file>
-
-<file path=ppt/slides/slide13.xml><?xml version="1.0" encoding="utf-8"?>
-<p:sld xmlns:a="http://schemas.openxmlformats.org/drawingml/2006/main" xmlns:r="http://schemas.openxmlformats.org/officeDocument/2006/relationships" xmlns:p="http://schemas.openxmlformats.org/presentationml/2006/main" showMasterPhAnim="0">
-  <p:cSld>
-    <p:spTree>
-      <p:nvGrpSpPr>
-        <p:cNvPr id="1" name=""/>
-        <p:cNvGrpSpPr/>
-        <p:nvPr/>
-      </p:nvGrpSpPr>
-      <p:grpSpPr>
-        <a:xfrm>
-          <a:off x="0" y="0"/>
-          <a:ext cx="0" cy="0"/>
-          <a:chOff x="0" y="0"/>
-          <a:chExt cx="0" cy="0"/>
-        </a:xfrm>
-      </p:grpSpPr>
-      <p:sp>
-        <p:nvSpPr>
-          <p:cNvPr id="764930" name="Text Box 2"/>
-          <p:cNvSpPr txBox="1">
-            <a:spLocks noChangeArrowheads="1"/>
-          </p:cNvSpPr>
-          <p:nvPr/>
-        </p:nvSpPr>
-        <p:spPr bwMode="auto">
-          <a:xfrm>
-            <a:off x="290513" y="268288"/>
-            <a:ext cx="8218487" cy="615553"/>
-          </a:xfrm>
-          <a:prstGeom prst="rect">
-            <a:avLst/>
-          </a:prstGeom>
-          <a:noFill/>
-          <a:ln w="9525">
-            <a:noFill/>
-            <a:miter lim="800000"/>
-            <a:headEnd/>
-            <a:tailEnd/>
-          </a:ln>
-        </p:spPr>
-        <p:txBody>
-          <a:bodyPr>
-            <a:spAutoFit/>
-          </a:bodyPr>
-          <a:lstStyle/>
-          <a:p>
-            <a:pPr eaLnBrk="0" hangingPunct="0"/>
-            <a:r>
-              <a:rPr lang="en-US" sz="2400" dirty="0">
-                <a:solidFill>
-                  <a:srgbClr val="0000FF"/>
-                </a:solidFill>
-                <a:latin typeface="Trebuchet MS" pitchFamily="34" charset="0"/>
-              </a:rPr>
-              <a:t>[ Line from two points ]</a:t>
-            </a:r>
-          </a:p>
-          <a:p>
-            <a:pPr eaLnBrk="0" hangingPunct="0"/>
-            <a:endParaRPr lang="en-US" sz="1000" dirty="0">
-              <a:solidFill>
-                <a:srgbClr val="0000FF"/>
-              </a:solidFill>
-              <a:latin typeface="Trebuchet MS" pitchFamily="34" charset="0"/>
-            </a:endParaRPr>
-          </a:p>
-        </p:txBody>
-      </p:sp>
-      <p:cxnSp>
-        <p:nvCxnSpPr>
-          <p:cNvPr id="8" name="Straight Connector 7"/>
-          <p:cNvCxnSpPr/>
-          <p:nvPr/>
-        </p:nvCxnSpPr>
-        <p:spPr>
-          <a:xfrm>
-            <a:off x="1354675" y="2300111"/>
-            <a:ext cx="3880556" cy="1453445"/>
-          </a:xfrm>
-          <a:prstGeom prst="line">
-            <a:avLst/>
-          </a:prstGeom>
-          <a:ln>
-            <a:solidFill>
-              <a:srgbClr val="FF6600"/>
-            </a:solidFill>
-          </a:ln>
-        </p:spPr>
-        <p:style>
-          <a:lnRef idx="2">
-            <a:schemeClr val="accent1"/>
-          </a:lnRef>
-          <a:fillRef idx="0">
-            <a:schemeClr val="accent1"/>
-          </a:fillRef>
-          <a:effectRef idx="1">
-            <a:schemeClr val="accent1"/>
-          </a:effectRef>
-          <a:fontRef idx="minor">
-            <a:schemeClr val="tx1"/>
-          </a:fontRef>
-        </p:style>
-      </p:cxnSp>
-      <p:sp>
-        <p:nvSpPr>
-          <p:cNvPr id="9" name="Oval 8"/>
-          <p:cNvSpPr/>
-          <p:nvPr/>
-        </p:nvSpPr>
-        <p:spPr>
-          <a:xfrm>
-            <a:off x="2638797" y="2765773"/>
-            <a:ext cx="43124" cy="38946"/>
-          </a:xfrm>
-          <a:prstGeom prst="ellipse">
-            <a:avLst/>
-          </a:prstGeom>
-          <a:solidFill>
-            <a:schemeClr val="tx1"/>
-          </a:solidFill>
-          <a:ln>
-            <a:solidFill>
-              <a:schemeClr val="tx1"/>
-            </a:solidFill>
-          </a:ln>
-        </p:spPr>
-        <p:style>
-          <a:lnRef idx="1">
-            <a:schemeClr val="accent1"/>
-          </a:lnRef>
-          <a:fillRef idx="3">
-            <a:schemeClr val="accent1"/>
-          </a:fillRef>
-          <a:effectRef idx="2">
-            <a:schemeClr val="accent1"/>
-          </a:effectRef>
-          <a:fontRef idx="minor">
-            <a:schemeClr val="lt1"/>
-          </a:fontRef>
-        </p:style>
-        <p:txBody>
-          <a:bodyPr rtlCol="0" anchor="ctr"/>
-          <a:lstStyle/>
-          <a:p>
-            <a:pPr algn="ctr"/>
-            <a:endParaRPr lang="en-US"/>
-          </a:p>
-        </p:txBody>
-      </p:sp>
-      <p:cxnSp>
-        <p:nvCxnSpPr>
-          <p:cNvPr id="11" name="Straight Arrow Connector 10"/>
-          <p:cNvCxnSpPr/>
-          <p:nvPr/>
-        </p:nvCxnSpPr>
-        <p:spPr>
-          <a:xfrm flipV="1">
-            <a:off x="1848565" y="1467556"/>
-            <a:ext cx="789" cy="3400777"/>
-          </a:xfrm>
-          <a:prstGeom prst="straightConnector1">
-            <a:avLst/>
-          </a:prstGeom>
-          <a:ln>
-            <a:tailEnd type="arrow"/>
-          </a:ln>
-        </p:spPr>
-        <p:style>
-          <a:lnRef idx="2">
-            <a:schemeClr val="accent1"/>
-          </a:lnRef>
-          <a:fillRef idx="0">
-            <a:schemeClr val="accent1"/>
-          </a:fillRef>
-          <a:effectRef idx="1">
-            <a:schemeClr val="accent1"/>
-          </a:effectRef>
-          <a:fontRef idx="minor">
-            <a:schemeClr val="tx1"/>
-          </a:fontRef>
-        </p:style>
-      </p:cxnSp>
-      <p:cxnSp>
-        <p:nvCxnSpPr>
-          <p:cNvPr id="12" name="Straight Arrow Connector 11"/>
-          <p:cNvCxnSpPr/>
-          <p:nvPr/>
-        </p:nvCxnSpPr>
-        <p:spPr>
-          <a:xfrm flipV="1">
-            <a:off x="1521187" y="4512733"/>
-            <a:ext cx="3333043" cy="1"/>
-          </a:xfrm>
-          <a:prstGeom prst="straightConnector1">
-            <a:avLst/>
-          </a:prstGeom>
-          <a:ln>
-            <a:tailEnd type="arrow"/>
-          </a:ln>
-        </p:spPr>
-        <p:style>
-          <a:lnRef idx="2">
-            <a:schemeClr val="accent1"/>
-          </a:lnRef>
-          <a:fillRef idx="0">
-            <a:schemeClr val="accent1"/>
-          </a:fillRef>
-          <a:effectRef idx="1">
-            <a:schemeClr val="accent1"/>
-          </a:effectRef>
-          <a:fontRef idx="minor">
-            <a:schemeClr val="tx1"/>
-          </a:fontRef>
-        </p:style>
-      </p:cxnSp>
-      <p:sp>
-        <p:nvSpPr>
-          <p:cNvPr id="13" name="TextBox 12"/>
+      <p:sp>
+        <p:nvSpPr>
+          <p:cNvPr id="20" name="TextBox 19"/>
           <p:cNvSpPr txBox="1"/>
           <p:nvPr/>
         </p:nvSpPr>
         <p:spPr>
           <a:xfrm>
-            <a:off x="4713120" y="4557891"/>
-            <a:ext cx="348999" cy="369332"/>
+            <a:off x="1145091" y="5471062"/>
+            <a:ext cx="1858201" cy="461665"/>
           </a:xfrm>
           <a:prstGeom prst="rect">
             <a:avLst/>
@@ -10149,25 +9207,114 @@
           <a:lstStyle/>
           <a:p>
             <a:r>
+              <a:rPr lang="en-US" sz="2400" dirty="0">
+                <a:latin typeface="Brush Script MT" panose="03060802040406070304" pitchFamily="66" charset="-122"/>
+                <a:ea typeface="Brush Script MT" panose="03060802040406070304" pitchFamily="66" charset="-122"/>
+                <a:cs typeface="Brush Script MT" panose="03060802040406070304" pitchFamily="66" charset="-122"/>
+              </a:rPr>
+              <a:t>l</a:t>
+            </a:r>
+            <a:r>
+              <a:rPr lang="en-US" baseline="-25000" dirty="0">
+                <a:latin typeface="Times"/>
+                <a:cs typeface="Times"/>
+              </a:rPr>
+              <a:t>1</a:t>
+            </a:r>
+            <a:r>
               <a:rPr lang="en-US" i="1" dirty="0">
                 <a:latin typeface="Times"/>
                 <a:cs typeface="Times"/>
               </a:rPr>
-              <a:t>x</a:t>
-            </a:r>
+              <a:t> = </a:t>
+            </a:r>
+            <a:r>
+              <a:rPr lang="en-US" dirty="0">
+                <a:latin typeface="Times"/>
+                <a:cs typeface="Times"/>
+              </a:rPr>
+              <a:t>[ </a:t>
+            </a:r>
+            <a:r>
+              <a:rPr lang="en-US" i="1" dirty="0">
+                <a:latin typeface="Times"/>
+                <a:cs typeface="Times"/>
+              </a:rPr>
+              <a:t>a</a:t>
+            </a:r>
+            <a:r>
+              <a:rPr lang="en-US" baseline="-25000" dirty="0">
+                <a:latin typeface="Times"/>
+                <a:cs typeface="Times"/>
+              </a:rPr>
+              <a:t>1</a:t>
+            </a:r>
+            <a:r>
+              <a:rPr lang="en-US" i="1" dirty="0">
+                <a:latin typeface="Times"/>
+                <a:cs typeface="Times"/>
+              </a:rPr>
+              <a:t>   b</a:t>
+            </a:r>
+            <a:r>
+              <a:rPr lang="en-US" baseline="-25000" dirty="0">
+                <a:latin typeface="Times"/>
+                <a:cs typeface="Times"/>
+              </a:rPr>
+              <a:t>1</a:t>
+            </a:r>
+            <a:r>
+              <a:rPr lang="en-US" i="1" dirty="0">
+                <a:latin typeface="Times"/>
+                <a:cs typeface="Times"/>
+              </a:rPr>
+              <a:t>   c</a:t>
+            </a:r>
+            <a:r>
+              <a:rPr lang="en-US" baseline="-25000" dirty="0">
+                <a:latin typeface="Times"/>
+                <a:cs typeface="Times"/>
+              </a:rPr>
+              <a:t>1</a:t>
+            </a:r>
+            <a:r>
+              <a:rPr lang="en-US" i="1" dirty="0">
+                <a:latin typeface="Times"/>
+                <a:cs typeface="Times"/>
+              </a:rPr>
+              <a:t> </a:t>
+            </a:r>
+            <a:r>
+              <a:rPr lang="en-US" dirty="0">
+                <a:latin typeface="Times"/>
+                <a:cs typeface="Times"/>
+              </a:rPr>
+              <a:t>]</a:t>
+            </a:r>
+            <a:r>
+              <a:rPr lang="en-US" baseline="30000" dirty="0">
+                <a:latin typeface="+mj-lt"/>
+                <a:cs typeface="Times"/>
+              </a:rPr>
+              <a:t>T</a:t>
+            </a:r>
+            <a:endParaRPr lang="en-US" i="1" baseline="30000" dirty="0">
+              <a:latin typeface="+mj-lt"/>
+              <a:cs typeface="Times"/>
+            </a:endParaRPr>
           </a:p>
         </p:txBody>
       </p:sp>
       <p:sp>
         <p:nvSpPr>
-          <p:cNvPr id="14" name="TextBox 13"/>
+          <p:cNvPr id="21" name="TextBox 20"/>
           <p:cNvSpPr txBox="1"/>
           <p:nvPr/>
         </p:nvSpPr>
         <p:spPr>
           <a:xfrm>
-            <a:off x="2029185" y="1413554"/>
-            <a:ext cx="348999" cy="369332"/>
+            <a:off x="1142270" y="5877460"/>
+            <a:ext cx="1858201" cy="461665"/>
           </a:xfrm>
           <a:prstGeom prst="rect">
             <a:avLst/>
@@ -10181,449 +9328,75 @@
           <a:lstStyle/>
           <a:p>
             <a:r>
+              <a:rPr lang="en-US" sz="2400" dirty="0">
+                <a:latin typeface="Brush Script MT" panose="03060802040406070304" pitchFamily="66" charset="-122"/>
+                <a:ea typeface="Brush Script MT" panose="03060802040406070304" pitchFamily="66" charset="-122"/>
+                <a:cs typeface="Brush Script MT" panose="03060802040406070304" pitchFamily="66" charset="-122"/>
+              </a:rPr>
+              <a:t>l</a:t>
+            </a:r>
+            <a:r>
+              <a:rPr lang="en-US" baseline="-25000" dirty="0">
+                <a:latin typeface="Times"/>
+                <a:cs typeface="Times"/>
+              </a:rPr>
+              <a:t>2</a:t>
+            </a:r>
+            <a:r>
               <a:rPr lang="en-US" i="1" dirty="0">
                 <a:latin typeface="Times"/>
                 <a:cs typeface="Times"/>
               </a:rPr>
-              <a:t>y</a:t>
-            </a:r>
-          </a:p>
-        </p:txBody>
-      </p:sp>
-      <p:sp>
-        <p:nvSpPr>
-          <p:cNvPr id="15" name="TextBox 14"/>
-          <p:cNvSpPr txBox="1"/>
-          <p:nvPr/>
-        </p:nvSpPr>
-        <p:spPr>
-          <a:xfrm>
-            <a:off x="2830541" y="2477720"/>
-            <a:ext cx="985742" cy="369332"/>
-          </a:xfrm>
-          <a:prstGeom prst="rect">
-            <a:avLst/>
-          </a:prstGeom>
-          <a:noFill/>
-        </p:spPr>
-        <p:txBody>
-          <a:bodyPr wrap="none" rtlCol="0">
-            <a:spAutoFit/>
-          </a:bodyPr>
-          <a:lstStyle/>
-          <a:p>
+              <a:t> = </a:t>
+            </a:r>
             <a:r>
               <a:rPr lang="en-US" dirty="0">
                 <a:latin typeface="Times"/>
                 <a:cs typeface="Times"/>
               </a:rPr>
-              <a:t>( </a:t>
+              <a:t>[ </a:t>
             </a:r>
             <a:r>
               <a:rPr lang="en-US" i="1" dirty="0">
                 <a:latin typeface="Times"/>
                 <a:cs typeface="Times"/>
               </a:rPr>
-              <a:t>x</a:t>
+              <a:t>a</a:t>
             </a:r>
             <a:r>
               <a:rPr lang="en-US" baseline="-25000" dirty="0">
                 <a:latin typeface="Times"/>
                 <a:cs typeface="Times"/>
               </a:rPr>
-              <a:t>1</a:t>
+              <a:t>2</a:t>
             </a:r>
             <a:r>
               <a:rPr lang="en-US" i="1" dirty="0">
                 <a:latin typeface="Times"/>
                 <a:cs typeface="Times"/>
               </a:rPr>
-              <a:t> </a:t>
-            </a:r>
-            <a:r>
-              <a:rPr lang="en-US" dirty="0">
-                <a:latin typeface="Times"/>
-                <a:cs typeface="Times"/>
-              </a:rPr>
-              <a:t>,</a:t>
+              <a:t>   b</a:t>
+            </a:r>
+            <a:r>
+              <a:rPr lang="en-US" baseline="-25000" dirty="0">
+                <a:latin typeface="Times"/>
+                <a:cs typeface="Times"/>
+              </a:rPr>
+              <a:t>2</a:t>
             </a:r>
             <a:r>
               <a:rPr lang="en-US" i="1" dirty="0">
                 <a:latin typeface="Times"/>
                 <a:cs typeface="Times"/>
               </a:rPr>
-              <a:t> y</a:t>
+              <a:t>   c</a:t>
             </a:r>
             <a:r>
               <a:rPr lang="en-US" baseline="-25000" dirty="0">
                 <a:latin typeface="Times"/>
                 <a:cs typeface="Times"/>
               </a:rPr>
-              <a:t>1</a:t>
-            </a:r>
-            <a:r>
-              <a:rPr lang="en-US" i="1" dirty="0">
-                <a:latin typeface="Times"/>
-                <a:cs typeface="Times"/>
-              </a:rPr>
-              <a:t> </a:t>
-            </a:r>
-            <a:r>
-              <a:rPr lang="en-US" dirty="0">
-                <a:latin typeface="Times"/>
-                <a:cs typeface="Times"/>
-              </a:rPr>
-              <a:t>)</a:t>
-            </a:r>
-          </a:p>
-        </p:txBody>
-      </p:sp>
-      <p:sp>
-        <p:nvSpPr>
-          <p:cNvPr id="16" name="TextBox 15"/>
-          <p:cNvSpPr txBox="1"/>
-          <p:nvPr/>
-        </p:nvSpPr>
-        <p:spPr>
-          <a:xfrm>
-            <a:off x="5389698" y="3583001"/>
-            <a:ext cx="2128947" cy="461665"/>
-          </a:xfrm>
-          <a:prstGeom prst="rect">
-            <a:avLst/>
-          </a:prstGeom>
-          <a:noFill/>
-        </p:spPr>
-        <p:txBody>
-          <a:bodyPr wrap="none" rtlCol="0">
-            <a:spAutoFit/>
-          </a:bodyPr>
-          <a:lstStyle/>
-          <a:p>
-            <a:r>
-              <a:rPr lang="en-US" sz="2400" dirty="0">
-                <a:latin typeface="Xingkai SC Light"/>
-                <a:cs typeface="Xingkai SC Light"/>
-              </a:rPr>
-              <a:t>l</a:t>
-            </a:r>
-            <a:r>
-              <a:rPr lang="en-US" i="1" dirty="0">
-                <a:latin typeface="Times"/>
-                <a:cs typeface="Times"/>
-              </a:rPr>
-              <a:t> </a:t>
-            </a:r>
-            <a:r>
-              <a:rPr lang="en-US" dirty="0">
-                <a:latin typeface="Times"/>
-                <a:cs typeface="Times"/>
-              </a:rPr>
-              <a:t>: </a:t>
-            </a:r>
-            <a:r>
-              <a:rPr lang="en-US" i="1" dirty="0">
-                <a:latin typeface="Times"/>
-                <a:cs typeface="Times"/>
-              </a:rPr>
-              <a:t>a x</a:t>
-            </a:r>
-            <a:r>
-              <a:rPr lang="en-US" dirty="0">
-                <a:latin typeface="Times"/>
-                <a:cs typeface="Times"/>
-              </a:rPr>
-              <a:t> + </a:t>
-            </a:r>
-            <a:r>
-              <a:rPr lang="en-US" i="1" dirty="0">
-                <a:latin typeface="Times"/>
-                <a:cs typeface="Times"/>
-              </a:rPr>
-              <a:t>b y </a:t>
-            </a:r>
-            <a:r>
-              <a:rPr lang="en-US" dirty="0">
-                <a:latin typeface="Times"/>
-                <a:cs typeface="Times"/>
-              </a:rPr>
-              <a:t>+ </a:t>
-            </a:r>
-            <a:r>
-              <a:rPr lang="en-US" i="1" dirty="0">
-                <a:latin typeface="Times"/>
-                <a:cs typeface="Times"/>
-              </a:rPr>
-              <a:t>c </a:t>
-            </a:r>
-            <a:r>
-              <a:rPr lang="en-US" dirty="0">
-                <a:latin typeface="Times"/>
-                <a:cs typeface="Times"/>
-              </a:rPr>
-              <a:t>= 0</a:t>
-            </a:r>
-            <a:endParaRPr lang="en-US" i="1" dirty="0">
-              <a:latin typeface="Times"/>
-              <a:cs typeface="Times"/>
-            </a:endParaRPr>
-          </a:p>
-        </p:txBody>
-      </p:sp>
-      <p:sp>
-        <p:nvSpPr>
-          <p:cNvPr id="17" name="TextBox 16"/>
-          <p:cNvSpPr txBox="1"/>
-          <p:nvPr/>
-        </p:nvSpPr>
-        <p:spPr>
-          <a:xfrm>
-            <a:off x="2407361" y="2835944"/>
-            <a:ext cx="486178" cy="369332"/>
-          </a:xfrm>
-          <a:prstGeom prst="rect">
-            <a:avLst/>
-          </a:prstGeom>
-          <a:noFill/>
-        </p:spPr>
-        <p:txBody>
-          <a:bodyPr wrap="none" rtlCol="0">
-            <a:spAutoFit/>
-          </a:bodyPr>
-          <a:lstStyle/>
-          <a:p>
-            <a:r>
-              <a:rPr lang="en-US" i="1" dirty="0">
-                <a:latin typeface="Times"/>
-                <a:cs typeface="Times"/>
-              </a:rPr>
-              <a:t>m</a:t>
-            </a:r>
-            <a:r>
-              <a:rPr lang="en-US" baseline="-25000" dirty="0">
-                <a:latin typeface="Times"/>
-                <a:cs typeface="Times"/>
-              </a:rPr>
-              <a:t>1</a:t>
-            </a:r>
-            <a:endParaRPr lang="en-US" i="1" dirty="0">
-              <a:latin typeface="Times"/>
-              <a:cs typeface="Times"/>
-            </a:endParaRPr>
-          </a:p>
-        </p:txBody>
-      </p:sp>
-      <p:sp>
-        <p:nvSpPr>
-          <p:cNvPr id="20" name="TextBox 19"/>
-          <p:cNvSpPr txBox="1"/>
-          <p:nvPr/>
-        </p:nvSpPr>
-        <p:spPr>
-          <a:xfrm>
-            <a:off x="1145091" y="5471062"/>
-            <a:ext cx="1910737" cy="369332"/>
-          </a:xfrm>
-          <a:prstGeom prst="rect">
-            <a:avLst/>
-          </a:prstGeom>
-          <a:noFill/>
-        </p:spPr>
-        <p:txBody>
-          <a:bodyPr wrap="none" rtlCol="0">
-            <a:spAutoFit/>
-          </a:bodyPr>
-          <a:lstStyle/>
-          <a:p>
-            <a:r>
-              <a:rPr lang="en-US" b="1" dirty="0">
-                <a:latin typeface="Times"/>
-                <a:cs typeface="Times"/>
-              </a:rPr>
-              <a:t>m</a:t>
-            </a:r>
-            <a:r>
-              <a:rPr lang="en-US" baseline="-25000" dirty="0">
-                <a:latin typeface="Times"/>
-                <a:cs typeface="Times"/>
-              </a:rPr>
-              <a:t>1</a:t>
-            </a:r>
-            <a:r>
-              <a:rPr lang="en-US" i="1" dirty="0">
-                <a:latin typeface="Times"/>
-                <a:cs typeface="Times"/>
-              </a:rPr>
-              <a:t> = </a:t>
-            </a:r>
-            <a:r>
-              <a:rPr lang="en-US" dirty="0">
-                <a:latin typeface="Times"/>
-                <a:cs typeface="Times"/>
-              </a:rPr>
-              <a:t>[ </a:t>
-            </a:r>
-            <a:r>
-              <a:rPr lang="en-US" i="1" dirty="0">
-                <a:latin typeface="Times"/>
-                <a:cs typeface="Times"/>
-              </a:rPr>
-              <a:t>x</a:t>
-            </a:r>
-            <a:r>
-              <a:rPr lang="en-US" baseline="-25000" dirty="0">
-                <a:latin typeface="Times"/>
-                <a:cs typeface="Times"/>
-              </a:rPr>
-              <a:t>1</a:t>
-            </a:r>
-            <a:r>
-              <a:rPr lang="en-US" i="1" dirty="0">
-                <a:latin typeface="Times"/>
-                <a:cs typeface="Times"/>
-              </a:rPr>
-              <a:t>   y</a:t>
-            </a:r>
-            <a:r>
-              <a:rPr lang="en-US" baseline="-25000" dirty="0">
-                <a:latin typeface="Times"/>
-                <a:cs typeface="Times"/>
-              </a:rPr>
-              <a:t>1</a:t>
-            </a:r>
-            <a:r>
-              <a:rPr lang="en-US" i="1" dirty="0">
-                <a:latin typeface="Times"/>
-                <a:cs typeface="Times"/>
-              </a:rPr>
-              <a:t>   </a:t>
-            </a:r>
-            <a:r>
-              <a:rPr lang="en-US" dirty="0">
-                <a:latin typeface="Times"/>
-                <a:cs typeface="Times"/>
-              </a:rPr>
-              <a:t>1</a:t>
-            </a:r>
-            <a:r>
-              <a:rPr lang="en-US" i="1" dirty="0">
-                <a:latin typeface="Times"/>
-                <a:cs typeface="Times"/>
-              </a:rPr>
-              <a:t> </a:t>
-            </a:r>
-            <a:r>
-              <a:rPr lang="en-US" dirty="0">
-                <a:latin typeface="Times"/>
-                <a:cs typeface="Times"/>
-              </a:rPr>
-              <a:t>]</a:t>
-            </a:r>
-            <a:r>
-              <a:rPr lang="en-US" baseline="30000" dirty="0">
-                <a:latin typeface="+mj-lt"/>
-                <a:cs typeface="Times"/>
-              </a:rPr>
-              <a:t>T</a:t>
-            </a:r>
-            <a:endParaRPr lang="en-US" i="1" baseline="30000" dirty="0">
-              <a:latin typeface="+mj-lt"/>
-              <a:cs typeface="Times"/>
-            </a:endParaRPr>
-          </a:p>
-        </p:txBody>
-      </p:sp>
-      <p:sp>
-        <p:nvSpPr>
-          <p:cNvPr id="21" name="TextBox 20"/>
-          <p:cNvSpPr txBox="1"/>
-          <p:nvPr/>
-        </p:nvSpPr>
-        <p:spPr>
-          <a:xfrm>
-            <a:off x="1142270" y="5877460"/>
-            <a:ext cx="1910737" cy="369332"/>
-          </a:xfrm>
-          <a:prstGeom prst="rect">
-            <a:avLst/>
-          </a:prstGeom>
-          <a:noFill/>
-        </p:spPr>
-        <p:txBody>
-          <a:bodyPr wrap="none" rtlCol="0">
-            <a:spAutoFit/>
-          </a:bodyPr>
-          <a:lstStyle/>
-          <a:p>
-            <a:r>
-              <a:rPr lang="en-US" b="1" dirty="0">
-                <a:latin typeface="Times"/>
-                <a:cs typeface="Times"/>
-              </a:rPr>
-              <a:t>m</a:t>
-            </a:r>
-            <a:r>
-              <a:rPr lang="en-US" baseline="-25000" dirty="0">
-                <a:latin typeface="Times"/>
-                <a:cs typeface="Times"/>
-              </a:rPr>
               <a:t>2</a:t>
-            </a:r>
-            <a:r>
-              <a:rPr lang="en-US" i="1" dirty="0">
-                <a:latin typeface="Times"/>
-                <a:cs typeface="Times"/>
-              </a:rPr>
-              <a:t> = </a:t>
-            </a:r>
-            <a:r>
-              <a:rPr lang="en-US" dirty="0">
-                <a:latin typeface="Times"/>
-                <a:cs typeface="Times"/>
-              </a:rPr>
-              <a:t>[ </a:t>
-            </a:r>
-            <a:r>
-              <a:rPr lang="en-US" i="1" dirty="0">
-                <a:latin typeface="Times"/>
-                <a:cs typeface="Times"/>
-              </a:rPr>
-              <a:t>x</a:t>
-            </a:r>
-            <a:r>
-              <a:rPr lang="en-US" baseline="-25000" dirty="0">
-                <a:latin typeface="Times"/>
-                <a:cs typeface="Times"/>
-              </a:rPr>
-              <a:t>2</a:t>
-            </a:r>
-            <a:r>
-              <a:rPr lang="en-US" i="1" dirty="0">
-                <a:latin typeface="Times"/>
-                <a:cs typeface="Times"/>
-              </a:rPr>
-              <a:t>   x</a:t>
-            </a:r>
-            <a:r>
-              <a:rPr lang="en-US" baseline="-25000" dirty="0">
-                <a:latin typeface="Times"/>
-                <a:cs typeface="Times"/>
-              </a:rPr>
-              <a:t>2</a:t>
-            </a:r>
-            <a:r>
-              <a:rPr lang="en-US" i="1" dirty="0">
-                <a:latin typeface="Times"/>
-                <a:cs typeface="Times"/>
-              </a:rPr>
-              <a:t>   </a:t>
-            </a:r>
-            <a:r>
-              <a:rPr lang="en-US" dirty="0">
-                <a:latin typeface="Times"/>
-                <a:cs typeface="Times"/>
-              </a:rPr>
-              <a:t>1</a:t>
             </a:r>
             <a:r>
               <a:rPr lang="en-US" i="1" dirty="0">
@@ -10662,9 +9435,9 @@
         <p:grpSpPr>
           <a:xfrm>
             <a:off x="3090788" y="5574073"/>
-            <a:ext cx="1879712" cy="717307"/>
+            <a:ext cx="1624835" cy="797107"/>
             <a:chOff x="3090788" y="5574073"/>
-            <a:chExt cx="1879712" cy="717307"/>
+            <a:chExt cx="1624835" cy="797107"/>
           </a:xfrm>
         </p:grpSpPr>
         <p:sp>
@@ -10719,6 +9492,1587 @@
           <p:spPr>
             <a:xfrm>
               <a:off x="3516256" y="5632516"/>
+              <a:ext cx="1199367" cy="738664"/>
+            </a:xfrm>
+            <a:prstGeom prst="rect">
+              <a:avLst/>
+            </a:prstGeom>
+          </p:spPr>
+          <p:txBody>
+            <a:bodyPr wrap="none">
+              <a:spAutoFit/>
+            </a:bodyPr>
+            <a:lstStyle/>
+            <a:p>
+              <a:r>
+                <a:rPr lang="en-US" sz="2400" dirty="0">
+                  <a:latin typeface="Brush Script MT" panose="03060802040406070304" pitchFamily="66" charset="-122"/>
+                  <a:ea typeface="Brush Script MT" panose="03060802040406070304" pitchFamily="66" charset="-122"/>
+                  <a:cs typeface="Brush Script MT" panose="03060802040406070304" pitchFamily="66" charset="-122"/>
+                </a:rPr>
+                <a:t>l</a:t>
+              </a:r>
+              <a:r>
+                <a:rPr lang="en-US" baseline="-25000" dirty="0">
+                  <a:latin typeface="Times"/>
+                  <a:cs typeface="Times"/>
+                </a:rPr>
+                <a:t>1</a:t>
+              </a:r>
+              <a:r>
+                <a:rPr lang="en-US" i="1" dirty="0">
+                  <a:latin typeface="Times"/>
+                  <a:cs typeface="Times"/>
+                </a:rPr>
+                <a:t> </a:t>
+              </a:r>
+              <a:r>
+                <a:rPr lang="en-US" dirty="0">
+                  <a:latin typeface="Trebuchet MS"/>
+                  <a:cs typeface="Trebuchet MS"/>
+                </a:rPr>
+                <a:t>x</a:t>
+              </a:r>
+              <a:r>
+                <a:rPr lang="en-US" i="1" dirty="0">
+                  <a:latin typeface="Times"/>
+                  <a:cs typeface="Times"/>
+                </a:rPr>
+                <a:t>  </a:t>
+              </a:r>
+              <a:r>
+                <a:rPr lang="en-US" sz="2400" dirty="0">
+                  <a:latin typeface="Brush Script MT" panose="03060802040406070304" pitchFamily="66" charset="-122"/>
+                  <a:ea typeface="Brush Script MT" panose="03060802040406070304" pitchFamily="66" charset="-122"/>
+                  <a:cs typeface="Brush Script MT" panose="03060802040406070304" pitchFamily="66" charset="-122"/>
+                </a:rPr>
+                <a:t>l</a:t>
+              </a:r>
+              <a:r>
+                <a:rPr lang="en-US" baseline="-25000" dirty="0">
+                  <a:latin typeface="Times"/>
+                  <a:cs typeface="Times"/>
+                </a:rPr>
+                <a:t>2</a:t>
+              </a:r>
+              <a:r>
+                <a:rPr lang="en-US" i="1" dirty="0">
+                  <a:latin typeface="Times"/>
+                  <a:cs typeface="Times"/>
+                </a:rPr>
+                <a:t> = </a:t>
+              </a:r>
+              <a:r>
+                <a:rPr lang="en-US" b="1" dirty="0">
+                  <a:latin typeface="Times"/>
+                  <a:cs typeface="Times"/>
+                </a:rPr>
+                <a:t>w</a:t>
+              </a:r>
+              <a:endParaRPr lang="en-US" b="1" dirty="0"/>
+            </a:p>
+            <a:p>
+              <a:endParaRPr lang="en-US" dirty="0"/>
+            </a:p>
+          </p:txBody>
+        </p:sp>
+      </p:grpSp>
+      <p:grpSp>
+        <p:nvGrpSpPr>
+          <p:cNvPr id="24" name="Group 23"/>
+          <p:cNvGrpSpPr/>
+          <p:nvPr/>
+        </p:nvGrpSpPr>
+        <p:grpSpPr>
+          <a:xfrm>
+            <a:off x="6442381" y="5390183"/>
+            <a:ext cx="1061124" cy="868063"/>
+            <a:chOff x="6442381" y="5390183"/>
+            <a:chExt cx="1061124" cy="868063"/>
+          </a:xfrm>
+        </p:grpSpPr>
+        <p:sp>
+          <p:nvSpPr>
+            <p:cNvPr id="25" name="Rectangle 24"/>
+            <p:cNvSpPr/>
+            <p:nvPr/>
+          </p:nvSpPr>
+          <p:spPr>
+            <a:xfrm>
+              <a:off x="6445202" y="5390183"/>
+              <a:ext cx="1058303" cy="461665"/>
+            </a:xfrm>
+            <a:prstGeom prst="rect">
+              <a:avLst/>
+            </a:prstGeom>
+          </p:spPr>
+          <p:txBody>
+            <a:bodyPr wrap="none">
+              <a:spAutoFit/>
+            </a:bodyPr>
+            <a:lstStyle/>
+            <a:p>
+              <a:r>
+                <a:rPr lang="en-US" sz="2400" dirty="0">
+                  <a:latin typeface="Brush Script MT" panose="03060802040406070304" pitchFamily="66" charset="-122"/>
+                  <a:ea typeface="Brush Script MT" panose="03060802040406070304" pitchFamily="66" charset="-122"/>
+                  <a:cs typeface="Brush Script MT" panose="03060802040406070304" pitchFamily="66" charset="-122"/>
+                </a:rPr>
+                <a:t>l</a:t>
+              </a:r>
+              <a:r>
+                <a:rPr lang="en-US" baseline="-25000" dirty="0">
+                  <a:latin typeface="Times"/>
+                  <a:cs typeface="Times"/>
+                </a:rPr>
+                <a:t>1</a:t>
+              </a:r>
+              <a:r>
+                <a:rPr lang="en-US" i="1" dirty="0">
+                  <a:latin typeface="Times"/>
+                  <a:cs typeface="Times"/>
+                </a:rPr>
+                <a:t>   </a:t>
+              </a:r>
+              <a:r>
+                <a:rPr lang="en-US" b="1" dirty="0">
+                  <a:latin typeface="Times"/>
+                  <a:cs typeface="Times"/>
+                </a:rPr>
+                <a:t>w </a:t>
+              </a:r>
+              <a:r>
+                <a:rPr lang="en-US" i="1" dirty="0">
+                  <a:latin typeface="Times"/>
+                  <a:cs typeface="Times"/>
+                </a:rPr>
+                <a:t>= </a:t>
+              </a:r>
+              <a:r>
+                <a:rPr lang="en-US" dirty="0">
+                  <a:latin typeface="Times"/>
+                  <a:cs typeface="Times"/>
+                </a:rPr>
+                <a:t>0</a:t>
+              </a:r>
+              <a:endParaRPr lang="en-US" b="1" dirty="0"/>
+            </a:p>
+          </p:txBody>
+        </p:sp>
+        <p:sp>
+          <p:nvSpPr>
+            <p:cNvPr id="26" name="Rectangle 25"/>
+            <p:cNvSpPr/>
+            <p:nvPr/>
+          </p:nvSpPr>
+          <p:spPr>
+            <a:xfrm>
+              <a:off x="6628197" y="5504558"/>
+              <a:ext cx="290276" cy="369332"/>
+            </a:xfrm>
+            <a:prstGeom prst="rect">
+              <a:avLst/>
+            </a:prstGeom>
+          </p:spPr>
+          <p:txBody>
+            <a:bodyPr wrap="none">
+              <a:spAutoFit/>
+            </a:bodyPr>
+            <a:lstStyle/>
+            <a:p>
+              <a:r>
+                <a:rPr lang="en-US" b="1" dirty="0">
+                  <a:latin typeface="Wingdings"/>
+                  <a:ea typeface="Wingdings"/>
+                  <a:cs typeface="Wingdings"/>
+                  <a:sym typeface="Wingdings"/>
+                </a:rPr>
+                <a:t></a:t>
+              </a:r>
+              <a:endParaRPr lang="en-US" dirty="0"/>
+            </a:p>
+          </p:txBody>
+        </p:sp>
+        <p:sp>
+          <p:nvSpPr>
+            <p:cNvPr id="27" name="Rectangle 26"/>
+            <p:cNvSpPr/>
+            <p:nvPr/>
+          </p:nvSpPr>
+          <p:spPr>
+            <a:xfrm>
+              <a:off x="6442381" y="5796581"/>
+              <a:ext cx="1058303" cy="461665"/>
+            </a:xfrm>
+            <a:prstGeom prst="rect">
+              <a:avLst/>
+            </a:prstGeom>
+          </p:spPr>
+          <p:txBody>
+            <a:bodyPr wrap="none">
+              <a:spAutoFit/>
+            </a:bodyPr>
+            <a:lstStyle/>
+            <a:p>
+              <a:r>
+                <a:rPr lang="en-US" sz="2400" dirty="0">
+                  <a:latin typeface="Brush Script MT" panose="03060802040406070304" pitchFamily="66" charset="-122"/>
+                  <a:ea typeface="Brush Script MT" panose="03060802040406070304" pitchFamily="66" charset="-122"/>
+                  <a:cs typeface="Brush Script MT" panose="03060802040406070304" pitchFamily="66" charset="-122"/>
+                </a:rPr>
+                <a:t>l</a:t>
+              </a:r>
+              <a:r>
+                <a:rPr lang="en-US" baseline="-25000" dirty="0">
+                  <a:latin typeface="Times"/>
+                  <a:cs typeface="Times"/>
+                </a:rPr>
+                <a:t>2</a:t>
+              </a:r>
+              <a:r>
+                <a:rPr lang="en-US" i="1" dirty="0">
+                  <a:latin typeface="Times"/>
+                  <a:cs typeface="Times"/>
+                </a:rPr>
+                <a:t>   </a:t>
+              </a:r>
+              <a:r>
+                <a:rPr lang="en-US" b="1" dirty="0">
+                  <a:latin typeface="Times"/>
+                  <a:cs typeface="Times"/>
+                </a:rPr>
+                <a:t>w </a:t>
+              </a:r>
+              <a:r>
+                <a:rPr lang="en-US" i="1" dirty="0">
+                  <a:latin typeface="Times"/>
+                  <a:cs typeface="Times"/>
+                </a:rPr>
+                <a:t>= </a:t>
+              </a:r>
+              <a:r>
+                <a:rPr lang="en-US" dirty="0">
+                  <a:latin typeface="Times"/>
+                  <a:cs typeface="Times"/>
+                </a:rPr>
+                <a:t>0</a:t>
+              </a:r>
+              <a:endParaRPr lang="en-US" b="1" dirty="0"/>
+            </a:p>
+          </p:txBody>
+        </p:sp>
+        <p:sp>
+          <p:nvSpPr>
+            <p:cNvPr id="28" name="Rectangle 27"/>
+            <p:cNvSpPr/>
+            <p:nvPr/>
+          </p:nvSpPr>
+          <p:spPr>
+            <a:xfrm>
+              <a:off x="6625376" y="5876231"/>
+              <a:ext cx="290276" cy="369332"/>
+            </a:xfrm>
+            <a:prstGeom prst="rect">
+              <a:avLst/>
+            </a:prstGeom>
+          </p:spPr>
+          <p:txBody>
+            <a:bodyPr wrap="none">
+              <a:spAutoFit/>
+            </a:bodyPr>
+            <a:lstStyle/>
+            <a:p>
+              <a:r>
+                <a:rPr lang="en-US" b="1" dirty="0">
+                  <a:latin typeface="Wingdings"/>
+                  <a:ea typeface="Wingdings"/>
+                  <a:cs typeface="Wingdings"/>
+                  <a:sym typeface="Wingdings"/>
+                </a:rPr>
+                <a:t></a:t>
+              </a:r>
+              <a:endParaRPr lang="en-US" dirty="0"/>
+            </a:p>
+          </p:txBody>
+        </p:sp>
+      </p:grpSp>
+      <p:sp>
+        <p:nvSpPr>
+          <p:cNvPr id="30" name="TextBox 29"/>
+          <p:cNvSpPr txBox="1"/>
+          <p:nvPr/>
+        </p:nvSpPr>
+        <p:spPr>
+          <a:xfrm>
+            <a:off x="5412270" y="1099783"/>
+            <a:ext cx="3830508" cy="1323439"/>
+          </a:xfrm>
+          <a:prstGeom prst="rect">
+            <a:avLst/>
+          </a:prstGeom>
+          <a:noFill/>
+        </p:spPr>
+        <p:txBody>
+          <a:bodyPr wrap="square" rtlCol="0">
+            <a:spAutoFit/>
+          </a:bodyPr>
+          <a:lstStyle/>
+          <a:p>
+            <a:r>
+              <a:rPr lang="en-US" dirty="0">
+                <a:latin typeface="Trebuchet MS"/>
+                <a:cs typeface="Trebuchet MS"/>
+              </a:rPr>
+              <a:t>We look for </a:t>
+            </a:r>
+            <a:r>
+              <a:rPr lang="en-US" sz="2000" b="1" dirty="0">
+                <a:latin typeface="Times"/>
+                <a:cs typeface="Times"/>
+              </a:rPr>
+              <a:t>m</a:t>
+            </a:r>
+            <a:r>
+              <a:rPr lang="en-US" dirty="0">
+                <a:latin typeface="Trebuchet MS"/>
+                <a:cs typeface="Trebuchet MS"/>
+              </a:rPr>
+              <a:t> so that</a:t>
+            </a:r>
+          </a:p>
+          <a:p>
+            <a:endParaRPr lang="en-US" sz="2400" b="1" dirty="0">
+              <a:latin typeface="Xingkai SC Light"/>
+              <a:cs typeface="Xingkai SC Light"/>
+            </a:endParaRPr>
+          </a:p>
+          <a:p>
+            <a:r>
+              <a:rPr lang="en-US" sz="2400" dirty="0">
+                <a:latin typeface="Brush Script MT" panose="03060802040406070304" pitchFamily="66" charset="-122"/>
+                <a:ea typeface="Brush Script MT" panose="03060802040406070304" pitchFamily="66" charset="-122"/>
+                <a:cs typeface="Brush Script MT" panose="03060802040406070304" pitchFamily="66" charset="-122"/>
+              </a:rPr>
+              <a:t>l</a:t>
+            </a:r>
+            <a:r>
+              <a:rPr lang="en-US" sz="2400" baseline="-25000" dirty="0">
+                <a:latin typeface="Times"/>
+                <a:cs typeface="Times"/>
+              </a:rPr>
+              <a:t>1</a:t>
+            </a:r>
+            <a:r>
+              <a:rPr lang="en-US" sz="2400" b="1" dirty="0">
+                <a:latin typeface="Xingkai SC Light"/>
+                <a:cs typeface="Xingkai SC Light"/>
+              </a:rPr>
+              <a:t>  </a:t>
+            </a:r>
+            <a:r>
+              <a:rPr lang="en-US" b="1" dirty="0">
+                <a:latin typeface="Times"/>
+                <a:cs typeface="Times"/>
+              </a:rPr>
+              <a:t>m</a:t>
+            </a:r>
+            <a:r>
+              <a:rPr lang="en-US" dirty="0">
+                <a:latin typeface="Times"/>
+                <a:cs typeface="Times"/>
+              </a:rPr>
+              <a:t> = 0     and     </a:t>
+            </a:r>
+            <a:r>
+              <a:rPr lang="en-US" sz="2400" dirty="0">
+                <a:latin typeface="Brush Script MT" panose="03060802040406070304" pitchFamily="66" charset="-122"/>
+                <a:ea typeface="Brush Script MT" panose="03060802040406070304" pitchFamily="66" charset="-122"/>
+                <a:cs typeface="Brush Script MT" panose="03060802040406070304" pitchFamily="66" charset="-122"/>
+              </a:rPr>
+              <a:t>l</a:t>
+            </a:r>
+            <a:r>
+              <a:rPr lang="en-US" sz="2400" baseline="-25000" dirty="0">
+                <a:latin typeface="Times"/>
+                <a:cs typeface="Times"/>
+              </a:rPr>
+              <a:t>2</a:t>
+            </a:r>
+            <a:r>
+              <a:rPr lang="en-US" sz="2400" b="1" dirty="0">
+                <a:latin typeface="Xingkai SC Light"/>
+                <a:cs typeface="Xingkai SC Light"/>
+              </a:rPr>
+              <a:t>  </a:t>
+            </a:r>
+            <a:r>
+              <a:rPr lang="en-US" b="1" dirty="0">
+                <a:latin typeface="Times"/>
+                <a:cs typeface="Times"/>
+              </a:rPr>
+              <a:t>m</a:t>
+            </a:r>
+            <a:r>
+              <a:rPr lang="en-US" dirty="0">
+                <a:latin typeface="Times"/>
+                <a:cs typeface="Times"/>
+              </a:rPr>
+              <a:t> = 0</a:t>
+            </a:r>
+            <a:endParaRPr lang="en-US" i="1" baseline="30000" dirty="0">
+              <a:latin typeface="Times"/>
+              <a:cs typeface="Times"/>
+            </a:endParaRPr>
+          </a:p>
+          <a:p>
+            <a:endParaRPr lang="en-US" i="1" baseline="30000" dirty="0">
+              <a:latin typeface="Times"/>
+              <a:cs typeface="Times"/>
+            </a:endParaRPr>
+          </a:p>
+        </p:txBody>
+      </p:sp>
+      <p:sp>
+        <p:nvSpPr>
+          <p:cNvPr id="31" name="Rectangle 30"/>
+          <p:cNvSpPr/>
+          <p:nvPr/>
+        </p:nvSpPr>
+        <p:spPr>
+          <a:xfrm>
+            <a:off x="5596593" y="1850923"/>
+            <a:ext cx="290276" cy="369332"/>
+          </a:xfrm>
+          <a:prstGeom prst="rect">
+            <a:avLst/>
+          </a:prstGeom>
+        </p:spPr>
+        <p:txBody>
+          <a:bodyPr wrap="none">
+            <a:spAutoFit/>
+          </a:bodyPr>
+          <a:lstStyle/>
+          <a:p>
+            <a:r>
+              <a:rPr lang="en-US" b="1" dirty="0">
+                <a:latin typeface="Wingdings"/>
+                <a:ea typeface="Wingdings"/>
+                <a:cs typeface="Wingdings"/>
+                <a:sym typeface="Wingdings"/>
+              </a:rPr>
+              <a:t></a:t>
+            </a:r>
+            <a:endParaRPr lang="en-US" dirty="0"/>
+          </a:p>
+        </p:txBody>
+      </p:sp>
+      <p:sp>
+        <p:nvSpPr>
+          <p:cNvPr id="32" name="Rectangle 31"/>
+          <p:cNvSpPr/>
+          <p:nvPr/>
+        </p:nvSpPr>
+        <p:spPr>
+          <a:xfrm>
+            <a:off x="7353680" y="1859677"/>
+            <a:ext cx="290276" cy="369332"/>
+          </a:xfrm>
+          <a:prstGeom prst="rect">
+            <a:avLst/>
+          </a:prstGeom>
+        </p:spPr>
+        <p:txBody>
+          <a:bodyPr wrap="none">
+            <a:spAutoFit/>
+          </a:bodyPr>
+          <a:lstStyle/>
+          <a:p>
+            <a:r>
+              <a:rPr lang="en-US" b="1" dirty="0">
+                <a:latin typeface="Wingdings"/>
+                <a:ea typeface="Wingdings"/>
+                <a:cs typeface="Wingdings"/>
+                <a:sym typeface="Wingdings"/>
+              </a:rPr>
+              <a:t></a:t>
+            </a:r>
+            <a:endParaRPr lang="en-US" dirty="0"/>
+          </a:p>
+        </p:txBody>
+      </p:sp>
+      <p:sp>
+        <p:nvSpPr>
+          <p:cNvPr id="29" name="Rectangle 28">
+            <a:extLst>
+              <a:ext uri="{FF2B5EF4-FFF2-40B4-BE49-F238E27FC236}">
+                <a16:creationId xmlns:a16="http://schemas.microsoft.com/office/drawing/2014/main" id="{B41C1F88-7151-9E4F-8552-AD3EE73CA15B}"/>
+              </a:ext>
+            </a:extLst>
+          </p:cNvPr>
+          <p:cNvSpPr/>
+          <p:nvPr/>
+        </p:nvSpPr>
+        <p:spPr>
+          <a:xfrm>
+            <a:off x="6307667" y="2610291"/>
+            <a:ext cx="1250663" cy="461665"/>
+          </a:xfrm>
+          <a:prstGeom prst="rect">
+            <a:avLst/>
+          </a:prstGeom>
+          <a:solidFill>
+            <a:srgbClr val="FDEADA"/>
+          </a:solidFill>
+        </p:spPr>
+        <p:txBody>
+          <a:bodyPr wrap="none">
+            <a:spAutoFit/>
+          </a:bodyPr>
+          <a:lstStyle/>
+          <a:p>
+            <a:r>
+              <a:rPr lang="en-US" b="1" dirty="0">
+                <a:latin typeface="Times"/>
+                <a:cs typeface="Times"/>
+              </a:rPr>
+              <a:t>m </a:t>
+            </a:r>
+            <a:r>
+              <a:rPr lang="en-US" i="1" dirty="0">
+                <a:latin typeface="Times"/>
+                <a:cs typeface="Times"/>
+              </a:rPr>
+              <a:t>=</a:t>
+            </a:r>
+            <a:r>
+              <a:rPr lang="en-US" sz="2400" i="1" dirty="0">
+                <a:latin typeface="Times"/>
+                <a:cs typeface="Times"/>
+              </a:rPr>
+              <a:t> </a:t>
+            </a:r>
+            <a:r>
+              <a:rPr lang="en-US" sz="2400" dirty="0">
+                <a:latin typeface="Brush Script MT" panose="03060802040406070304" pitchFamily="66" charset="-122"/>
+                <a:ea typeface="Brush Script MT" panose="03060802040406070304" pitchFamily="66" charset="-122"/>
+                <a:cs typeface="Brush Script MT" panose="03060802040406070304" pitchFamily="66" charset="-122"/>
+              </a:rPr>
+              <a:t>l</a:t>
+            </a:r>
+            <a:r>
+              <a:rPr lang="en-US" baseline="-25000" dirty="0">
+                <a:latin typeface="Times"/>
+                <a:cs typeface="Times"/>
+              </a:rPr>
+              <a:t>1</a:t>
+            </a:r>
+            <a:r>
+              <a:rPr lang="en-US" i="1" dirty="0">
+                <a:latin typeface="Times"/>
+                <a:cs typeface="Times"/>
+              </a:rPr>
+              <a:t> </a:t>
+            </a:r>
+            <a:r>
+              <a:rPr lang="en-US" dirty="0">
+                <a:latin typeface="Trebuchet MS"/>
+                <a:cs typeface="Trebuchet MS"/>
+              </a:rPr>
+              <a:t>x</a:t>
+            </a:r>
+            <a:r>
+              <a:rPr lang="en-US" i="1" dirty="0">
+                <a:latin typeface="Times"/>
+                <a:cs typeface="Times"/>
+              </a:rPr>
+              <a:t>  </a:t>
+            </a:r>
+            <a:r>
+              <a:rPr lang="en-US" sz="2400" dirty="0">
+                <a:latin typeface="Brush Script MT" panose="03060802040406070304" pitchFamily="66" charset="-122"/>
+                <a:ea typeface="Brush Script MT" panose="03060802040406070304" pitchFamily="66" charset="-122"/>
+                <a:cs typeface="Brush Script MT" panose="03060802040406070304" pitchFamily="66" charset="-122"/>
+              </a:rPr>
+              <a:t>l</a:t>
+            </a:r>
+            <a:r>
+              <a:rPr lang="en-US" baseline="-25000" dirty="0">
+                <a:latin typeface="Times"/>
+                <a:cs typeface="Times"/>
+              </a:rPr>
+              <a:t>2</a:t>
+            </a:r>
+            <a:endParaRPr lang="en-US" b="1" dirty="0"/>
+          </a:p>
+        </p:txBody>
+      </p:sp>
+      <p:sp>
+        <p:nvSpPr>
+          <p:cNvPr id="33" name="Rectangle 32">
+            <a:extLst>
+              <a:ext uri="{FF2B5EF4-FFF2-40B4-BE49-F238E27FC236}">
+                <a16:creationId xmlns:a16="http://schemas.microsoft.com/office/drawing/2014/main" id="{9195350A-45AF-5440-819C-94B4C2032FE0}"/>
+              </a:ext>
+            </a:extLst>
+          </p:cNvPr>
+          <p:cNvSpPr/>
+          <p:nvPr/>
+        </p:nvSpPr>
+        <p:spPr>
+          <a:xfrm>
+            <a:off x="6519337" y="2428070"/>
+            <a:ext cx="759242" cy="246221"/>
+          </a:xfrm>
+          <a:prstGeom prst="rect">
+            <a:avLst/>
+          </a:prstGeom>
+        </p:spPr>
+        <p:txBody>
+          <a:bodyPr wrap="none">
+            <a:spAutoFit/>
+          </a:bodyPr>
+          <a:lstStyle/>
+          <a:p>
+            <a:r>
+              <a:rPr lang="en-US" sz="1000" dirty="0">
+                <a:latin typeface="Trebuchet MS"/>
+                <a:cs typeface="Trebuchet MS"/>
+              </a:rPr>
+              <a:t>SOLUTION</a:t>
+            </a:r>
+            <a:endParaRPr lang="en-US" sz="1000" dirty="0"/>
+          </a:p>
+        </p:txBody>
+      </p:sp>
+    </p:spTree>
+    <p:extLst>
+      <p:ext uri="{BB962C8B-B14F-4D97-AF65-F5344CB8AC3E}">
+        <p14:creationId xmlns:p14="http://schemas.microsoft.com/office/powerpoint/2010/main" val="2566745543"/>
+      </p:ext>
+    </p:extLst>
+  </p:cSld>
+  <p:clrMapOvr>
+    <a:masterClrMapping/>
+  </p:clrMapOvr>
+  <p:timing>
+    <p:tnLst>
+      <p:par>
+        <p:cTn id="1" dur="indefinite" restart="never" nodeType="tmRoot">
+          <p:childTnLst>
+            <p:seq concurrent="1" nextAc="seek">
+              <p:cTn id="2" dur="indefinite" nodeType="mainSeq">
+                <p:childTnLst>
+                  <p:par>
+                    <p:cTn id="3" fill="hold">
+                      <p:stCondLst>
+                        <p:cond delay="indefinite"/>
+                      </p:stCondLst>
+                      <p:childTnLst>
+                        <p:par>
+                          <p:cTn id="4" fill="hold">
+                            <p:stCondLst>
+                              <p:cond delay="0"/>
+                            </p:stCondLst>
+                            <p:childTnLst>
+                              <p:par>
+                                <p:cTn id="5" presetID="1" presetClass="entr" presetSubtype="0" fill="hold" grpId="0" nodeType="clickEffect">
+                                  <p:stCondLst>
+                                    <p:cond delay="0"/>
+                                  </p:stCondLst>
+                                  <p:childTnLst>
+                                    <p:set>
+                                      <p:cBhvr>
+                                        <p:cTn id="6" dur="1" fill="hold">
+                                          <p:stCondLst>
+                                            <p:cond delay="0"/>
+                                          </p:stCondLst>
+                                        </p:cTn>
+                                        <p:tgtEl>
+                                          <p:spTgt spid="29"/>
+                                        </p:tgtEl>
+                                        <p:attrNameLst>
+                                          <p:attrName>style.visibility</p:attrName>
+                                        </p:attrNameLst>
+                                      </p:cBhvr>
+                                      <p:to>
+                                        <p:strVal val="visible"/>
+                                      </p:to>
+                                    </p:set>
+                                  </p:childTnLst>
+                                </p:cTn>
+                              </p:par>
+                              <p:par>
+                                <p:cTn id="7" presetID="1" presetClass="entr" presetSubtype="0" fill="hold" grpId="0" nodeType="withEffect">
+                                  <p:stCondLst>
+                                    <p:cond delay="0"/>
+                                  </p:stCondLst>
+                                  <p:childTnLst>
+                                    <p:set>
+                                      <p:cBhvr>
+                                        <p:cTn id="8" dur="1" fill="hold">
+                                          <p:stCondLst>
+                                            <p:cond delay="0"/>
+                                          </p:stCondLst>
+                                        </p:cTn>
+                                        <p:tgtEl>
+                                          <p:spTgt spid="33"/>
+                                        </p:tgtEl>
+                                        <p:attrNameLst>
+                                          <p:attrName>style.visibility</p:attrName>
+                                        </p:attrNameLst>
+                                      </p:cBhvr>
+                                      <p:to>
+                                        <p:strVal val="visible"/>
+                                      </p:to>
+                                    </p:set>
+                                  </p:childTnLst>
+                                </p:cTn>
+                              </p:par>
+                            </p:childTnLst>
+                          </p:cTn>
+                        </p:par>
+                      </p:childTnLst>
+                    </p:cTn>
+                  </p:par>
+                </p:childTnLst>
+              </p:cTn>
+              <p:prevCondLst>
+                <p:cond evt="onPrev" delay="0">
+                  <p:tgtEl>
+                    <p:sldTgt/>
+                  </p:tgtEl>
+                </p:cond>
+              </p:prevCondLst>
+              <p:nextCondLst>
+                <p:cond evt="onNext" delay="0">
+                  <p:tgtEl>
+                    <p:sldTgt/>
+                  </p:tgtEl>
+                </p:cond>
+              </p:nextCondLst>
+            </p:seq>
+          </p:childTnLst>
+        </p:cTn>
+      </p:par>
+    </p:tnLst>
+    <p:bldLst>
+      <p:bldP spid="29" grpId="0" animBg="1"/>
+      <p:bldP spid="33" grpId="0"/>
+    </p:bldLst>
+  </p:timing>
+</p:sld>
+</file>
+
+<file path=ppt/slides/slide13.xml><?xml version="1.0" encoding="utf-8"?>
+<p:sld xmlns:a="http://schemas.openxmlformats.org/drawingml/2006/main" xmlns:r="http://schemas.openxmlformats.org/officeDocument/2006/relationships" xmlns:p="http://schemas.openxmlformats.org/presentationml/2006/main" showMasterPhAnim="0">
+  <p:cSld>
+    <p:spTree>
+      <p:nvGrpSpPr>
+        <p:cNvPr id="1" name=""/>
+        <p:cNvGrpSpPr/>
+        <p:nvPr/>
+      </p:nvGrpSpPr>
+      <p:grpSpPr>
+        <a:xfrm>
+          <a:off x="0" y="0"/>
+          <a:ext cx="0" cy="0"/>
+          <a:chOff x="0" y="0"/>
+          <a:chExt cx="0" cy="0"/>
+        </a:xfrm>
+      </p:grpSpPr>
+      <p:sp>
+        <p:nvSpPr>
+          <p:cNvPr id="764930" name="Text Box 2"/>
+          <p:cNvSpPr txBox="1">
+            <a:spLocks noChangeArrowheads="1"/>
+          </p:cNvSpPr>
+          <p:nvPr/>
+        </p:nvSpPr>
+        <p:spPr bwMode="auto">
+          <a:xfrm>
+            <a:off x="290513" y="268288"/>
+            <a:ext cx="8218487" cy="615553"/>
+          </a:xfrm>
+          <a:prstGeom prst="rect">
+            <a:avLst/>
+          </a:prstGeom>
+          <a:noFill/>
+          <a:ln w="9525">
+            <a:noFill/>
+            <a:miter lim="800000"/>
+            <a:headEnd/>
+            <a:tailEnd/>
+          </a:ln>
+        </p:spPr>
+        <p:txBody>
+          <a:bodyPr>
+            <a:spAutoFit/>
+          </a:bodyPr>
+          <a:lstStyle/>
+          <a:p>
+            <a:pPr eaLnBrk="0" hangingPunct="0"/>
+            <a:r>
+              <a:rPr lang="en-US" sz="2400" dirty="0">
+                <a:solidFill>
+                  <a:srgbClr val="0000FF"/>
+                </a:solidFill>
+                <a:latin typeface="Trebuchet MS" pitchFamily="34" charset="0"/>
+              </a:rPr>
+              <a:t>[ Line from two points ]</a:t>
+            </a:r>
+          </a:p>
+          <a:p>
+            <a:pPr eaLnBrk="0" hangingPunct="0"/>
+            <a:endParaRPr lang="en-US" sz="1000" dirty="0">
+              <a:solidFill>
+                <a:srgbClr val="0000FF"/>
+              </a:solidFill>
+              <a:latin typeface="Trebuchet MS" pitchFamily="34" charset="0"/>
+            </a:endParaRPr>
+          </a:p>
+        </p:txBody>
+      </p:sp>
+      <p:cxnSp>
+        <p:nvCxnSpPr>
+          <p:cNvPr id="8" name="Straight Connector 7"/>
+          <p:cNvCxnSpPr/>
+          <p:nvPr/>
+        </p:nvCxnSpPr>
+        <p:spPr>
+          <a:xfrm>
+            <a:off x="1354675" y="2300111"/>
+            <a:ext cx="3880556" cy="1453445"/>
+          </a:xfrm>
+          <a:prstGeom prst="line">
+            <a:avLst/>
+          </a:prstGeom>
+          <a:ln>
+            <a:solidFill>
+              <a:srgbClr val="FF6600"/>
+            </a:solidFill>
+          </a:ln>
+        </p:spPr>
+        <p:style>
+          <a:lnRef idx="2">
+            <a:schemeClr val="accent1"/>
+          </a:lnRef>
+          <a:fillRef idx="0">
+            <a:schemeClr val="accent1"/>
+          </a:fillRef>
+          <a:effectRef idx="1">
+            <a:schemeClr val="accent1"/>
+          </a:effectRef>
+          <a:fontRef idx="minor">
+            <a:schemeClr val="tx1"/>
+          </a:fontRef>
+        </p:style>
+      </p:cxnSp>
+      <p:sp>
+        <p:nvSpPr>
+          <p:cNvPr id="9" name="Oval 8"/>
+          <p:cNvSpPr/>
+          <p:nvPr/>
+        </p:nvSpPr>
+        <p:spPr>
+          <a:xfrm>
+            <a:off x="2638797" y="2765773"/>
+            <a:ext cx="43124" cy="38946"/>
+          </a:xfrm>
+          <a:prstGeom prst="ellipse">
+            <a:avLst/>
+          </a:prstGeom>
+          <a:solidFill>
+            <a:schemeClr val="tx1"/>
+          </a:solidFill>
+          <a:ln>
+            <a:solidFill>
+              <a:schemeClr val="tx1"/>
+            </a:solidFill>
+          </a:ln>
+        </p:spPr>
+        <p:style>
+          <a:lnRef idx="1">
+            <a:schemeClr val="accent1"/>
+          </a:lnRef>
+          <a:fillRef idx="3">
+            <a:schemeClr val="accent1"/>
+          </a:fillRef>
+          <a:effectRef idx="2">
+            <a:schemeClr val="accent1"/>
+          </a:effectRef>
+          <a:fontRef idx="minor">
+            <a:schemeClr val="lt1"/>
+          </a:fontRef>
+        </p:style>
+        <p:txBody>
+          <a:bodyPr rtlCol="0" anchor="ctr"/>
+          <a:lstStyle/>
+          <a:p>
+            <a:pPr algn="ctr"/>
+            <a:endParaRPr lang="en-US"/>
+          </a:p>
+        </p:txBody>
+      </p:sp>
+      <p:cxnSp>
+        <p:nvCxnSpPr>
+          <p:cNvPr id="11" name="Straight Arrow Connector 10"/>
+          <p:cNvCxnSpPr/>
+          <p:nvPr/>
+        </p:nvCxnSpPr>
+        <p:spPr>
+          <a:xfrm flipV="1">
+            <a:off x="1848565" y="1467556"/>
+            <a:ext cx="789" cy="3400777"/>
+          </a:xfrm>
+          <a:prstGeom prst="straightConnector1">
+            <a:avLst/>
+          </a:prstGeom>
+          <a:ln>
+            <a:tailEnd type="arrow"/>
+          </a:ln>
+        </p:spPr>
+        <p:style>
+          <a:lnRef idx="2">
+            <a:schemeClr val="accent1"/>
+          </a:lnRef>
+          <a:fillRef idx="0">
+            <a:schemeClr val="accent1"/>
+          </a:fillRef>
+          <a:effectRef idx="1">
+            <a:schemeClr val="accent1"/>
+          </a:effectRef>
+          <a:fontRef idx="minor">
+            <a:schemeClr val="tx1"/>
+          </a:fontRef>
+        </p:style>
+      </p:cxnSp>
+      <p:cxnSp>
+        <p:nvCxnSpPr>
+          <p:cNvPr id="12" name="Straight Arrow Connector 11"/>
+          <p:cNvCxnSpPr/>
+          <p:nvPr/>
+        </p:nvCxnSpPr>
+        <p:spPr>
+          <a:xfrm flipV="1">
+            <a:off x="1521187" y="4512733"/>
+            <a:ext cx="3333043" cy="1"/>
+          </a:xfrm>
+          <a:prstGeom prst="straightConnector1">
+            <a:avLst/>
+          </a:prstGeom>
+          <a:ln>
+            <a:tailEnd type="arrow"/>
+          </a:ln>
+        </p:spPr>
+        <p:style>
+          <a:lnRef idx="2">
+            <a:schemeClr val="accent1"/>
+          </a:lnRef>
+          <a:fillRef idx="0">
+            <a:schemeClr val="accent1"/>
+          </a:fillRef>
+          <a:effectRef idx="1">
+            <a:schemeClr val="accent1"/>
+          </a:effectRef>
+          <a:fontRef idx="minor">
+            <a:schemeClr val="tx1"/>
+          </a:fontRef>
+        </p:style>
+      </p:cxnSp>
+      <p:sp>
+        <p:nvSpPr>
+          <p:cNvPr id="13" name="TextBox 12"/>
+          <p:cNvSpPr txBox="1"/>
+          <p:nvPr/>
+        </p:nvSpPr>
+        <p:spPr>
+          <a:xfrm>
+            <a:off x="4713120" y="4557891"/>
+            <a:ext cx="348999" cy="369332"/>
+          </a:xfrm>
+          <a:prstGeom prst="rect">
+            <a:avLst/>
+          </a:prstGeom>
+          <a:noFill/>
+        </p:spPr>
+        <p:txBody>
+          <a:bodyPr wrap="none" rtlCol="0">
+            <a:spAutoFit/>
+          </a:bodyPr>
+          <a:lstStyle/>
+          <a:p>
+            <a:r>
+              <a:rPr lang="en-US" i="1" dirty="0">
+                <a:latin typeface="Times"/>
+                <a:cs typeface="Times"/>
+              </a:rPr>
+              <a:t>x</a:t>
+            </a:r>
+          </a:p>
+        </p:txBody>
+      </p:sp>
+      <p:sp>
+        <p:nvSpPr>
+          <p:cNvPr id="14" name="TextBox 13"/>
+          <p:cNvSpPr txBox="1"/>
+          <p:nvPr/>
+        </p:nvSpPr>
+        <p:spPr>
+          <a:xfrm>
+            <a:off x="2029185" y="1413554"/>
+            <a:ext cx="348999" cy="369332"/>
+          </a:xfrm>
+          <a:prstGeom prst="rect">
+            <a:avLst/>
+          </a:prstGeom>
+          <a:noFill/>
+        </p:spPr>
+        <p:txBody>
+          <a:bodyPr wrap="none" rtlCol="0">
+            <a:spAutoFit/>
+          </a:bodyPr>
+          <a:lstStyle/>
+          <a:p>
+            <a:r>
+              <a:rPr lang="en-US" i="1" dirty="0">
+                <a:latin typeface="Times"/>
+                <a:cs typeface="Times"/>
+              </a:rPr>
+              <a:t>y</a:t>
+            </a:r>
+          </a:p>
+        </p:txBody>
+      </p:sp>
+      <p:sp>
+        <p:nvSpPr>
+          <p:cNvPr id="15" name="TextBox 14"/>
+          <p:cNvSpPr txBox="1"/>
+          <p:nvPr/>
+        </p:nvSpPr>
+        <p:spPr>
+          <a:xfrm>
+            <a:off x="2830541" y="2477720"/>
+            <a:ext cx="985742" cy="369332"/>
+          </a:xfrm>
+          <a:prstGeom prst="rect">
+            <a:avLst/>
+          </a:prstGeom>
+          <a:noFill/>
+        </p:spPr>
+        <p:txBody>
+          <a:bodyPr wrap="none" rtlCol="0">
+            <a:spAutoFit/>
+          </a:bodyPr>
+          <a:lstStyle/>
+          <a:p>
+            <a:r>
+              <a:rPr lang="en-US" dirty="0">
+                <a:latin typeface="Times"/>
+                <a:cs typeface="Times"/>
+              </a:rPr>
+              <a:t>( </a:t>
+            </a:r>
+            <a:r>
+              <a:rPr lang="en-US" i="1" dirty="0">
+                <a:latin typeface="Times"/>
+                <a:cs typeface="Times"/>
+              </a:rPr>
+              <a:t>x</a:t>
+            </a:r>
+            <a:r>
+              <a:rPr lang="en-US" baseline="-25000" dirty="0">
+                <a:latin typeface="Times"/>
+                <a:cs typeface="Times"/>
+              </a:rPr>
+              <a:t>1</a:t>
+            </a:r>
+            <a:r>
+              <a:rPr lang="en-US" i="1" dirty="0">
+                <a:latin typeface="Times"/>
+                <a:cs typeface="Times"/>
+              </a:rPr>
+              <a:t> </a:t>
+            </a:r>
+            <a:r>
+              <a:rPr lang="en-US" dirty="0">
+                <a:latin typeface="Times"/>
+                <a:cs typeface="Times"/>
+              </a:rPr>
+              <a:t>,</a:t>
+            </a:r>
+            <a:r>
+              <a:rPr lang="en-US" i="1" dirty="0">
+                <a:latin typeface="Times"/>
+                <a:cs typeface="Times"/>
+              </a:rPr>
+              <a:t> y</a:t>
+            </a:r>
+            <a:r>
+              <a:rPr lang="en-US" baseline="-25000" dirty="0">
+                <a:latin typeface="Times"/>
+                <a:cs typeface="Times"/>
+              </a:rPr>
+              <a:t>1</a:t>
+            </a:r>
+            <a:r>
+              <a:rPr lang="en-US" i="1" dirty="0">
+                <a:latin typeface="Times"/>
+                <a:cs typeface="Times"/>
+              </a:rPr>
+              <a:t> </a:t>
+            </a:r>
+            <a:r>
+              <a:rPr lang="en-US" dirty="0">
+                <a:latin typeface="Times"/>
+                <a:cs typeface="Times"/>
+              </a:rPr>
+              <a:t>)</a:t>
+            </a:r>
+          </a:p>
+        </p:txBody>
+      </p:sp>
+      <p:sp>
+        <p:nvSpPr>
+          <p:cNvPr id="16" name="TextBox 15"/>
+          <p:cNvSpPr txBox="1"/>
+          <p:nvPr/>
+        </p:nvSpPr>
+        <p:spPr>
+          <a:xfrm>
+            <a:off x="5389698" y="3583001"/>
+            <a:ext cx="1939955" cy="461665"/>
+          </a:xfrm>
+          <a:prstGeom prst="rect">
+            <a:avLst/>
+          </a:prstGeom>
+          <a:noFill/>
+        </p:spPr>
+        <p:txBody>
+          <a:bodyPr wrap="none" rtlCol="0">
+            <a:spAutoFit/>
+          </a:bodyPr>
+          <a:lstStyle/>
+          <a:p>
+            <a:r>
+              <a:rPr lang="en-US" sz="2400" dirty="0">
+                <a:latin typeface="Brush Script MT" panose="03060802040406070304" pitchFamily="66" charset="-122"/>
+                <a:ea typeface="Brush Script MT" panose="03060802040406070304" pitchFamily="66" charset="-122"/>
+                <a:cs typeface="Brush Script MT" panose="03060802040406070304" pitchFamily="66" charset="-122"/>
+              </a:rPr>
+              <a:t>l</a:t>
+            </a:r>
+            <a:r>
+              <a:rPr lang="en-US" i="1" dirty="0">
+                <a:latin typeface="Times"/>
+                <a:cs typeface="Times"/>
+              </a:rPr>
+              <a:t> </a:t>
+            </a:r>
+            <a:r>
+              <a:rPr lang="en-US" dirty="0">
+                <a:latin typeface="Times"/>
+                <a:cs typeface="Times"/>
+              </a:rPr>
+              <a:t>: </a:t>
+            </a:r>
+            <a:r>
+              <a:rPr lang="en-US" i="1" dirty="0">
+                <a:latin typeface="Times"/>
+                <a:cs typeface="Times"/>
+              </a:rPr>
+              <a:t>a x</a:t>
+            </a:r>
+            <a:r>
+              <a:rPr lang="en-US" dirty="0">
+                <a:latin typeface="Times"/>
+                <a:cs typeface="Times"/>
+              </a:rPr>
+              <a:t> + </a:t>
+            </a:r>
+            <a:r>
+              <a:rPr lang="en-US" i="1" dirty="0">
+                <a:latin typeface="Times"/>
+                <a:cs typeface="Times"/>
+              </a:rPr>
+              <a:t>b y </a:t>
+            </a:r>
+            <a:r>
+              <a:rPr lang="en-US" dirty="0">
+                <a:latin typeface="Times"/>
+                <a:cs typeface="Times"/>
+              </a:rPr>
+              <a:t>+ </a:t>
+            </a:r>
+            <a:r>
+              <a:rPr lang="en-US" i="1" dirty="0">
+                <a:latin typeface="Times"/>
+                <a:cs typeface="Times"/>
+              </a:rPr>
+              <a:t>c </a:t>
+            </a:r>
+            <a:r>
+              <a:rPr lang="en-US" dirty="0">
+                <a:latin typeface="Times"/>
+                <a:cs typeface="Times"/>
+              </a:rPr>
+              <a:t>= 0</a:t>
+            </a:r>
+            <a:endParaRPr lang="en-US" i="1" dirty="0">
+              <a:latin typeface="Times"/>
+              <a:cs typeface="Times"/>
+            </a:endParaRPr>
+          </a:p>
+        </p:txBody>
+      </p:sp>
+      <p:sp>
+        <p:nvSpPr>
+          <p:cNvPr id="17" name="TextBox 16"/>
+          <p:cNvSpPr txBox="1"/>
+          <p:nvPr/>
+        </p:nvSpPr>
+        <p:spPr>
+          <a:xfrm>
+            <a:off x="2407361" y="2835944"/>
+            <a:ext cx="486178" cy="369332"/>
+          </a:xfrm>
+          <a:prstGeom prst="rect">
+            <a:avLst/>
+          </a:prstGeom>
+          <a:noFill/>
+        </p:spPr>
+        <p:txBody>
+          <a:bodyPr wrap="none" rtlCol="0">
+            <a:spAutoFit/>
+          </a:bodyPr>
+          <a:lstStyle/>
+          <a:p>
+            <a:r>
+              <a:rPr lang="en-US" i="1" dirty="0">
+                <a:latin typeface="Times"/>
+                <a:cs typeface="Times"/>
+              </a:rPr>
+              <a:t>m</a:t>
+            </a:r>
+            <a:r>
+              <a:rPr lang="en-US" baseline="-25000" dirty="0">
+                <a:latin typeface="Times"/>
+                <a:cs typeface="Times"/>
+              </a:rPr>
+              <a:t>1</a:t>
+            </a:r>
+            <a:endParaRPr lang="en-US" i="1" dirty="0">
+              <a:latin typeface="Times"/>
+              <a:cs typeface="Times"/>
+            </a:endParaRPr>
+          </a:p>
+        </p:txBody>
+      </p:sp>
+      <p:sp>
+        <p:nvSpPr>
+          <p:cNvPr id="20" name="TextBox 19"/>
+          <p:cNvSpPr txBox="1"/>
+          <p:nvPr/>
+        </p:nvSpPr>
+        <p:spPr>
+          <a:xfrm>
+            <a:off x="1145091" y="5471062"/>
+            <a:ext cx="1910737" cy="369332"/>
+          </a:xfrm>
+          <a:prstGeom prst="rect">
+            <a:avLst/>
+          </a:prstGeom>
+          <a:noFill/>
+        </p:spPr>
+        <p:txBody>
+          <a:bodyPr wrap="none" rtlCol="0">
+            <a:spAutoFit/>
+          </a:bodyPr>
+          <a:lstStyle/>
+          <a:p>
+            <a:r>
+              <a:rPr lang="en-US" b="1" dirty="0">
+                <a:latin typeface="Times"/>
+                <a:cs typeface="Times"/>
+              </a:rPr>
+              <a:t>m</a:t>
+            </a:r>
+            <a:r>
+              <a:rPr lang="en-US" baseline="-25000" dirty="0">
+                <a:latin typeface="Times"/>
+                <a:cs typeface="Times"/>
+              </a:rPr>
+              <a:t>1</a:t>
+            </a:r>
+            <a:r>
+              <a:rPr lang="en-US" i="1" dirty="0">
+                <a:latin typeface="Times"/>
+                <a:cs typeface="Times"/>
+              </a:rPr>
+              <a:t> = </a:t>
+            </a:r>
+            <a:r>
+              <a:rPr lang="en-US" dirty="0">
+                <a:latin typeface="Times"/>
+                <a:cs typeface="Times"/>
+              </a:rPr>
+              <a:t>[ </a:t>
+            </a:r>
+            <a:r>
+              <a:rPr lang="en-US" i="1" dirty="0">
+                <a:latin typeface="Times"/>
+                <a:cs typeface="Times"/>
+              </a:rPr>
+              <a:t>x</a:t>
+            </a:r>
+            <a:r>
+              <a:rPr lang="en-US" baseline="-25000" dirty="0">
+                <a:latin typeface="Times"/>
+                <a:cs typeface="Times"/>
+              </a:rPr>
+              <a:t>1</a:t>
+            </a:r>
+            <a:r>
+              <a:rPr lang="en-US" i="1" dirty="0">
+                <a:latin typeface="Times"/>
+                <a:cs typeface="Times"/>
+              </a:rPr>
+              <a:t>   y</a:t>
+            </a:r>
+            <a:r>
+              <a:rPr lang="en-US" baseline="-25000" dirty="0">
+                <a:latin typeface="Times"/>
+                <a:cs typeface="Times"/>
+              </a:rPr>
+              <a:t>1</a:t>
+            </a:r>
+            <a:r>
+              <a:rPr lang="en-US" i="1" dirty="0">
+                <a:latin typeface="Times"/>
+                <a:cs typeface="Times"/>
+              </a:rPr>
+              <a:t>   </a:t>
+            </a:r>
+            <a:r>
+              <a:rPr lang="en-US" dirty="0">
+                <a:latin typeface="Times"/>
+                <a:cs typeface="Times"/>
+              </a:rPr>
+              <a:t>1</a:t>
+            </a:r>
+            <a:r>
+              <a:rPr lang="en-US" i="1" dirty="0">
+                <a:latin typeface="Times"/>
+                <a:cs typeface="Times"/>
+              </a:rPr>
+              <a:t> </a:t>
+            </a:r>
+            <a:r>
+              <a:rPr lang="en-US" dirty="0">
+                <a:latin typeface="Times"/>
+                <a:cs typeface="Times"/>
+              </a:rPr>
+              <a:t>]</a:t>
+            </a:r>
+            <a:r>
+              <a:rPr lang="en-US" baseline="30000" dirty="0">
+                <a:latin typeface="+mj-lt"/>
+                <a:cs typeface="Times"/>
+              </a:rPr>
+              <a:t>T</a:t>
+            </a:r>
+            <a:endParaRPr lang="en-US" i="1" baseline="30000" dirty="0">
+              <a:latin typeface="+mj-lt"/>
+              <a:cs typeface="Times"/>
+            </a:endParaRPr>
+          </a:p>
+        </p:txBody>
+      </p:sp>
+      <p:sp>
+        <p:nvSpPr>
+          <p:cNvPr id="21" name="TextBox 20"/>
+          <p:cNvSpPr txBox="1"/>
+          <p:nvPr/>
+        </p:nvSpPr>
+        <p:spPr>
+          <a:xfrm>
+            <a:off x="1142270" y="5877460"/>
+            <a:ext cx="1910737" cy="369332"/>
+          </a:xfrm>
+          <a:prstGeom prst="rect">
+            <a:avLst/>
+          </a:prstGeom>
+          <a:noFill/>
+        </p:spPr>
+        <p:txBody>
+          <a:bodyPr wrap="none" rtlCol="0">
+            <a:spAutoFit/>
+          </a:bodyPr>
+          <a:lstStyle/>
+          <a:p>
+            <a:r>
+              <a:rPr lang="en-US" b="1" dirty="0">
+                <a:latin typeface="Times"/>
+                <a:cs typeface="Times"/>
+              </a:rPr>
+              <a:t>m</a:t>
+            </a:r>
+            <a:r>
+              <a:rPr lang="en-US" baseline="-25000" dirty="0">
+                <a:latin typeface="Times"/>
+                <a:cs typeface="Times"/>
+              </a:rPr>
+              <a:t>2</a:t>
+            </a:r>
+            <a:r>
+              <a:rPr lang="en-US" i="1" dirty="0">
+                <a:latin typeface="Times"/>
+                <a:cs typeface="Times"/>
+              </a:rPr>
+              <a:t> = </a:t>
+            </a:r>
+            <a:r>
+              <a:rPr lang="en-US" dirty="0">
+                <a:latin typeface="Times"/>
+                <a:cs typeface="Times"/>
+              </a:rPr>
+              <a:t>[ </a:t>
+            </a:r>
+            <a:r>
+              <a:rPr lang="en-US" i="1" dirty="0">
+                <a:latin typeface="Times"/>
+                <a:cs typeface="Times"/>
+              </a:rPr>
+              <a:t>x</a:t>
+            </a:r>
+            <a:r>
+              <a:rPr lang="en-US" baseline="-25000" dirty="0">
+                <a:latin typeface="Times"/>
+                <a:cs typeface="Times"/>
+              </a:rPr>
+              <a:t>2</a:t>
+            </a:r>
+            <a:r>
+              <a:rPr lang="en-US" i="1" dirty="0">
+                <a:latin typeface="Times"/>
+                <a:cs typeface="Times"/>
+              </a:rPr>
+              <a:t>   x</a:t>
+            </a:r>
+            <a:r>
+              <a:rPr lang="en-US" baseline="-25000" dirty="0">
+                <a:latin typeface="Times"/>
+                <a:cs typeface="Times"/>
+              </a:rPr>
+              <a:t>2</a:t>
+            </a:r>
+            <a:r>
+              <a:rPr lang="en-US" i="1" dirty="0">
+                <a:latin typeface="Times"/>
+                <a:cs typeface="Times"/>
+              </a:rPr>
+              <a:t>   </a:t>
+            </a:r>
+            <a:r>
+              <a:rPr lang="en-US" dirty="0">
+                <a:latin typeface="Times"/>
+                <a:cs typeface="Times"/>
+              </a:rPr>
+              <a:t>1</a:t>
+            </a:r>
+            <a:r>
+              <a:rPr lang="en-US" i="1" dirty="0">
+                <a:latin typeface="Times"/>
+                <a:cs typeface="Times"/>
+              </a:rPr>
+              <a:t> </a:t>
+            </a:r>
+            <a:r>
+              <a:rPr lang="en-US" dirty="0">
+                <a:latin typeface="Times"/>
+                <a:cs typeface="Times"/>
+              </a:rPr>
+              <a:t>]</a:t>
+            </a:r>
+            <a:r>
+              <a:rPr lang="en-US" baseline="30000" dirty="0">
+                <a:latin typeface="+mj-lt"/>
+                <a:cs typeface="Times"/>
+              </a:rPr>
+              <a:t>T</a:t>
+            </a:r>
+            <a:endParaRPr lang="en-US" i="1" baseline="30000" dirty="0">
+              <a:latin typeface="+mj-lt"/>
+              <a:cs typeface="Times"/>
+            </a:endParaRPr>
+          </a:p>
+        </p:txBody>
+      </p:sp>
+      <p:grpSp>
+        <p:nvGrpSpPr>
+          <p:cNvPr id="23" name="Group 22"/>
+          <p:cNvGrpSpPr/>
+          <p:nvPr/>
+        </p:nvGrpSpPr>
+        <p:grpSpPr>
+          <a:xfrm>
+            <a:off x="3090788" y="5574073"/>
+            <a:ext cx="1879712" cy="808949"/>
+            <a:chOff x="3090788" y="5574073"/>
+            <a:chExt cx="1879712" cy="808949"/>
+          </a:xfrm>
+        </p:grpSpPr>
+        <p:sp>
+          <p:nvSpPr>
+            <p:cNvPr id="22" name="Right Brace 21"/>
+            <p:cNvSpPr/>
+            <p:nvPr/>
+          </p:nvSpPr>
+          <p:spPr>
+            <a:xfrm>
+              <a:off x="3090788" y="5574073"/>
+              <a:ext cx="268111" cy="717307"/>
+            </a:xfrm>
+            <a:prstGeom prst="rightBrace">
+              <a:avLst/>
+            </a:prstGeom>
+            <a:ln>
+              <a:solidFill>
+                <a:srgbClr val="595959"/>
+              </a:solidFill>
+            </a:ln>
+          </p:spPr>
+          <p:style>
+            <a:lnRef idx="2">
+              <a:schemeClr val="accent1"/>
+            </a:lnRef>
+            <a:fillRef idx="0">
+              <a:schemeClr val="accent1"/>
+            </a:fillRef>
+            <a:effectRef idx="1">
+              <a:schemeClr val="accent1"/>
+            </a:effectRef>
+            <a:fontRef idx="minor">
+              <a:schemeClr val="tx1"/>
+            </a:fontRef>
+          </p:style>
+          <p:txBody>
+            <a:bodyPr rtlCol="0" anchor="ctr"/>
+            <a:lstStyle/>
+            <a:p>
+              <a:pPr algn="ctr"/>
+              <a:endParaRPr lang="en-US"/>
+            </a:p>
+          </p:txBody>
+        </p:sp>
+        <p:sp>
+          <p:nvSpPr>
+            <p:cNvPr id="4" name="Rectangle 3"/>
+            <p:cNvSpPr/>
+            <p:nvPr/>
+          </p:nvSpPr>
+          <p:spPr>
+            <a:xfrm>
+              <a:off x="3516256" y="5736691"/>
               <a:ext cx="1454244" cy="646331"/>
             </a:xfrm>
             <a:prstGeom prst="rect">
@@ -11049,9 +11403,10 @@
               <a:t>We look for </a:t>
             </a:r>
             <a:r>
-              <a:rPr lang="en-US" sz="2400" b="1" dirty="0">
-                <a:latin typeface="Xingkai SC Light"/>
-                <a:cs typeface="Xingkai SC Light"/>
+              <a:rPr lang="en-US" sz="2400" dirty="0">
+                <a:latin typeface="Brush Script MT" panose="03060802040406070304" pitchFamily="66" charset="-122"/>
+                <a:ea typeface="Brush Script MT" panose="03060802040406070304" pitchFamily="66" charset="-122"/>
+                <a:cs typeface="Brush Script MT" panose="03060802040406070304" pitchFamily="66" charset="-122"/>
               </a:rPr>
               <a:t>l</a:t>
             </a:r>
@@ -11060,7 +11415,7 @@
                 <a:latin typeface="Trebuchet MS"/>
                 <a:cs typeface="Trebuchet MS"/>
               </a:rPr>
-              <a:t> so that</a:t>
+              <a:t>  so that</a:t>
             </a:r>
           </a:p>
           <a:p>
@@ -11075,35 +11430,58 @@
                 <a:latin typeface="Xingkai SC Light"/>
                 <a:cs typeface="Xingkai SC Light"/>
               </a:rPr>
-              <a:t>  l  </a:t>
-            </a:r>
-            <a:r>
-              <a:rPr lang="en-US" b="1" dirty="0">
-                <a:latin typeface="Times"/>
-                <a:cs typeface="Times"/>
-              </a:rPr>
-              <a:t>m</a:t>
-            </a:r>
-            <a:r>
-              <a:rPr lang="en-US" baseline="-25000" dirty="0">
-                <a:latin typeface="Times"/>
-                <a:cs typeface="Times"/>
-              </a:rPr>
-              <a:t>1</a:t>
-            </a:r>
-            <a:r>
-              <a:rPr lang="en-US" dirty="0">
-                <a:latin typeface="Times"/>
-                <a:cs typeface="Times"/>
-              </a:rPr>
-              <a:t> = 0     and     </a:t>
+              <a:t>  </a:t>
+            </a:r>
+            <a:r>
+              <a:rPr lang="en-US" sz="2400" dirty="0">
+                <a:latin typeface="Brush Script MT" panose="03060802040406070304" pitchFamily="66" charset="-122"/>
+                <a:ea typeface="Brush Script MT" panose="03060802040406070304" pitchFamily="66" charset="-122"/>
+                <a:cs typeface="Brush Script MT" panose="03060802040406070304" pitchFamily="66" charset="-122"/>
+              </a:rPr>
+              <a:t>l</a:t>
             </a:r>
             <a:r>
               <a:rPr lang="en-US" sz="2400" b="1" dirty="0">
                 <a:latin typeface="Xingkai SC Light"/>
                 <a:cs typeface="Xingkai SC Light"/>
               </a:rPr>
-              <a:t>l  </a:t>
+              <a:t>  </a:t>
+            </a:r>
+            <a:r>
+              <a:rPr lang="en-US" b="1" dirty="0">
+                <a:latin typeface="Times"/>
+                <a:cs typeface="Times"/>
+              </a:rPr>
+              <a:t>m</a:t>
+            </a:r>
+            <a:r>
+              <a:rPr lang="en-US" baseline="-25000" dirty="0">
+                <a:latin typeface="Times"/>
+                <a:cs typeface="Times"/>
+              </a:rPr>
+              <a:t>1</a:t>
+            </a:r>
+            <a:r>
+              <a:rPr lang="en-US" dirty="0">
+                <a:latin typeface="Times"/>
+                <a:cs typeface="Times"/>
+              </a:rPr>
+              <a:t> = 0     and     </a:t>
+            </a:r>
+            <a:r>
+              <a:rPr lang="en-US" sz="2400" dirty="0">
+                <a:latin typeface="Brush Script MT" panose="03060802040406070304" pitchFamily="66" charset="-122"/>
+                <a:ea typeface="Brush Script MT" panose="03060802040406070304" pitchFamily="66" charset="-122"/>
+                <a:cs typeface="Brush Script MT" panose="03060802040406070304" pitchFamily="66" charset="-122"/>
+              </a:rPr>
+              <a:t>l</a:t>
+            </a:r>
+            <a:r>
+              <a:rPr lang="en-US" sz="2400" b="1" dirty="0">
+                <a:latin typeface="Xingkai SC Light"/>
+                <a:cs typeface="Xingkai SC Light"/>
+              </a:rPr>
+              <a:t>  </a:t>
             </a:r>
             <a:r>
               <a:rPr lang="en-US" b="1" dirty="0">
@@ -11181,7 +11559,7 @@
         </p:nvSpPr>
         <p:spPr>
           <a:xfrm>
-            <a:off x="7453888" y="1899474"/>
+            <a:off x="7384438" y="1899474"/>
             <a:ext cx="290276" cy="369332"/>
           </a:xfrm>
           <a:prstGeom prst="rect">
@@ -12090,7 +12468,7 @@
         <p:spPr>
           <a:xfrm>
             <a:off x="5389698" y="3583001"/>
-            <a:ext cx="2128947" cy="461665"/>
+            <a:ext cx="1939955" cy="461665"/>
           </a:xfrm>
           <a:prstGeom prst="rect">
             <a:avLst/>
@@ -12105,8 +12483,9 @@
           <a:p>
             <a:r>
               <a:rPr lang="en-US" sz="2400" dirty="0">
-                <a:latin typeface="Xingkai SC Light"/>
-                <a:cs typeface="Xingkai SC Light"/>
+                <a:latin typeface="Brush Script MT" panose="03060802040406070304" pitchFamily="66" charset="-122"/>
+                <a:ea typeface="Brush Script MT" panose="03060802040406070304" pitchFamily="66" charset="-122"/>
+                <a:cs typeface="Brush Script MT" panose="03060802040406070304" pitchFamily="66" charset="-122"/>
               </a:rPr>
               <a:t>l</a:t>
             </a:r>
@@ -12465,9 +12844,9 @@
         <p:grpSpPr>
           <a:xfrm>
             <a:off x="3090788" y="5574073"/>
-            <a:ext cx="1879712" cy="717307"/>
+            <a:ext cx="1879712" cy="808949"/>
             <a:chOff x="3090788" y="5574073"/>
-            <a:chExt cx="1879712" cy="717307"/>
+            <a:chExt cx="1879712" cy="808949"/>
           </a:xfrm>
         </p:grpSpPr>
         <p:sp>
@@ -12521,7 +12900,7 @@
           </p:nvSpPr>
           <p:spPr>
             <a:xfrm>
-              <a:off x="3516256" y="5632516"/>
+              <a:off x="3516256" y="5736691"/>
               <a:ext cx="1454244" cy="646331"/>
             </a:xfrm>
             <a:prstGeom prst="rect">
@@ -12614,9 +12993,9 @@
         <p:grpSpPr>
           <a:xfrm>
             <a:off x="6442381" y="5390183"/>
-            <a:ext cx="1183140" cy="805439"/>
+            <a:ext cx="1182952" cy="805439"/>
             <a:chOff x="6442381" y="5390183"/>
-            <a:chExt cx="1183140" cy="805439"/>
+            <a:chExt cx="1182952" cy="805439"/>
           </a:xfrm>
         </p:grpSpPr>
         <p:sp>
@@ -12628,7 +13007,7 @@
           <p:spPr>
             <a:xfrm>
               <a:off x="6445202" y="5390183"/>
-              <a:ext cx="1180319" cy="369332"/>
+              <a:ext cx="1180131" cy="369332"/>
             </a:xfrm>
             <a:prstGeom prst="rect">
               <a:avLst/>
@@ -12729,7 +13108,7 @@
           <p:spPr>
             <a:xfrm>
               <a:off x="6442381" y="5796581"/>
-              <a:ext cx="1180319" cy="369332"/>
+              <a:ext cx="1180131" cy="369332"/>
             </a:xfrm>
             <a:prstGeom prst="rect">
               <a:avLst/>
@@ -12852,9 +13231,10 @@
               <a:t>We look for </a:t>
             </a:r>
             <a:r>
-              <a:rPr lang="en-US" sz="2400" b="1" dirty="0">
-                <a:latin typeface="Xingkai SC Light"/>
-                <a:cs typeface="Xingkai SC Light"/>
+              <a:rPr lang="en-US" sz="2400" dirty="0">
+                <a:latin typeface="Brush Script MT" panose="03060802040406070304" pitchFamily="66" charset="-122"/>
+                <a:ea typeface="Brush Script MT" panose="03060802040406070304" pitchFamily="66" charset="-122"/>
+                <a:cs typeface="Brush Script MT" panose="03060802040406070304" pitchFamily="66" charset="-122"/>
               </a:rPr>
               <a:t>l</a:t>
             </a:r>
@@ -12863,7 +13243,7 @@
                 <a:latin typeface="Trebuchet MS"/>
                 <a:cs typeface="Trebuchet MS"/>
               </a:rPr>
-              <a:t> so that</a:t>
+              <a:t>  so that</a:t>
             </a:r>
           </a:p>
           <a:p>
@@ -12878,35 +13258,58 @@
                 <a:latin typeface="Xingkai SC Light"/>
                 <a:cs typeface="Xingkai SC Light"/>
               </a:rPr>
-              <a:t>  l  </a:t>
-            </a:r>
-            <a:r>
-              <a:rPr lang="en-US" b="1" dirty="0">
-                <a:latin typeface="Times"/>
-                <a:cs typeface="Times"/>
-              </a:rPr>
-              <a:t>m</a:t>
-            </a:r>
-            <a:r>
-              <a:rPr lang="en-US" baseline="-25000" dirty="0">
-                <a:latin typeface="Times"/>
-                <a:cs typeface="Times"/>
-              </a:rPr>
-              <a:t>1</a:t>
-            </a:r>
-            <a:r>
-              <a:rPr lang="en-US" dirty="0">
-                <a:latin typeface="Times"/>
-                <a:cs typeface="Times"/>
-              </a:rPr>
-              <a:t> = 0     and     </a:t>
+              <a:t>  </a:t>
+            </a:r>
+            <a:r>
+              <a:rPr lang="en-US" sz="2400" dirty="0">
+                <a:latin typeface="Brush Script MT" panose="03060802040406070304" pitchFamily="66" charset="-122"/>
+                <a:ea typeface="Brush Script MT" panose="03060802040406070304" pitchFamily="66" charset="-122"/>
+                <a:cs typeface="Brush Script MT" panose="03060802040406070304" pitchFamily="66" charset="-122"/>
+              </a:rPr>
+              <a:t>l</a:t>
             </a:r>
             <a:r>
               <a:rPr lang="en-US" sz="2400" b="1" dirty="0">
                 <a:latin typeface="Xingkai SC Light"/>
                 <a:cs typeface="Xingkai SC Light"/>
               </a:rPr>
-              <a:t>l  </a:t>
+              <a:t>  </a:t>
+            </a:r>
+            <a:r>
+              <a:rPr lang="en-US" b="1" dirty="0">
+                <a:latin typeface="Times"/>
+                <a:cs typeface="Times"/>
+              </a:rPr>
+              <a:t>m</a:t>
+            </a:r>
+            <a:r>
+              <a:rPr lang="en-US" baseline="-25000" dirty="0">
+                <a:latin typeface="Times"/>
+                <a:cs typeface="Times"/>
+              </a:rPr>
+              <a:t>1</a:t>
+            </a:r>
+            <a:r>
+              <a:rPr lang="en-US" dirty="0">
+                <a:latin typeface="Times"/>
+                <a:cs typeface="Times"/>
+              </a:rPr>
+              <a:t> = 0     and     </a:t>
+            </a:r>
+            <a:r>
+              <a:rPr lang="en-US" sz="2400" dirty="0">
+                <a:latin typeface="Brush Script MT" panose="03060802040406070304" pitchFamily="66" charset="-122"/>
+                <a:ea typeface="Brush Script MT" panose="03060802040406070304" pitchFamily="66" charset="-122"/>
+                <a:cs typeface="Brush Script MT" panose="03060802040406070304" pitchFamily="66" charset="-122"/>
+              </a:rPr>
+              <a:t>l</a:t>
+            </a:r>
+            <a:r>
+              <a:rPr lang="en-US" sz="2400" b="1" dirty="0">
+                <a:latin typeface="Xingkai SC Light"/>
+                <a:cs typeface="Xingkai SC Light"/>
+              </a:rPr>
+              <a:t>  </a:t>
             </a:r>
             <a:r>
               <a:rPr lang="en-US" b="1" dirty="0">
@@ -12984,7 +13387,7 @@
         </p:nvSpPr>
         <p:spPr>
           <a:xfrm>
-            <a:off x="7453888" y="1899474"/>
+            <a:off x="7384438" y="1899474"/>
             <a:ext cx="290276" cy="369332"/>
           </a:xfrm>
           <a:prstGeom prst="rect">
@@ -13189,7 +13592,13 @@
       </p:sp>
       <p:sp>
         <p:nvSpPr>
-          <p:cNvPr id="35" name="Rectangle 34"/>
+          <p:cNvPr id="35" name="Rectangle 34">
+            <a:extLst>
+              <a:ext uri="{FF2B5EF4-FFF2-40B4-BE49-F238E27FC236}">
+                <a16:creationId xmlns:a16="http://schemas.microsoft.com/office/drawing/2014/main" id="{D545679D-7A8C-814D-A0F2-69083DE07222}"/>
+              </a:ext>
+            </a:extLst>
+          </p:cNvPr>
           <p:cNvSpPr/>
           <p:nvPr/>
         </p:nvSpPr>
@@ -13212,11 +13621,19 @@
           <a:lstStyle/>
           <a:p>
             <a:r>
+              <a:rPr lang="en-US" sz="2400" dirty="0">
+                <a:latin typeface="Brush Script MT" panose="03060802040406070304" pitchFamily="66" charset="-122"/>
+                <a:ea typeface="Brush Script MT" panose="03060802040406070304" pitchFamily="66" charset="-122"/>
+                <a:cs typeface="Brush Script MT" panose="03060802040406070304" pitchFamily="66" charset="-122"/>
+              </a:rPr>
+              <a:t>l</a:t>
+            </a:r>
+            <a:r>
               <a:rPr lang="en-US" sz="2400" b="1" dirty="0">
                 <a:latin typeface="Xingkai SC Light"/>
                 <a:cs typeface="Xingkai SC Light"/>
               </a:rPr>
-              <a:t>l </a:t>
+              <a:t> </a:t>
             </a:r>
             <a:r>
               <a:rPr lang="en-US" i="1" dirty="0">
@@ -13287,7 +13704,13 @@
       </p:sp>
       <p:sp>
         <p:nvSpPr>
-          <p:cNvPr id="36" name="Rectangle 35"/>
+          <p:cNvPr id="36" name="Rectangle 35">
+            <a:extLst>
+              <a:ext uri="{FF2B5EF4-FFF2-40B4-BE49-F238E27FC236}">
+                <a16:creationId xmlns:a16="http://schemas.microsoft.com/office/drawing/2014/main" id="{36A12AEC-6F5F-0242-9304-65CF330370B1}"/>
+              </a:ext>
+            </a:extLst>
+          </p:cNvPr>
           <p:cNvSpPr/>
           <p:nvPr/>
         </p:nvSpPr>
@@ -13320,7 +13743,7 @@
     </p:spTree>
     <p:extLst>
       <p:ext uri="{BB962C8B-B14F-4D97-AF65-F5344CB8AC3E}">
-        <p14:creationId xmlns:p14="http://schemas.microsoft.com/office/powerpoint/2010/main" val="1192574430"/>
+        <p14:creationId xmlns:p14="http://schemas.microsoft.com/office/powerpoint/2010/main" val="1911408463"/>
       </p:ext>
     </p:extLst>
   </p:cSld>
@@ -13715,6 +14138,36 @@
           </a:p>
         </p:txBody>
       </p:sp>
+      <p:pic>
+        <p:nvPicPr>
+          <p:cNvPr id="7" name="Picture 6">
+            <a:extLst>
+              <a:ext uri="{FF2B5EF4-FFF2-40B4-BE49-F238E27FC236}">
+                <a16:creationId xmlns:a16="http://schemas.microsoft.com/office/drawing/2014/main" id="{33BEB5A4-23EB-6243-8DE5-541A4A26EF71}"/>
+              </a:ext>
+            </a:extLst>
+          </p:cNvPr>
+          <p:cNvPicPr>
+            <a:picLocks noChangeAspect="1"/>
+          </p:cNvPicPr>
+          <p:nvPr/>
+        </p:nvPicPr>
+        <p:blipFill>
+          <a:blip r:embed="rId7"/>
+          <a:stretch>
+            <a:fillRect/>
+          </a:stretch>
+        </p:blipFill>
+        <p:spPr>
+          <a:xfrm>
+            <a:off x="0" y="2337816"/>
+            <a:ext cx="9144000" cy="2182368"/>
+          </a:xfrm>
+          <a:prstGeom prst="rect">
+            <a:avLst/>
+          </a:prstGeom>
+        </p:spPr>
+      </p:pic>
     </p:spTree>
     <p:extLst>
       <p:ext uri="{BB962C8B-B14F-4D97-AF65-F5344CB8AC3E}">
@@ -13846,6 +14299,2204 @@
       <p:bldP spid="37" grpId="0" animBg="1"/>
       <p:bldP spid="38" grpId="0" animBg="1"/>
     </p:bldLst>
+  </p:timing>
+</p:sld>
+</file>
+
+<file path=ppt/slides/slide16.xml><?xml version="1.0" encoding="utf-8"?>
+<p:sld xmlns:a="http://schemas.openxmlformats.org/drawingml/2006/main" xmlns:r="http://schemas.openxmlformats.org/officeDocument/2006/relationships" xmlns:p="http://schemas.openxmlformats.org/presentationml/2006/main" showMasterPhAnim="0">
+  <p:cSld>
+    <p:spTree>
+      <p:nvGrpSpPr>
+        <p:cNvPr id="1" name=""/>
+        <p:cNvGrpSpPr/>
+        <p:nvPr/>
+      </p:nvGrpSpPr>
+      <p:grpSpPr>
+        <a:xfrm>
+          <a:off x="0" y="0"/>
+          <a:ext cx="0" cy="0"/>
+          <a:chOff x="0" y="0"/>
+          <a:chExt cx="0" cy="0"/>
+        </a:xfrm>
+      </p:grpSpPr>
+      <p:sp>
+        <p:nvSpPr>
+          <p:cNvPr id="764930" name="Text Box 2"/>
+          <p:cNvSpPr txBox="1">
+            <a:spLocks noChangeArrowheads="1"/>
+          </p:cNvSpPr>
+          <p:nvPr/>
+        </p:nvSpPr>
+        <p:spPr bwMode="auto">
+          <a:xfrm>
+            <a:off x="290513" y="268288"/>
+            <a:ext cx="8218487" cy="615553"/>
+          </a:xfrm>
+          <a:prstGeom prst="rect">
+            <a:avLst/>
+          </a:prstGeom>
+          <a:noFill/>
+          <a:ln w="9525">
+            <a:noFill/>
+            <a:miter lim="800000"/>
+            <a:headEnd/>
+            <a:tailEnd/>
+          </a:ln>
+        </p:spPr>
+        <p:txBody>
+          <a:bodyPr>
+            <a:spAutoFit/>
+          </a:bodyPr>
+          <a:lstStyle/>
+          <a:p>
+            <a:pPr eaLnBrk="0" hangingPunct="0"/>
+            <a:r>
+              <a:rPr lang="en-US" sz="2400" dirty="0">
+                <a:solidFill>
+                  <a:srgbClr val="0000FF"/>
+                </a:solidFill>
+                <a:latin typeface="Trebuchet MS" pitchFamily="34" charset="0"/>
+              </a:rPr>
+              <a:t>[ </a:t>
+            </a:r>
+            <a:r>
+              <a:rPr lang="en-US" sz="2400" dirty="0" err="1">
+                <a:solidFill>
+                  <a:srgbClr val="0000FF"/>
+                </a:solidFill>
+                <a:latin typeface="Trebuchet MS" pitchFamily="34" charset="0"/>
+              </a:rPr>
+              <a:t>Ejercicio</a:t>
+            </a:r>
+            <a:r>
+              <a:rPr lang="en-US" sz="2400" dirty="0">
+                <a:solidFill>
+                  <a:srgbClr val="0000FF"/>
+                </a:solidFill>
+                <a:latin typeface="Trebuchet MS" pitchFamily="34" charset="0"/>
+              </a:rPr>
+              <a:t> 1 ]</a:t>
+            </a:r>
+          </a:p>
+          <a:p>
+            <a:pPr eaLnBrk="0" hangingPunct="0"/>
+            <a:endParaRPr lang="en-US" sz="1000" dirty="0">
+              <a:solidFill>
+                <a:srgbClr val="0000FF"/>
+              </a:solidFill>
+              <a:latin typeface="Trebuchet MS" pitchFamily="34" charset="0"/>
+            </a:endParaRPr>
+          </a:p>
+        </p:txBody>
+      </p:sp>
+      <p:pic>
+        <p:nvPicPr>
+          <p:cNvPr id="7" name="Picture 6">
+            <a:extLst>
+              <a:ext uri="{FF2B5EF4-FFF2-40B4-BE49-F238E27FC236}">
+                <a16:creationId xmlns:a16="http://schemas.microsoft.com/office/drawing/2014/main" id="{33BEB5A4-23EB-6243-8DE5-541A4A26EF71}"/>
+              </a:ext>
+            </a:extLst>
+          </p:cNvPr>
+          <p:cNvPicPr>
+            <a:picLocks noChangeAspect="1"/>
+          </p:cNvPicPr>
+          <p:nvPr/>
+        </p:nvPicPr>
+        <p:blipFill>
+          <a:blip r:embed="rId3"/>
+          <a:stretch>
+            <a:fillRect/>
+          </a:stretch>
+        </p:blipFill>
+        <p:spPr>
+          <a:xfrm>
+            <a:off x="0" y="1076176"/>
+            <a:ext cx="9144000" cy="2182368"/>
+          </a:xfrm>
+          <a:prstGeom prst="rect">
+            <a:avLst/>
+          </a:prstGeom>
+        </p:spPr>
+      </p:pic>
+      <p:pic>
+        <p:nvPicPr>
+          <p:cNvPr id="9" name="Picture 8">
+            <a:extLst>
+              <a:ext uri="{FF2B5EF4-FFF2-40B4-BE49-F238E27FC236}">
+                <a16:creationId xmlns:a16="http://schemas.microsoft.com/office/drawing/2014/main" id="{3B8688CB-C391-5D46-8E27-F15F6755A69C}"/>
+              </a:ext>
+            </a:extLst>
+          </p:cNvPr>
+          <p:cNvPicPr>
+            <a:picLocks noChangeAspect="1"/>
+          </p:cNvPicPr>
+          <p:nvPr/>
+        </p:nvPicPr>
+        <p:blipFill>
+          <a:blip r:embed="rId4"/>
+          <a:stretch>
+            <a:fillRect/>
+          </a:stretch>
+        </p:blipFill>
+        <p:spPr>
+          <a:xfrm>
+            <a:off x="4149824" y="3361818"/>
+            <a:ext cx="4648200" cy="469900"/>
+          </a:xfrm>
+          <a:prstGeom prst="rect">
+            <a:avLst/>
+          </a:prstGeom>
+        </p:spPr>
+      </p:pic>
+      <p:pic>
+        <p:nvPicPr>
+          <p:cNvPr id="10" name="Picture 9">
+            <a:extLst>
+              <a:ext uri="{FF2B5EF4-FFF2-40B4-BE49-F238E27FC236}">
+                <a16:creationId xmlns:a16="http://schemas.microsoft.com/office/drawing/2014/main" id="{08BF7A74-C1B2-744C-8813-B9CDB21052C4}"/>
+              </a:ext>
+            </a:extLst>
+          </p:cNvPr>
+          <p:cNvPicPr>
+            <a:picLocks noChangeAspect="1"/>
+          </p:cNvPicPr>
+          <p:nvPr/>
+        </p:nvPicPr>
+        <p:blipFill>
+          <a:blip r:embed="rId5"/>
+          <a:stretch>
+            <a:fillRect/>
+          </a:stretch>
+        </p:blipFill>
+        <p:spPr>
+          <a:xfrm>
+            <a:off x="345976" y="3429000"/>
+            <a:ext cx="2755900" cy="469900"/>
+          </a:xfrm>
+          <a:prstGeom prst="rect">
+            <a:avLst/>
+          </a:prstGeom>
+        </p:spPr>
+      </p:pic>
+      <p:pic>
+        <p:nvPicPr>
+          <p:cNvPr id="12" name="Picture 11">
+            <a:extLst>
+              <a:ext uri="{FF2B5EF4-FFF2-40B4-BE49-F238E27FC236}">
+                <a16:creationId xmlns:a16="http://schemas.microsoft.com/office/drawing/2014/main" id="{C1CD2AD4-A44E-ED40-8B4F-9FAF6F2FC1F1}"/>
+              </a:ext>
+            </a:extLst>
+          </p:cNvPr>
+          <p:cNvPicPr>
+            <a:picLocks noChangeAspect="1"/>
+          </p:cNvPicPr>
+          <p:nvPr/>
+        </p:nvPicPr>
+        <p:blipFill>
+          <a:blip r:embed="rId6"/>
+          <a:stretch>
+            <a:fillRect/>
+          </a:stretch>
+        </p:blipFill>
+        <p:spPr>
+          <a:xfrm>
+            <a:off x="345976" y="4262393"/>
+            <a:ext cx="2755900" cy="469900"/>
+          </a:xfrm>
+          <a:prstGeom prst="rect">
+            <a:avLst/>
+          </a:prstGeom>
+        </p:spPr>
+      </p:pic>
+      <p:pic>
+        <p:nvPicPr>
+          <p:cNvPr id="13" name="Picture 12">
+            <a:extLst>
+              <a:ext uri="{FF2B5EF4-FFF2-40B4-BE49-F238E27FC236}">
+                <a16:creationId xmlns:a16="http://schemas.microsoft.com/office/drawing/2014/main" id="{0E275BCD-E8BE-B744-A4E0-3182F708E4D3}"/>
+              </a:ext>
+            </a:extLst>
+          </p:cNvPr>
+          <p:cNvPicPr>
+            <a:picLocks noChangeAspect="1"/>
+          </p:cNvPicPr>
+          <p:nvPr/>
+        </p:nvPicPr>
+        <p:blipFill>
+          <a:blip r:embed="rId7"/>
+          <a:stretch>
+            <a:fillRect/>
+          </a:stretch>
+        </p:blipFill>
+        <p:spPr>
+          <a:xfrm>
+            <a:off x="5309000" y="4130934"/>
+            <a:ext cx="2616200" cy="939800"/>
+          </a:xfrm>
+          <a:prstGeom prst="rect">
+            <a:avLst/>
+          </a:prstGeom>
+        </p:spPr>
+      </p:pic>
+      <p:pic>
+        <p:nvPicPr>
+          <p:cNvPr id="14" name="Picture 13">
+            <a:extLst>
+              <a:ext uri="{FF2B5EF4-FFF2-40B4-BE49-F238E27FC236}">
+                <a16:creationId xmlns:a16="http://schemas.microsoft.com/office/drawing/2014/main" id="{DB28C096-EEF0-D144-B726-CE9F5F213F30}"/>
+              </a:ext>
+            </a:extLst>
+          </p:cNvPr>
+          <p:cNvPicPr>
+            <a:picLocks noChangeAspect="1"/>
+          </p:cNvPicPr>
+          <p:nvPr/>
+        </p:nvPicPr>
+        <p:blipFill>
+          <a:blip r:embed="rId8"/>
+          <a:stretch>
+            <a:fillRect/>
+          </a:stretch>
+        </p:blipFill>
+        <p:spPr>
+          <a:xfrm>
+            <a:off x="5396050" y="5237252"/>
+            <a:ext cx="2349500" cy="939800"/>
+          </a:xfrm>
+          <a:prstGeom prst="rect">
+            <a:avLst/>
+          </a:prstGeom>
+        </p:spPr>
+      </p:pic>
+    </p:spTree>
+    <p:extLst>
+      <p:ext uri="{BB962C8B-B14F-4D97-AF65-F5344CB8AC3E}">
+        <p14:creationId xmlns:p14="http://schemas.microsoft.com/office/powerpoint/2010/main" val="3458279054"/>
+      </p:ext>
+    </p:extLst>
+  </p:cSld>
+  <p:clrMapOvr>
+    <a:masterClrMapping/>
+  </p:clrMapOvr>
+  <p:timing>
+    <p:tnLst>
+      <p:par>
+        <p:cTn id="1" dur="indefinite" restart="never" nodeType="tmRoot">
+          <p:childTnLst>
+            <p:seq concurrent="1" nextAc="seek">
+              <p:cTn id="2" dur="indefinite" nodeType="mainSeq">
+                <p:childTnLst>
+                  <p:par>
+                    <p:cTn id="3" fill="hold">
+                      <p:stCondLst>
+                        <p:cond delay="indefinite"/>
+                      </p:stCondLst>
+                      <p:childTnLst>
+                        <p:par>
+                          <p:cTn id="4" fill="hold">
+                            <p:stCondLst>
+                              <p:cond delay="0"/>
+                            </p:stCondLst>
+                            <p:childTnLst>
+                              <p:par>
+                                <p:cTn id="5" presetID="1" presetClass="entr" presetSubtype="0" fill="hold" nodeType="clickEffect">
+                                  <p:stCondLst>
+                                    <p:cond delay="0"/>
+                                  </p:stCondLst>
+                                  <p:childTnLst>
+                                    <p:set>
+                                      <p:cBhvr>
+                                        <p:cTn id="6" dur="1" fill="hold">
+                                          <p:stCondLst>
+                                            <p:cond delay="0"/>
+                                          </p:stCondLst>
+                                        </p:cTn>
+                                        <p:tgtEl>
+                                          <p:spTgt spid="10"/>
+                                        </p:tgtEl>
+                                        <p:attrNameLst>
+                                          <p:attrName>style.visibility</p:attrName>
+                                        </p:attrNameLst>
+                                      </p:cBhvr>
+                                      <p:to>
+                                        <p:strVal val="visible"/>
+                                      </p:to>
+                                    </p:set>
+                                  </p:childTnLst>
+                                </p:cTn>
+                              </p:par>
+                            </p:childTnLst>
+                          </p:cTn>
+                        </p:par>
+                      </p:childTnLst>
+                    </p:cTn>
+                  </p:par>
+                  <p:par>
+                    <p:cTn id="7" fill="hold">
+                      <p:stCondLst>
+                        <p:cond delay="indefinite"/>
+                      </p:stCondLst>
+                      <p:childTnLst>
+                        <p:par>
+                          <p:cTn id="8" fill="hold">
+                            <p:stCondLst>
+                              <p:cond delay="0"/>
+                            </p:stCondLst>
+                            <p:childTnLst>
+                              <p:par>
+                                <p:cTn id="9" presetID="1" presetClass="entr" presetSubtype="0" fill="hold" nodeType="clickEffect">
+                                  <p:stCondLst>
+                                    <p:cond delay="0"/>
+                                  </p:stCondLst>
+                                  <p:childTnLst>
+                                    <p:set>
+                                      <p:cBhvr>
+                                        <p:cTn id="10" dur="1" fill="hold">
+                                          <p:stCondLst>
+                                            <p:cond delay="0"/>
+                                          </p:stCondLst>
+                                        </p:cTn>
+                                        <p:tgtEl>
+                                          <p:spTgt spid="12"/>
+                                        </p:tgtEl>
+                                        <p:attrNameLst>
+                                          <p:attrName>style.visibility</p:attrName>
+                                        </p:attrNameLst>
+                                      </p:cBhvr>
+                                      <p:to>
+                                        <p:strVal val="visible"/>
+                                      </p:to>
+                                    </p:set>
+                                  </p:childTnLst>
+                                </p:cTn>
+                              </p:par>
+                            </p:childTnLst>
+                          </p:cTn>
+                        </p:par>
+                      </p:childTnLst>
+                    </p:cTn>
+                  </p:par>
+                  <p:par>
+                    <p:cTn id="11" fill="hold">
+                      <p:stCondLst>
+                        <p:cond delay="indefinite"/>
+                      </p:stCondLst>
+                      <p:childTnLst>
+                        <p:par>
+                          <p:cTn id="12" fill="hold">
+                            <p:stCondLst>
+                              <p:cond delay="0"/>
+                            </p:stCondLst>
+                            <p:childTnLst>
+                              <p:par>
+                                <p:cTn id="13" presetID="1" presetClass="entr" presetSubtype="0" fill="hold" nodeType="clickEffect">
+                                  <p:stCondLst>
+                                    <p:cond delay="0"/>
+                                  </p:stCondLst>
+                                  <p:childTnLst>
+                                    <p:set>
+                                      <p:cBhvr>
+                                        <p:cTn id="14" dur="1" fill="hold">
+                                          <p:stCondLst>
+                                            <p:cond delay="0"/>
+                                          </p:stCondLst>
+                                        </p:cTn>
+                                        <p:tgtEl>
+                                          <p:spTgt spid="9"/>
+                                        </p:tgtEl>
+                                        <p:attrNameLst>
+                                          <p:attrName>style.visibility</p:attrName>
+                                        </p:attrNameLst>
+                                      </p:cBhvr>
+                                      <p:to>
+                                        <p:strVal val="visible"/>
+                                      </p:to>
+                                    </p:set>
+                                  </p:childTnLst>
+                                </p:cTn>
+                              </p:par>
+                            </p:childTnLst>
+                          </p:cTn>
+                        </p:par>
+                      </p:childTnLst>
+                    </p:cTn>
+                  </p:par>
+                  <p:par>
+                    <p:cTn id="15" fill="hold">
+                      <p:stCondLst>
+                        <p:cond delay="indefinite"/>
+                      </p:stCondLst>
+                      <p:childTnLst>
+                        <p:par>
+                          <p:cTn id="16" fill="hold">
+                            <p:stCondLst>
+                              <p:cond delay="0"/>
+                            </p:stCondLst>
+                            <p:childTnLst>
+                              <p:par>
+                                <p:cTn id="17" presetID="1" presetClass="entr" presetSubtype="0" fill="hold" nodeType="clickEffect">
+                                  <p:stCondLst>
+                                    <p:cond delay="0"/>
+                                  </p:stCondLst>
+                                  <p:childTnLst>
+                                    <p:set>
+                                      <p:cBhvr>
+                                        <p:cTn id="18" dur="1" fill="hold">
+                                          <p:stCondLst>
+                                            <p:cond delay="0"/>
+                                          </p:stCondLst>
+                                        </p:cTn>
+                                        <p:tgtEl>
+                                          <p:spTgt spid="13"/>
+                                        </p:tgtEl>
+                                        <p:attrNameLst>
+                                          <p:attrName>style.visibility</p:attrName>
+                                        </p:attrNameLst>
+                                      </p:cBhvr>
+                                      <p:to>
+                                        <p:strVal val="visible"/>
+                                      </p:to>
+                                    </p:set>
+                                  </p:childTnLst>
+                                </p:cTn>
+                              </p:par>
+                            </p:childTnLst>
+                          </p:cTn>
+                        </p:par>
+                      </p:childTnLst>
+                    </p:cTn>
+                  </p:par>
+                  <p:par>
+                    <p:cTn id="19" fill="hold">
+                      <p:stCondLst>
+                        <p:cond delay="indefinite"/>
+                      </p:stCondLst>
+                      <p:childTnLst>
+                        <p:par>
+                          <p:cTn id="20" fill="hold">
+                            <p:stCondLst>
+                              <p:cond delay="0"/>
+                            </p:stCondLst>
+                            <p:childTnLst>
+                              <p:par>
+                                <p:cTn id="21" presetID="1" presetClass="entr" presetSubtype="0" fill="hold" nodeType="clickEffect">
+                                  <p:stCondLst>
+                                    <p:cond delay="0"/>
+                                  </p:stCondLst>
+                                  <p:childTnLst>
+                                    <p:set>
+                                      <p:cBhvr>
+                                        <p:cTn id="22" dur="1" fill="hold">
+                                          <p:stCondLst>
+                                            <p:cond delay="0"/>
+                                          </p:stCondLst>
+                                        </p:cTn>
+                                        <p:tgtEl>
+                                          <p:spTgt spid="14"/>
+                                        </p:tgtEl>
+                                        <p:attrNameLst>
+                                          <p:attrName>style.visibility</p:attrName>
+                                        </p:attrNameLst>
+                                      </p:cBhvr>
+                                      <p:to>
+                                        <p:strVal val="visible"/>
+                                      </p:to>
+                                    </p:set>
+                                  </p:childTnLst>
+                                </p:cTn>
+                              </p:par>
+                            </p:childTnLst>
+                          </p:cTn>
+                        </p:par>
+                      </p:childTnLst>
+                    </p:cTn>
+                  </p:par>
+                </p:childTnLst>
+              </p:cTn>
+              <p:prevCondLst>
+                <p:cond evt="onPrev" delay="0">
+                  <p:tgtEl>
+                    <p:sldTgt/>
+                  </p:tgtEl>
+                </p:cond>
+              </p:prevCondLst>
+              <p:nextCondLst>
+                <p:cond evt="onNext" delay="0">
+                  <p:tgtEl>
+                    <p:sldTgt/>
+                  </p:tgtEl>
+                </p:cond>
+              </p:nextCondLst>
+            </p:seq>
+          </p:childTnLst>
+        </p:cTn>
+      </p:par>
+    </p:tnLst>
+  </p:timing>
+</p:sld>
+</file>
+
+<file path=ppt/slides/slide17.xml><?xml version="1.0" encoding="utf-8"?>
+<p:sld xmlns:a="http://schemas.openxmlformats.org/drawingml/2006/main" xmlns:r="http://schemas.openxmlformats.org/officeDocument/2006/relationships" xmlns:p="http://schemas.openxmlformats.org/presentationml/2006/main" showMasterPhAnim="0">
+  <p:cSld>
+    <p:spTree>
+      <p:nvGrpSpPr>
+        <p:cNvPr id="1" name=""/>
+        <p:cNvGrpSpPr/>
+        <p:nvPr/>
+      </p:nvGrpSpPr>
+      <p:grpSpPr>
+        <a:xfrm>
+          <a:off x="0" y="0"/>
+          <a:ext cx="0" cy="0"/>
+          <a:chOff x="0" y="0"/>
+          <a:chExt cx="0" cy="0"/>
+        </a:xfrm>
+      </p:grpSpPr>
+      <p:sp>
+        <p:nvSpPr>
+          <p:cNvPr id="764930" name="Text Box 2"/>
+          <p:cNvSpPr txBox="1">
+            <a:spLocks noChangeArrowheads="1"/>
+          </p:cNvSpPr>
+          <p:nvPr/>
+        </p:nvSpPr>
+        <p:spPr bwMode="auto">
+          <a:xfrm>
+            <a:off x="290513" y="268288"/>
+            <a:ext cx="8218487" cy="615553"/>
+          </a:xfrm>
+          <a:prstGeom prst="rect">
+            <a:avLst/>
+          </a:prstGeom>
+          <a:noFill/>
+          <a:ln w="9525">
+            <a:noFill/>
+            <a:miter lim="800000"/>
+            <a:headEnd/>
+            <a:tailEnd/>
+          </a:ln>
+        </p:spPr>
+        <p:txBody>
+          <a:bodyPr>
+            <a:spAutoFit/>
+          </a:bodyPr>
+          <a:lstStyle/>
+          <a:p>
+            <a:pPr eaLnBrk="0" hangingPunct="0"/>
+            <a:r>
+              <a:rPr lang="en-US" sz="2400" dirty="0">
+                <a:solidFill>
+                  <a:srgbClr val="0000FF"/>
+                </a:solidFill>
+                <a:latin typeface="Trebuchet MS" pitchFamily="34" charset="0"/>
+              </a:rPr>
+              <a:t>[ </a:t>
+            </a:r>
+            <a:r>
+              <a:rPr lang="en-US" sz="2400" dirty="0" err="1">
+                <a:solidFill>
+                  <a:srgbClr val="0000FF"/>
+                </a:solidFill>
+                <a:latin typeface="Trebuchet MS" pitchFamily="34" charset="0"/>
+              </a:rPr>
+              <a:t>Ejercicio</a:t>
+            </a:r>
+            <a:r>
+              <a:rPr lang="en-US" sz="2400" dirty="0">
+                <a:solidFill>
+                  <a:srgbClr val="0000FF"/>
+                </a:solidFill>
+                <a:latin typeface="Trebuchet MS" pitchFamily="34" charset="0"/>
+              </a:rPr>
+              <a:t> 2 ]</a:t>
+            </a:r>
+          </a:p>
+          <a:p>
+            <a:pPr eaLnBrk="0" hangingPunct="0"/>
+            <a:endParaRPr lang="en-US" sz="1000" dirty="0">
+              <a:solidFill>
+                <a:srgbClr val="0000FF"/>
+              </a:solidFill>
+              <a:latin typeface="Trebuchet MS" pitchFamily="34" charset="0"/>
+            </a:endParaRPr>
+          </a:p>
+        </p:txBody>
+      </p:sp>
+      <p:sp>
+        <p:nvSpPr>
+          <p:cNvPr id="2" name="TextBox 1">
+            <a:extLst>
+              <a:ext uri="{FF2B5EF4-FFF2-40B4-BE49-F238E27FC236}">
+                <a16:creationId xmlns:a16="http://schemas.microsoft.com/office/drawing/2014/main" id="{7B7F2363-9F0F-F345-899F-17FF1B33DEF1}"/>
+              </a:ext>
+            </a:extLst>
+          </p:cNvPr>
+          <p:cNvSpPr txBox="1"/>
+          <p:nvPr/>
+        </p:nvSpPr>
+        <p:spPr>
+          <a:xfrm>
+            <a:off x="509286" y="1851949"/>
+            <a:ext cx="6417141" cy="369332"/>
+          </a:xfrm>
+          <a:prstGeom prst="rect">
+            <a:avLst/>
+          </a:prstGeom>
+          <a:noFill/>
+        </p:spPr>
+        <p:txBody>
+          <a:bodyPr wrap="none" rtlCol="0">
+            <a:spAutoFit/>
+          </a:bodyPr>
+          <a:lstStyle/>
+          <a:p>
+            <a:r>
+              <a:rPr lang="es-ES_tradnl" dirty="0">
+                <a:latin typeface="Trebuchet MS" panose="020B0703020202090204" pitchFamily="34" charset="0"/>
+              </a:rPr>
+              <a:t>Encuentre la recta que pasa por los puntos (10,20) y (20,30)</a:t>
+            </a:r>
+          </a:p>
+        </p:txBody>
+      </p:sp>
+      <p:pic>
+        <p:nvPicPr>
+          <p:cNvPr id="3" name="Picture 2">
+            <a:extLst>
+              <a:ext uri="{FF2B5EF4-FFF2-40B4-BE49-F238E27FC236}">
+                <a16:creationId xmlns:a16="http://schemas.microsoft.com/office/drawing/2014/main" id="{751ECDBE-6F3D-AD40-8F8A-1A700DB9CAC6}"/>
+              </a:ext>
+            </a:extLst>
+          </p:cNvPr>
+          <p:cNvPicPr>
+            <a:picLocks noChangeAspect="1"/>
+          </p:cNvPicPr>
+          <p:nvPr/>
+        </p:nvPicPr>
+        <p:blipFill>
+          <a:blip r:embed="rId3"/>
+          <a:stretch>
+            <a:fillRect/>
+          </a:stretch>
+        </p:blipFill>
+        <p:spPr>
+          <a:xfrm>
+            <a:off x="563543" y="2518058"/>
+            <a:ext cx="3086100" cy="469900"/>
+          </a:xfrm>
+          <a:prstGeom prst="rect">
+            <a:avLst/>
+          </a:prstGeom>
+        </p:spPr>
+      </p:pic>
+      <p:pic>
+        <p:nvPicPr>
+          <p:cNvPr id="4" name="Picture 3">
+            <a:extLst>
+              <a:ext uri="{FF2B5EF4-FFF2-40B4-BE49-F238E27FC236}">
+                <a16:creationId xmlns:a16="http://schemas.microsoft.com/office/drawing/2014/main" id="{EC2A3B75-DFB9-944D-B2D9-84F0220301E2}"/>
+              </a:ext>
+            </a:extLst>
+          </p:cNvPr>
+          <p:cNvPicPr>
+            <a:picLocks noChangeAspect="1"/>
+          </p:cNvPicPr>
+          <p:nvPr/>
+        </p:nvPicPr>
+        <p:blipFill>
+          <a:blip r:embed="rId4"/>
+          <a:stretch>
+            <a:fillRect/>
+          </a:stretch>
+        </p:blipFill>
+        <p:spPr>
+          <a:xfrm>
+            <a:off x="563543" y="3439866"/>
+            <a:ext cx="3086100" cy="469900"/>
+          </a:xfrm>
+          <a:prstGeom prst="rect">
+            <a:avLst/>
+          </a:prstGeom>
+        </p:spPr>
+      </p:pic>
+      <p:pic>
+        <p:nvPicPr>
+          <p:cNvPr id="5" name="Picture 4">
+            <a:extLst>
+              <a:ext uri="{FF2B5EF4-FFF2-40B4-BE49-F238E27FC236}">
+                <a16:creationId xmlns:a16="http://schemas.microsoft.com/office/drawing/2014/main" id="{F3831D9C-FB2D-6F46-A428-CEAB06639688}"/>
+              </a:ext>
+            </a:extLst>
+          </p:cNvPr>
+          <p:cNvPicPr>
+            <a:picLocks noChangeAspect="1"/>
+          </p:cNvPicPr>
+          <p:nvPr/>
+        </p:nvPicPr>
+        <p:blipFill>
+          <a:blip r:embed="rId5"/>
+          <a:stretch>
+            <a:fillRect/>
+          </a:stretch>
+        </p:blipFill>
+        <p:spPr>
+          <a:xfrm>
+            <a:off x="532436" y="4312592"/>
+            <a:ext cx="5461000" cy="469900"/>
+          </a:xfrm>
+          <a:prstGeom prst="rect">
+            <a:avLst/>
+          </a:prstGeom>
+        </p:spPr>
+      </p:pic>
+      <p:pic>
+        <p:nvPicPr>
+          <p:cNvPr id="6" name="Picture 5">
+            <a:extLst>
+              <a:ext uri="{FF2B5EF4-FFF2-40B4-BE49-F238E27FC236}">
+                <a16:creationId xmlns:a16="http://schemas.microsoft.com/office/drawing/2014/main" id="{7F61DEB8-3412-1E43-A198-3E780F09D224}"/>
+              </a:ext>
+            </a:extLst>
+          </p:cNvPr>
+          <p:cNvPicPr>
+            <a:picLocks noChangeAspect="1"/>
+          </p:cNvPicPr>
+          <p:nvPr/>
+        </p:nvPicPr>
+        <p:blipFill>
+          <a:blip r:embed="rId6"/>
+          <a:stretch>
+            <a:fillRect/>
+          </a:stretch>
+        </p:blipFill>
+        <p:spPr>
+          <a:xfrm>
+            <a:off x="424646" y="5234400"/>
+            <a:ext cx="4356100" cy="406400"/>
+          </a:xfrm>
+          <a:prstGeom prst="rect">
+            <a:avLst/>
+          </a:prstGeom>
+        </p:spPr>
+      </p:pic>
+      <p:pic>
+        <p:nvPicPr>
+          <p:cNvPr id="8" name="Picture 7">
+            <a:extLst>
+              <a:ext uri="{FF2B5EF4-FFF2-40B4-BE49-F238E27FC236}">
+                <a16:creationId xmlns:a16="http://schemas.microsoft.com/office/drawing/2014/main" id="{6582569D-601A-F74F-A5C2-419E8BDA2C72}"/>
+              </a:ext>
+            </a:extLst>
+          </p:cNvPr>
+          <p:cNvPicPr>
+            <a:picLocks noChangeAspect="1"/>
+          </p:cNvPicPr>
+          <p:nvPr/>
+        </p:nvPicPr>
+        <p:blipFill>
+          <a:blip r:embed="rId7"/>
+          <a:stretch>
+            <a:fillRect/>
+          </a:stretch>
+        </p:blipFill>
+        <p:spPr>
+          <a:xfrm>
+            <a:off x="563543" y="6001077"/>
+            <a:ext cx="2095500" cy="406400"/>
+          </a:xfrm>
+          <a:prstGeom prst="rect">
+            <a:avLst/>
+          </a:prstGeom>
+        </p:spPr>
+      </p:pic>
+    </p:spTree>
+    <p:extLst>
+      <p:ext uri="{BB962C8B-B14F-4D97-AF65-F5344CB8AC3E}">
+        <p14:creationId xmlns:p14="http://schemas.microsoft.com/office/powerpoint/2010/main" val="2429230318"/>
+      </p:ext>
+    </p:extLst>
+  </p:cSld>
+  <p:clrMapOvr>
+    <a:masterClrMapping/>
+  </p:clrMapOvr>
+  <p:timing>
+    <p:tnLst>
+      <p:par>
+        <p:cTn id="1" dur="indefinite" restart="never" nodeType="tmRoot">
+          <p:childTnLst>
+            <p:seq concurrent="1" nextAc="seek">
+              <p:cTn id="2" dur="indefinite" nodeType="mainSeq">
+                <p:childTnLst>
+                  <p:par>
+                    <p:cTn id="3" fill="hold">
+                      <p:stCondLst>
+                        <p:cond delay="indefinite"/>
+                      </p:stCondLst>
+                      <p:childTnLst>
+                        <p:par>
+                          <p:cTn id="4" fill="hold">
+                            <p:stCondLst>
+                              <p:cond delay="0"/>
+                            </p:stCondLst>
+                            <p:childTnLst>
+                              <p:par>
+                                <p:cTn id="5" presetID="1" presetClass="entr" presetSubtype="0" fill="hold" nodeType="clickEffect">
+                                  <p:stCondLst>
+                                    <p:cond delay="0"/>
+                                  </p:stCondLst>
+                                  <p:childTnLst>
+                                    <p:set>
+                                      <p:cBhvr>
+                                        <p:cTn id="6" dur="1" fill="hold">
+                                          <p:stCondLst>
+                                            <p:cond delay="0"/>
+                                          </p:stCondLst>
+                                        </p:cTn>
+                                        <p:tgtEl>
+                                          <p:spTgt spid="3"/>
+                                        </p:tgtEl>
+                                        <p:attrNameLst>
+                                          <p:attrName>style.visibility</p:attrName>
+                                        </p:attrNameLst>
+                                      </p:cBhvr>
+                                      <p:to>
+                                        <p:strVal val="visible"/>
+                                      </p:to>
+                                    </p:set>
+                                  </p:childTnLst>
+                                </p:cTn>
+                              </p:par>
+                            </p:childTnLst>
+                          </p:cTn>
+                        </p:par>
+                      </p:childTnLst>
+                    </p:cTn>
+                  </p:par>
+                  <p:par>
+                    <p:cTn id="7" fill="hold">
+                      <p:stCondLst>
+                        <p:cond delay="indefinite"/>
+                      </p:stCondLst>
+                      <p:childTnLst>
+                        <p:par>
+                          <p:cTn id="8" fill="hold">
+                            <p:stCondLst>
+                              <p:cond delay="0"/>
+                            </p:stCondLst>
+                            <p:childTnLst>
+                              <p:par>
+                                <p:cTn id="9" presetID="1" presetClass="entr" presetSubtype="0" fill="hold" nodeType="clickEffect">
+                                  <p:stCondLst>
+                                    <p:cond delay="0"/>
+                                  </p:stCondLst>
+                                  <p:childTnLst>
+                                    <p:set>
+                                      <p:cBhvr>
+                                        <p:cTn id="10" dur="1" fill="hold">
+                                          <p:stCondLst>
+                                            <p:cond delay="0"/>
+                                          </p:stCondLst>
+                                        </p:cTn>
+                                        <p:tgtEl>
+                                          <p:spTgt spid="4"/>
+                                        </p:tgtEl>
+                                        <p:attrNameLst>
+                                          <p:attrName>style.visibility</p:attrName>
+                                        </p:attrNameLst>
+                                      </p:cBhvr>
+                                      <p:to>
+                                        <p:strVal val="visible"/>
+                                      </p:to>
+                                    </p:set>
+                                  </p:childTnLst>
+                                </p:cTn>
+                              </p:par>
+                            </p:childTnLst>
+                          </p:cTn>
+                        </p:par>
+                      </p:childTnLst>
+                    </p:cTn>
+                  </p:par>
+                  <p:par>
+                    <p:cTn id="11" fill="hold">
+                      <p:stCondLst>
+                        <p:cond delay="indefinite"/>
+                      </p:stCondLst>
+                      <p:childTnLst>
+                        <p:par>
+                          <p:cTn id="12" fill="hold">
+                            <p:stCondLst>
+                              <p:cond delay="0"/>
+                            </p:stCondLst>
+                            <p:childTnLst>
+                              <p:par>
+                                <p:cTn id="13" presetID="1" presetClass="entr" presetSubtype="0" fill="hold" nodeType="clickEffect">
+                                  <p:stCondLst>
+                                    <p:cond delay="0"/>
+                                  </p:stCondLst>
+                                  <p:childTnLst>
+                                    <p:set>
+                                      <p:cBhvr>
+                                        <p:cTn id="14" dur="1" fill="hold">
+                                          <p:stCondLst>
+                                            <p:cond delay="0"/>
+                                          </p:stCondLst>
+                                        </p:cTn>
+                                        <p:tgtEl>
+                                          <p:spTgt spid="5"/>
+                                        </p:tgtEl>
+                                        <p:attrNameLst>
+                                          <p:attrName>style.visibility</p:attrName>
+                                        </p:attrNameLst>
+                                      </p:cBhvr>
+                                      <p:to>
+                                        <p:strVal val="visible"/>
+                                      </p:to>
+                                    </p:set>
+                                  </p:childTnLst>
+                                </p:cTn>
+                              </p:par>
+                            </p:childTnLst>
+                          </p:cTn>
+                        </p:par>
+                      </p:childTnLst>
+                    </p:cTn>
+                  </p:par>
+                  <p:par>
+                    <p:cTn id="15" fill="hold">
+                      <p:stCondLst>
+                        <p:cond delay="indefinite"/>
+                      </p:stCondLst>
+                      <p:childTnLst>
+                        <p:par>
+                          <p:cTn id="16" fill="hold">
+                            <p:stCondLst>
+                              <p:cond delay="0"/>
+                            </p:stCondLst>
+                            <p:childTnLst>
+                              <p:par>
+                                <p:cTn id="17" presetID="1" presetClass="entr" presetSubtype="0" fill="hold" nodeType="clickEffect">
+                                  <p:stCondLst>
+                                    <p:cond delay="0"/>
+                                  </p:stCondLst>
+                                  <p:childTnLst>
+                                    <p:set>
+                                      <p:cBhvr>
+                                        <p:cTn id="18" dur="1" fill="hold">
+                                          <p:stCondLst>
+                                            <p:cond delay="0"/>
+                                          </p:stCondLst>
+                                        </p:cTn>
+                                        <p:tgtEl>
+                                          <p:spTgt spid="6"/>
+                                        </p:tgtEl>
+                                        <p:attrNameLst>
+                                          <p:attrName>style.visibility</p:attrName>
+                                        </p:attrNameLst>
+                                      </p:cBhvr>
+                                      <p:to>
+                                        <p:strVal val="visible"/>
+                                      </p:to>
+                                    </p:set>
+                                  </p:childTnLst>
+                                </p:cTn>
+                              </p:par>
+                            </p:childTnLst>
+                          </p:cTn>
+                        </p:par>
+                      </p:childTnLst>
+                    </p:cTn>
+                  </p:par>
+                  <p:par>
+                    <p:cTn id="19" fill="hold">
+                      <p:stCondLst>
+                        <p:cond delay="indefinite"/>
+                      </p:stCondLst>
+                      <p:childTnLst>
+                        <p:par>
+                          <p:cTn id="20" fill="hold">
+                            <p:stCondLst>
+                              <p:cond delay="0"/>
+                            </p:stCondLst>
+                            <p:childTnLst>
+                              <p:par>
+                                <p:cTn id="21" presetID="1" presetClass="entr" presetSubtype="0" fill="hold" nodeType="clickEffect">
+                                  <p:stCondLst>
+                                    <p:cond delay="0"/>
+                                  </p:stCondLst>
+                                  <p:childTnLst>
+                                    <p:set>
+                                      <p:cBhvr>
+                                        <p:cTn id="22" dur="1" fill="hold">
+                                          <p:stCondLst>
+                                            <p:cond delay="0"/>
+                                          </p:stCondLst>
+                                        </p:cTn>
+                                        <p:tgtEl>
+                                          <p:spTgt spid="8"/>
+                                        </p:tgtEl>
+                                        <p:attrNameLst>
+                                          <p:attrName>style.visibility</p:attrName>
+                                        </p:attrNameLst>
+                                      </p:cBhvr>
+                                      <p:to>
+                                        <p:strVal val="visible"/>
+                                      </p:to>
+                                    </p:set>
+                                  </p:childTnLst>
+                                </p:cTn>
+                              </p:par>
+                            </p:childTnLst>
+                          </p:cTn>
+                        </p:par>
+                      </p:childTnLst>
+                    </p:cTn>
+                  </p:par>
+                </p:childTnLst>
+              </p:cTn>
+              <p:prevCondLst>
+                <p:cond evt="onPrev" delay="0">
+                  <p:tgtEl>
+                    <p:sldTgt/>
+                  </p:tgtEl>
+                </p:cond>
+              </p:prevCondLst>
+              <p:nextCondLst>
+                <p:cond evt="onNext" delay="0">
+                  <p:tgtEl>
+                    <p:sldTgt/>
+                  </p:tgtEl>
+                </p:cond>
+              </p:nextCondLst>
+            </p:seq>
+          </p:childTnLst>
+        </p:cTn>
+      </p:par>
+    </p:tnLst>
+  </p:timing>
+</p:sld>
+</file>
+
+<file path=ppt/slides/slide18.xml><?xml version="1.0" encoding="utf-8"?>
+<p:sld xmlns:a="http://schemas.openxmlformats.org/drawingml/2006/main" xmlns:r="http://schemas.openxmlformats.org/officeDocument/2006/relationships" xmlns:p="http://schemas.openxmlformats.org/presentationml/2006/main" showMasterPhAnim="0">
+  <p:cSld>
+    <p:spTree>
+      <p:nvGrpSpPr>
+        <p:cNvPr id="1" name=""/>
+        <p:cNvGrpSpPr/>
+        <p:nvPr/>
+      </p:nvGrpSpPr>
+      <p:grpSpPr>
+        <a:xfrm>
+          <a:off x="0" y="0"/>
+          <a:ext cx="0" cy="0"/>
+          <a:chOff x="0" y="0"/>
+          <a:chExt cx="0" cy="0"/>
+        </a:xfrm>
+      </p:grpSpPr>
+      <p:sp>
+        <p:nvSpPr>
+          <p:cNvPr id="764930" name="Text Box 2"/>
+          <p:cNvSpPr txBox="1">
+            <a:spLocks noChangeArrowheads="1"/>
+          </p:cNvSpPr>
+          <p:nvPr/>
+        </p:nvSpPr>
+        <p:spPr bwMode="auto">
+          <a:xfrm>
+            <a:off x="290513" y="268288"/>
+            <a:ext cx="8218487" cy="615553"/>
+          </a:xfrm>
+          <a:prstGeom prst="rect">
+            <a:avLst/>
+          </a:prstGeom>
+          <a:noFill/>
+          <a:ln w="9525">
+            <a:noFill/>
+            <a:miter lim="800000"/>
+            <a:headEnd/>
+            <a:tailEnd/>
+          </a:ln>
+        </p:spPr>
+        <p:txBody>
+          <a:bodyPr>
+            <a:spAutoFit/>
+          </a:bodyPr>
+          <a:lstStyle/>
+          <a:p>
+            <a:pPr eaLnBrk="0" hangingPunct="0"/>
+            <a:r>
+              <a:rPr lang="en-US" sz="2400" dirty="0">
+                <a:solidFill>
+                  <a:srgbClr val="0000FF"/>
+                </a:solidFill>
+                <a:latin typeface="Trebuchet MS" pitchFamily="34" charset="0"/>
+              </a:rPr>
+              <a:t>[ </a:t>
+            </a:r>
+            <a:r>
+              <a:rPr lang="en-US" sz="2400" dirty="0" err="1">
+                <a:solidFill>
+                  <a:srgbClr val="0000FF"/>
+                </a:solidFill>
+                <a:latin typeface="Trebuchet MS" pitchFamily="34" charset="0"/>
+              </a:rPr>
+              <a:t>Ejercicio</a:t>
+            </a:r>
+            <a:r>
+              <a:rPr lang="en-US" sz="2400" dirty="0">
+                <a:solidFill>
+                  <a:srgbClr val="0000FF"/>
+                </a:solidFill>
+                <a:latin typeface="Trebuchet MS" pitchFamily="34" charset="0"/>
+              </a:rPr>
+              <a:t> 3 ]</a:t>
+            </a:r>
+          </a:p>
+          <a:p>
+            <a:pPr eaLnBrk="0" hangingPunct="0"/>
+            <a:endParaRPr lang="en-US" sz="1000" dirty="0">
+              <a:solidFill>
+                <a:srgbClr val="0000FF"/>
+              </a:solidFill>
+              <a:latin typeface="Trebuchet MS" pitchFamily="34" charset="0"/>
+            </a:endParaRPr>
+          </a:p>
+        </p:txBody>
+      </p:sp>
+      <p:cxnSp>
+        <p:nvCxnSpPr>
+          <p:cNvPr id="15" name="Straight Connector 14">
+            <a:extLst>
+              <a:ext uri="{FF2B5EF4-FFF2-40B4-BE49-F238E27FC236}">
+                <a16:creationId xmlns:a16="http://schemas.microsoft.com/office/drawing/2014/main" id="{52B06223-8437-3649-B12F-3AA6ED6BC3C8}"/>
+              </a:ext>
+            </a:extLst>
+          </p:cNvPr>
+          <p:cNvCxnSpPr/>
+          <p:nvPr/>
+        </p:nvCxnSpPr>
+        <p:spPr>
+          <a:xfrm>
+            <a:off x="960699" y="2145349"/>
+            <a:ext cx="0" cy="4039564"/>
+          </a:xfrm>
+          <a:prstGeom prst="line">
+            <a:avLst/>
+          </a:prstGeom>
+          <a:ln>
+            <a:headEnd type="triangle"/>
+          </a:ln>
+        </p:spPr>
+        <p:style>
+          <a:lnRef idx="2">
+            <a:schemeClr val="accent1"/>
+          </a:lnRef>
+          <a:fillRef idx="0">
+            <a:schemeClr val="accent1"/>
+          </a:fillRef>
+          <a:effectRef idx="1">
+            <a:schemeClr val="accent1"/>
+          </a:effectRef>
+          <a:fontRef idx="minor">
+            <a:schemeClr val="tx1"/>
+          </a:fontRef>
+        </p:style>
+      </p:cxnSp>
+      <p:cxnSp>
+        <p:nvCxnSpPr>
+          <p:cNvPr id="17" name="Straight Connector 16">
+            <a:extLst>
+              <a:ext uri="{FF2B5EF4-FFF2-40B4-BE49-F238E27FC236}">
+                <a16:creationId xmlns:a16="http://schemas.microsoft.com/office/drawing/2014/main" id="{94F8D535-253C-7341-BA03-58CA6B56A46F}"/>
+              </a:ext>
+            </a:extLst>
+          </p:cNvPr>
+          <p:cNvCxnSpPr>
+            <a:cxnSpLocks/>
+          </p:cNvCxnSpPr>
+          <p:nvPr/>
+        </p:nvCxnSpPr>
+        <p:spPr>
+          <a:xfrm flipH="1">
+            <a:off x="777434" y="5932199"/>
+            <a:ext cx="4396450" cy="0"/>
+          </a:xfrm>
+          <a:prstGeom prst="line">
+            <a:avLst/>
+          </a:prstGeom>
+          <a:ln>
+            <a:headEnd type="triangle"/>
+          </a:ln>
+        </p:spPr>
+        <p:style>
+          <a:lnRef idx="2">
+            <a:schemeClr val="accent1"/>
+          </a:lnRef>
+          <a:fillRef idx="0">
+            <a:schemeClr val="accent1"/>
+          </a:fillRef>
+          <a:effectRef idx="1">
+            <a:schemeClr val="accent1"/>
+          </a:effectRef>
+          <a:fontRef idx="minor">
+            <a:schemeClr val="tx1"/>
+          </a:fontRef>
+        </p:style>
+      </p:cxnSp>
+      <p:cxnSp>
+        <p:nvCxnSpPr>
+          <p:cNvPr id="20" name="Straight Connector 19">
+            <a:extLst>
+              <a:ext uri="{FF2B5EF4-FFF2-40B4-BE49-F238E27FC236}">
+                <a16:creationId xmlns:a16="http://schemas.microsoft.com/office/drawing/2014/main" id="{C6DB0BC3-43C9-0640-8040-C200943ABEA8}"/>
+              </a:ext>
+            </a:extLst>
+          </p:cNvPr>
+          <p:cNvCxnSpPr/>
+          <p:nvPr/>
+        </p:nvCxnSpPr>
+        <p:spPr>
+          <a:xfrm flipV="1">
+            <a:off x="1409422" y="2804564"/>
+            <a:ext cx="2083443" cy="1932972"/>
+          </a:xfrm>
+          <a:prstGeom prst="line">
+            <a:avLst/>
+          </a:prstGeom>
+          <a:ln>
+            <a:solidFill>
+              <a:schemeClr val="tx1"/>
+            </a:solidFill>
+          </a:ln>
+          <a:effectLst/>
+        </p:spPr>
+        <p:style>
+          <a:lnRef idx="2">
+            <a:schemeClr val="accent1"/>
+          </a:lnRef>
+          <a:fillRef idx="0">
+            <a:schemeClr val="accent1"/>
+          </a:fillRef>
+          <a:effectRef idx="1">
+            <a:schemeClr val="accent1"/>
+          </a:effectRef>
+          <a:fontRef idx="minor">
+            <a:schemeClr val="tx1"/>
+          </a:fontRef>
+        </p:style>
+      </p:cxnSp>
+      <p:cxnSp>
+        <p:nvCxnSpPr>
+          <p:cNvPr id="22" name="Straight Connector 21">
+            <a:extLst>
+              <a:ext uri="{FF2B5EF4-FFF2-40B4-BE49-F238E27FC236}">
+                <a16:creationId xmlns:a16="http://schemas.microsoft.com/office/drawing/2014/main" id="{A4EE4C8F-D1C6-2245-8148-0A228B038E15}"/>
+              </a:ext>
+            </a:extLst>
+          </p:cNvPr>
+          <p:cNvCxnSpPr>
+            <a:cxnSpLocks/>
+          </p:cNvCxnSpPr>
+          <p:nvPr/>
+        </p:nvCxnSpPr>
+        <p:spPr>
+          <a:xfrm flipV="1">
+            <a:off x="2717361" y="3897408"/>
+            <a:ext cx="3090440" cy="1442011"/>
+          </a:xfrm>
+          <a:prstGeom prst="line">
+            <a:avLst/>
+          </a:prstGeom>
+          <a:ln>
+            <a:solidFill>
+              <a:schemeClr val="tx1"/>
+            </a:solidFill>
+          </a:ln>
+          <a:effectLst/>
+        </p:spPr>
+        <p:style>
+          <a:lnRef idx="2">
+            <a:schemeClr val="accent1"/>
+          </a:lnRef>
+          <a:fillRef idx="0">
+            <a:schemeClr val="accent1"/>
+          </a:fillRef>
+          <a:effectRef idx="1">
+            <a:schemeClr val="accent1"/>
+          </a:effectRef>
+          <a:fontRef idx="minor">
+            <a:schemeClr val="tx1"/>
+          </a:fontRef>
+        </p:style>
+      </p:cxnSp>
+      <p:cxnSp>
+        <p:nvCxnSpPr>
+          <p:cNvPr id="25" name="Straight Connector 24">
+            <a:extLst>
+              <a:ext uri="{FF2B5EF4-FFF2-40B4-BE49-F238E27FC236}">
+                <a16:creationId xmlns:a16="http://schemas.microsoft.com/office/drawing/2014/main" id="{FD7A50E3-0D63-AD44-8E24-E935E3244695}"/>
+              </a:ext>
+            </a:extLst>
+          </p:cNvPr>
+          <p:cNvCxnSpPr>
+            <a:cxnSpLocks/>
+          </p:cNvCxnSpPr>
+          <p:nvPr/>
+        </p:nvCxnSpPr>
+        <p:spPr>
+          <a:xfrm>
+            <a:off x="1664065" y="3644696"/>
+            <a:ext cx="3738622" cy="1374972"/>
+          </a:xfrm>
+          <a:prstGeom prst="line">
+            <a:avLst/>
+          </a:prstGeom>
+          <a:ln>
+            <a:solidFill>
+              <a:schemeClr val="tx1"/>
+            </a:solidFill>
+          </a:ln>
+          <a:effectLst/>
+        </p:spPr>
+        <p:style>
+          <a:lnRef idx="2">
+            <a:schemeClr val="accent1"/>
+          </a:lnRef>
+          <a:fillRef idx="0">
+            <a:schemeClr val="accent1"/>
+          </a:fillRef>
+          <a:effectRef idx="1">
+            <a:schemeClr val="accent1"/>
+          </a:effectRef>
+          <a:fontRef idx="minor">
+            <a:schemeClr val="tx1"/>
+          </a:fontRef>
+        </p:style>
+      </p:cxnSp>
+      <p:pic>
+        <p:nvPicPr>
+          <p:cNvPr id="27" name="Picture 26">
+            <a:extLst>
+              <a:ext uri="{FF2B5EF4-FFF2-40B4-BE49-F238E27FC236}">
+                <a16:creationId xmlns:a16="http://schemas.microsoft.com/office/drawing/2014/main" id="{235E6D2F-FCE8-A148-8AF3-0AE1863AA358}"/>
+              </a:ext>
+            </a:extLst>
+          </p:cNvPr>
+          <p:cNvPicPr>
+            <a:picLocks noChangeAspect="1"/>
+          </p:cNvPicPr>
+          <p:nvPr/>
+        </p:nvPicPr>
+        <p:blipFill>
+          <a:blip r:embed="rId3"/>
+          <a:stretch>
+            <a:fillRect/>
+          </a:stretch>
+        </p:blipFill>
+        <p:spPr>
+          <a:xfrm>
+            <a:off x="2980525" y="2398164"/>
+            <a:ext cx="342900" cy="406400"/>
+          </a:xfrm>
+          <a:prstGeom prst="rect">
+            <a:avLst/>
+          </a:prstGeom>
+        </p:spPr>
+      </p:pic>
+      <p:pic>
+        <p:nvPicPr>
+          <p:cNvPr id="28" name="Picture 27">
+            <a:extLst>
+              <a:ext uri="{FF2B5EF4-FFF2-40B4-BE49-F238E27FC236}">
+                <a16:creationId xmlns:a16="http://schemas.microsoft.com/office/drawing/2014/main" id="{52B5C18A-8025-FD46-A3B6-591418D3726E}"/>
+              </a:ext>
+            </a:extLst>
+          </p:cNvPr>
+          <p:cNvPicPr>
+            <a:picLocks noChangeAspect="1"/>
+          </p:cNvPicPr>
+          <p:nvPr/>
+        </p:nvPicPr>
+        <p:blipFill>
+          <a:blip r:embed="rId4"/>
+          <a:stretch>
+            <a:fillRect/>
+          </a:stretch>
+        </p:blipFill>
+        <p:spPr>
+          <a:xfrm>
+            <a:off x="5071726" y="3541573"/>
+            <a:ext cx="355600" cy="406400"/>
+          </a:xfrm>
+          <a:prstGeom prst="rect">
+            <a:avLst/>
+          </a:prstGeom>
+        </p:spPr>
+      </p:pic>
+      <p:pic>
+        <p:nvPicPr>
+          <p:cNvPr id="29" name="Picture 28">
+            <a:extLst>
+              <a:ext uri="{FF2B5EF4-FFF2-40B4-BE49-F238E27FC236}">
+                <a16:creationId xmlns:a16="http://schemas.microsoft.com/office/drawing/2014/main" id="{B7E32867-DC95-AD4E-A284-DBE5AFFEA162}"/>
+              </a:ext>
+            </a:extLst>
+          </p:cNvPr>
+          <p:cNvPicPr>
+            <a:picLocks noChangeAspect="1"/>
+          </p:cNvPicPr>
+          <p:nvPr/>
+        </p:nvPicPr>
+        <p:blipFill>
+          <a:blip r:embed="rId5"/>
+          <a:stretch>
+            <a:fillRect/>
+          </a:stretch>
+        </p:blipFill>
+        <p:spPr>
+          <a:xfrm>
+            <a:off x="1198506" y="3251319"/>
+            <a:ext cx="355600" cy="406400"/>
+          </a:xfrm>
+          <a:prstGeom prst="rect">
+            <a:avLst/>
+          </a:prstGeom>
+        </p:spPr>
+      </p:pic>
+      <p:sp>
+        <p:nvSpPr>
+          <p:cNvPr id="30" name="Oval 29">
+            <a:extLst>
+              <a:ext uri="{FF2B5EF4-FFF2-40B4-BE49-F238E27FC236}">
+                <a16:creationId xmlns:a16="http://schemas.microsoft.com/office/drawing/2014/main" id="{9E9D4E5A-D770-DB4E-8CE8-6FB0F0A4B08A}"/>
+              </a:ext>
+            </a:extLst>
+          </p:cNvPr>
+          <p:cNvSpPr/>
+          <p:nvPr/>
+        </p:nvSpPr>
+        <p:spPr>
+          <a:xfrm>
+            <a:off x="2261931" y="3833010"/>
+            <a:ext cx="108000" cy="108000"/>
+          </a:xfrm>
+          <a:prstGeom prst="ellipse">
+            <a:avLst/>
+          </a:prstGeom>
+          <a:solidFill>
+            <a:srgbClr val="FF0000"/>
+          </a:solidFill>
+        </p:spPr>
+        <p:style>
+          <a:lnRef idx="1">
+            <a:schemeClr val="accent1"/>
+          </a:lnRef>
+          <a:fillRef idx="3">
+            <a:schemeClr val="accent1"/>
+          </a:fillRef>
+          <a:effectRef idx="2">
+            <a:schemeClr val="accent1"/>
+          </a:effectRef>
+          <a:fontRef idx="minor">
+            <a:schemeClr val="lt1"/>
+          </a:fontRef>
+        </p:style>
+        <p:txBody>
+          <a:bodyPr rtlCol="0" anchor="ctr"/>
+          <a:lstStyle/>
+          <a:p>
+            <a:pPr algn="ctr"/>
+            <a:endParaRPr lang="es-ES_tradnl" dirty="0"/>
+          </a:p>
+        </p:txBody>
+      </p:sp>
+      <p:sp>
+        <p:nvSpPr>
+          <p:cNvPr id="32" name="Oval 31">
+            <a:extLst>
+              <a:ext uri="{FF2B5EF4-FFF2-40B4-BE49-F238E27FC236}">
+                <a16:creationId xmlns:a16="http://schemas.microsoft.com/office/drawing/2014/main" id="{C436931C-D3D2-EA43-B8CA-32F5E83A2D89}"/>
+              </a:ext>
+            </a:extLst>
+          </p:cNvPr>
+          <p:cNvSpPr/>
+          <p:nvPr/>
+        </p:nvSpPr>
+        <p:spPr>
+          <a:xfrm>
+            <a:off x="4230197" y="4550495"/>
+            <a:ext cx="108000" cy="108000"/>
+          </a:xfrm>
+          <a:prstGeom prst="ellipse">
+            <a:avLst/>
+          </a:prstGeom>
+          <a:solidFill>
+            <a:schemeClr val="accent6">
+              <a:lumMod val="75000"/>
+            </a:schemeClr>
+          </a:solidFill>
+        </p:spPr>
+        <p:style>
+          <a:lnRef idx="1">
+            <a:schemeClr val="accent1"/>
+          </a:lnRef>
+          <a:fillRef idx="3">
+            <a:schemeClr val="accent1"/>
+          </a:fillRef>
+          <a:effectRef idx="2">
+            <a:schemeClr val="accent1"/>
+          </a:effectRef>
+          <a:fontRef idx="minor">
+            <a:schemeClr val="lt1"/>
+          </a:fontRef>
+        </p:style>
+        <p:txBody>
+          <a:bodyPr rtlCol="0" anchor="ctr"/>
+          <a:lstStyle/>
+          <a:p>
+            <a:pPr algn="ctr"/>
+            <a:endParaRPr lang="es-ES_tradnl" dirty="0"/>
+          </a:p>
+        </p:txBody>
+      </p:sp>
+      <p:sp>
+        <p:nvSpPr>
+          <p:cNvPr id="33" name="TextBox 32">
+            <a:extLst>
+              <a:ext uri="{FF2B5EF4-FFF2-40B4-BE49-F238E27FC236}">
+                <a16:creationId xmlns:a16="http://schemas.microsoft.com/office/drawing/2014/main" id="{D977A1EE-9C5B-1048-A4D5-9CA0423FD4C9}"/>
+              </a:ext>
+            </a:extLst>
+          </p:cNvPr>
+          <p:cNvSpPr txBox="1"/>
+          <p:nvPr/>
+        </p:nvSpPr>
+        <p:spPr>
+          <a:xfrm>
+            <a:off x="324805" y="1048152"/>
+            <a:ext cx="6981398" cy="369332"/>
+          </a:xfrm>
+          <a:prstGeom prst="rect">
+            <a:avLst/>
+          </a:prstGeom>
+          <a:noFill/>
+        </p:spPr>
+        <p:txBody>
+          <a:bodyPr wrap="none" rtlCol="0">
+            <a:spAutoFit/>
+          </a:bodyPr>
+          <a:lstStyle/>
+          <a:p>
+            <a:r>
+              <a:rPr lang="es-ES_tradnl" dirty="0">
+                <a:latin typeface="Trebuchet MS" panose="020B0703020202090204" pitchFamily="34" charset="0"/>
+              </a:rPr>
+              <a:t>Encuentre la distancia entre los puntos que intersectan las rectas</a:t>
+            </a:r>
+          </a:p>
+        </p:txBody>
+      </p:sp>
+      <p:grpSp>
+        <p:nvGrpSpPr>
+          <p:cNvPr id="41" name="Group 40">
+            <a:extLst>
+              <a:ext uri="{FF2B5EF4-FFF2-40B4-BE49-F238E27FC236}">
+                <a16:creationId xmlns:a16="http://schemas.microsoft.com/office/drawing/2014/main" id="{57E997D6-CC1E-8849-A061-6CB38B1A4242}"/>
+              </a:ext>
+            </a:extLst>
+          </p:cNvPr>
+          <p:cNvGrpSpPr/>
+          <p:nvPr/>
+        </p:nvGrpSpPr>
+        <p:grpSpPr>
+          <a:xfrm>
+            <a:off x="1981563" y="2114317"/>
+            <a:ext cx="7163606" cy="2039118"/>
+            <a:chOff x="1981563" y="2114317"/>
+            <a:chExt cx="7163606" cy="2039118"/>
+          </a:xfrm>
+        </p:grpSpPr>
+        <p:pic>
+          <p:nvPicPr>
+            <p:cNvPr id="31" name="Picture 30">
+              <a:extLst>
+                <a:ext uri="{FF2B5EF4-FFF2-40B4-BE49-F238E27FC236}">
+                  <a16:creationId xmlns:a16="http://schemas.microsoft.com/office/drawing/2014/main" id="{F46862D4-DC23-DE4B-8D0E-18A4515D57F4}"/>
+                </a:ext>
+              </a:extLst>
+            </p:cNvPr>
+            <p:cNvPicPr>
+              <a:picLocks noChangeAspect="1"/>
+            </p:cNvPicPr>
+            <p:nvPr/>
+          </p:nvPicPr>
+          <p:blipFill>
+            <a:blip r:embed="rId6"/>
+            <a:stretch>
+              <a:fillRect/>
+            </a:stretch>
+          </p:blipFill>
+          <p:spPr>
+            <a:xfrm>
+              <a:off x="5934729" y="2114317"/>
+              <a:ext cx="2540000" cy="406400"/>
+            </a:xfrm>
+            <a:prstGeom prst="rect">
+              <a:avLst/>
+            </a:prstGeom>
+          </p:spPr>
+        </p:pic>
+        <p:pic>
+          <p:nvPicPr>
+            <p:cNvPr id="36" name="Picture 35">
+              <a:extLst>
+                <a:ext uri="{FF2B5EF4-FFF2-40B4-BE49-F238E27FC236}">
+                  <a16:creationId xmlns:a16="http://schemas.microsoft.com/office/drawing/2014/main" id="{EB916FC4-BBE5-5642-B5E2-08E78222DDF9}"/>
+                </a:ext>
+              </a:extLst>
+            </p:cNvPr>
+            <p:cNvPicPr>
+              <a:picLocks noChangeAspect="1"/>
+            </p:cNvPicPr>
+            <p:nvPr/>
+          </p:nvPicPr>
+          <p:blipFill>
+            <a:blip r:embed="rId7"/>
+            <a:stretch>
+              <a:fillRect/>
+            </a:stretch>
+          </p:blipFill>
+          <p:spPr>
+            <a:xfrm>
+              <a:off x="1981563" y="3324945"/>
+              <a:ext cx="571500" cy="292100"/>
+            </a:xfrm>
+            <a:prstGeom prst="rect">
+              <a:avLst/>
+            </a:prstGeom>
+          </p:spPr>
+        </p:pic>
+        <p:pic>
+          <p:nvPicPr>
+            <p:cNvPr id="37" name="Picture 36">
+              <a:extLst>
+                <a:ext uri="{FF2B5EF4-FFF2-40B4-BE49-F238E27FC236}">
+                  <a16:creationId xmlns:a16="http://schemas.microsoft.com/office/drawing/2014/main" id="{3BB03D5A-6718-E741-B5F1-2D35C2635949}"/>
+                </a:ext>
+              </a:extLst>
+            </p:cNvPr>
+            <p:cNvPicPr>
+              <a:picLocks noChangeAspect="1"/>
+            </p:cNvPicPr>
+            <p:nvPr/>
+          </p:nvPicPr>
+          <p:blipFill>
+            <a:blip r:embed="rId8"/>
+            <a:stretch>
+              <a:fillRect/>
+            </a:stretch>
+          </p:blipFill>
+          <p:spPr>
+            <a:xfrm>
+              <a:off x="5944769" y="2804564"/>
+              <a:ext cx="3200400" cy="469900"/>
+            </a:xfrm>
+            <a:prstGeom prst="rect">
+              <a:avLst/>
+            </a:prstGeom>
+          </p:spPr>
+        </p:pic>
+        <p:pic>
+          <p:nvPicPr>
+            <p:cNvPr id="38" name="Picture 37">
+              <a:extLst>
+                <a:ext uri="{FF2B5EF4-FFF2-40B4-BE49-F238E27FC236}">
+                  <a16:creationId xmlns:a16="http://schemas.microsoft.com/office/drawing/2014/main" id="{DB80070C-068C-A745-8376-379486F7A705}"/>
+                </a:ext>
+              </a:extLst>
+            </p:cNvPr>
+            <p:cNvPicPr>
+              <a:picLocks noChangeAspect="1"/>
+            </p:cNvPicPr>
+            <p:nvPr/>
+          </p:nvPicPr>
+          <p:blipFill>
+            <a:blip r:embed="rId9"/>
+            <a:stretch>
+              <a:fillRect/>
+            </a:stretch>
+          </p:blipFill>
+          <p:spPr>
+            <a:xfrm>
+              <a:off x="6053403" y="3336111"/>
+              <a:ext cx="2666518" cy="817324"/>
+            </a:xfrm>
+            <a:prstGeom prst="rect">
+              <a:avLst/>
+            </a:prstGeom>
+          </p:spPr>
+        </p:pic>
+      </p:grpSp>
+      <p:grpSp>
+        <p:nvGrpSpPr>
+          <p:cNvPr id="42" name="Group 41">
+            <a:extLst>
+              <a:ext uri="{FF2B5EF4-FFF2-40B4-BE49-F238E27FC236}">
+                <a16:creationId xmlns:a16="http://schemas.microsoft.com/office/drawing/2014/main" id="{0FB685AC-8BFD-4847-B869-788A1C8F0E0C}"/>
+              </a:ext>
+            </a:extLst>
+          </p:cNvPr>
+          <p:cNvGrpSpPr/>
+          <p:nvPr/>
+        </p:nvGrpSpPr>
+        <p:grpSpPr>
+          <a:xfrm>
+            <a:off x="4107656" y="4365966"/>
+            <a:ext cx="5037513" cy="2275674"/>
+            <a:chOff x="4107656" y="4365966"/>
+            <a:chExt cx="5037513" cy="2275674"/>
+          </a:xfrm>
+        </p:grpSpPr>
+        <p:pic>
+          <p:nvPicPr>
+            <p:cNvPr id="34" name="Picture 33">
+              <a:extLst>
+                <a:ext uri="{FF2B5EF4-FFF2-40B4-BE49-F238E27FC236}">
+                  <a16:creationId xmlns:a16="http://schemas.microsoft.com/office/drawing/2014/main" id="{E4481034-7415-BE40-BB76-3717B533889F}"/>
+                </a:ext>
+              </a:extLst>
+            </p:cNvPr>
+            <p:cNvPicPr>
+              <a:picLocks noChangeAspect="1"/>
+            </p:cNvPicPr>
+            <p:nvPr/>
+          </p:nvPicPr>
+          <p:blipFill>
+            <a:blip r:embed="rId10"/>
+            <a:stretch>
+              <a:fillRect/>
+            </a:stretch>
+          </p:blipFill>
+          <p:spPr>
+            <a:xfrm>
+              <a:off x="5996752" y="4365966"/>
+              <a:ext cx="2540000" cy="406400"/>
+            </a:xfrm>
+            <a:prstGeom prst="rect">
+              <a:avLst/>
+            </a:prstGeom>
+          </p:spPr>
+        </p:pic>
+        <p:pic>
+          <p:nvPicPr>
+            <p:cNvPr id="35" name="Picture 34">
+              <a:extLst>
+                <a:ext uri="{FF2B5EF4-FFF2-40B4-BE49-F238E27FC236}">
+                  <a16:creationId xmlns:a16="http://schemas.microsoft.com/office/drawing/2014/main" id="{522CB46D-FFF3-2A45-99AB-81B5EB2E8BF4}"/>
+                </a:ext>
+              </a:extLst>
+            </p:cNvPr>
+            <p:cNvPicPr>
+              <a:picLocks noChangeAspect="1"/>
+            </p:cNvPicPr>
+            <p:nvPr/>
+          </p:nvPicPr>
+          <p:blipFill>
+            <a:blip r:embed="rId11"/>
+            <a:stretch>
+              <a:fillRect/>
+            </a:stretch>
+          </p:blipFill>
+          <p:spPr>
+            <a:xfrm>
+              <a:off x="4107656" y="4896718"/>
+              <a:ext cx="584200" cy="292100"/>
+            </a:xfrm>
+            <a:prstGeom prst="rect">
+              <a:avLst/>
+            </a:prstGeom>
+          </p:spPr>
+        </p:pic>
+        <p:pic>
+          <p:nvPicPr>
+            <p:cNvPr id="39" name="Picture 38">
+              <a:extLst>
+                <a:ext uri="{FF2B5EF4-FFF2-40B4-BE49-F238E27FC236}">
+                  <a16:creationId xmlns:a16="http://schemas.microsoft.com/office/drawing/2014/main" id="{CAD66547-5BB1-4F49-8678-98A7C465FD40}"/>
+                </a:ext>
+              </a:extLst>
+            </p:cNvPr>
+            <p:cNvPicPr>
+              <a:picLocks noChangeAspect="1"/>
+            </p:cNvPicPr>
+            <p:nvPr/>
+          </p:nvPicPr>
+          <p:blipFill>
+            <a:blip r:embed="rId12"/>
+            <a:stretch>
+              <a:fillRect/>
+            </a:stretch>
+          </p:blipFill>
+          <p:spPr>
+            <a:xfrm>
+              <a:off x="6053403" y="5863100"/>
+              <a:ext cx="2539988" cy="778540"/>
+            </a:xfrm>
+            <a:prstGeom prst="rect">
+              <a:avLst/>
+            </a:prstGeom>
+          </p:spPr>
+        </p:pic>
+        <p:pic>
+          <p:nvPicPr>
+            <p:cNvPr id="40" name="Picture 39">
+              <a:extLst>
+                <a:ext uri="{FF2B5EF4-FFF2-40B4-BE49-F238E27FC236}">
+                  <a16:creationId xmlns:a16="http://schemas.microsoft.com/office/drawing/2014/main" id="{81E76568-39F6-4047-940D-A405C29E2176}"/>
+                </a:ext>
+              </a:extLst>
+            </p:cNvPr>
+            <p:cNvPicPr>
+              <a:picLocks noChangeAspect="1"/>
+            </p:cNvPicPr>
+            <p:nvPr/>
+          </p:nvPicPr>
+          <p:blipFill>
+            <a:blip r:embed="rId13"/>
+            <a:stretch>
+              <a:fillRect/>
+            </a:stretch>
+          </p:blipFill>
+          <p:spPr>
+            <a:xfrm>
+              <a:off x="5944769" y="5186099"/>
+              <a:ext cx="3200400" cy="469900"/>
+            </a:xfrm>
+            <a:prstGeom prst="rect">
+              <a:avLst/>
+            </a:prstGeom>
+          </p:spPr>
+        </p:pic>
+      </p:grpSp>
+      <p:grpSp>
+        <p:nvGrpSpPr>
+          <p:cNvPr id="45" name="Group 44">
+            <a:extLst>
+              <a:ext uri="{FF2B5EF4-FFF2-40B4-BE49-F238E27FC236}">
+                <a16:creationId xmlns:a16="http://schemas.microsoft.com/office/drawing/2014/main" id="{3A10F687-5CAB-7343-9B26-DA63AA4EE959}"/>
+              </a:ext>
+            </a:extLst>
+          </p:cNvPr>
+          <p:cNvGrpSpPr/>
+          <p:nvPr/>
+        </p:nvGrpSpPr>
+        <p:grpSpPr>
+          <a:xfrm>
+            <a:off x="1104162" y="3782873"/>
+            <a:ext cx="3967564" cy="2806839"/>
+            <a:chOff x="1104162" y="3782873"/>
+            <a:chExt cx="3967564" cy="2806839"/>
+          </a:xfrm>
+        </p:grpSpPr>
+        <p:pic>
+          <p:nvPicPr>
+            <p:cNvPr id="43" name="Picture 42">
+              <a:extLst>
+                <a:ext uri="{FF2B5EF4-FFF2-40B4-BE49-F238E27FC236}">
+                  <a16:creationId xmlns:a16="http://schemas.microsoft.com/office/drawing/2014/main" id="{0CA065F0-4E0F-114D-BC9A-365FB6F718E6}"/>
+                </a:ext>
+              </a:extLst>
+            </p:cNvPr>
+            <p:cNvPicPr>
+              <a:picLocks noChangeAspect="1"/>
+            </p:cNvPicPr>
+            <p:nvPr/>
+          </p:nvPicPr>
+          <p:blipFill>
+            <a:blip r:embed="rId14"/>
+            <a:stretch>
+              <a:fillRect/>
+            </a:stretch>
+          </p:blipFill>
+          <p:spPr>
+            <a:xfrm>
+              <a:off x="1104162" y="6203261"/>
+              <a:ext cx="3967564" cy="386451"/>
+            </a:xfrm>
+            <a:prstGeom prst="rect">
+              <a:avLst/>
+            </a:prstGeom>
+          </p:spPr>
+        </p:pic>
+        <p:pic>
+          <p:nvPicPr>
+            <p:cNvPr id="44" name="Picture 43">
+              <a:extLst>
+                <a:ext uri="{FF2B5EF4-FFF2-40B4-BE49-F238E27FC236}">
+                  <a16:creationId xmlns:a16="http://schemas.microsoft.com/office/drawing/2014/main" id="{2FF59A73-DDBD-2746-B2F4-D508B0C972BC}"/>
+                </a:ext>
+              </a:extLst>
+            </p:cNvPr>
+            <p:cNvPicPr>
+              <a:picLocks noChangeAspect="1"/>
+            </p:cNvPicPr>
+            <p:nvPr/>
+          </p:nvPicPr>
+          <p:blipFill>
+            <a:blip r:embed="rId15"/>
+            <a:stretch>
+              <a:fillRect/>
+            </a:stretch>
+          </p:blipFill>
+          <p:spPr>
+            <a:xfrm>
+              <a:off x="3437980" y="3782873"/>
+              <a:ext cx="228600" cy="330200"/>
+            </a:xfrm>
+            <a:prstGeom prst="rect">
+              <a:avLst/>
+            </a:prstGeom>
+          </p:spPr>
+        </p:pic>
+      </p:grpSp>
+      <p:pic>
+        <p:nvPicPr>
+          <p:cNvPr id="46" name="Picture 45">
+            <a:extLst>
+              <a:ext uri="{FF2B5EF4-FFF2-40B4-BE49-F238E27FC236}">
+                <a16:creationId xmlns:a16="http://schemas.microsoft.com/office/drawing/2014/main" id="{895961C3-F927-8E48-B84B-D943B23D80A2}"/>
+              </a:ext>
+            </a:extLst>
+          </p:cNvPr>
+          <p:cNvPicPr>
+            <a:picLocks noChangeAspect="1"/>
+          </p:cNvPicPr>
+          <p:nvPr/>
+        </p:nvPicPr>
+        <p:blipFill>
+          <a:blip r:embed="rId16"/>
+          <a:stretch>
+            <a:fillRect/>
+          </a:stretch>
+        </p:blipFill>
+        <p:spPr>
+          <a:xfrm>
+            <a:off x="5282037" y="5809848"/>
+            <a:ext cx="241300" cy="215900"/>
+          </a:xfrm>
+          <a:prstGeom prst="rect">
+            <a:avLst/>
+          </a:prstGeom>
+        </p:spPr>
+      </p:pic>
+      <p:pic>
+        <p:nvPicPr>
+          <p:cNvPr id="47" name="Picture 46">
+            <a:extLst>
+              <a:ext uri="{FF2B5EF4-FFF2-40B4-BE49-F238E27FC236}">
+                <a16:creationId xmlns:a16="http://schemas.microsoft.com/office/drawing/2014/main" id="{A24F7973-D41A-1648-81A3-926C1F83D0F6}"/>
+              </a:ext>
+            </a:extLst>
+          </p:cNvPr>
+          <p:cNvPicPr>
+            <a:picLocks noChangeAspect="1"/>
+          </p:cNvPicPr>
+          <p:nvPr/>
+        </p:nvPicPr>
+        <p:blipFill>
+          <a:blip r:embed="rId17"/>
+          <a:stretch>
+            <a:fillRect/>
+          </a:stretch>
+        </p:blipFill>
+        <p:spPr>
+          <a:xfrm>
+            <a:off x="888262" y="1691802"/>
+            <a:ext cx="215900" cy="304800"/>
+          </a:xfrm>
+          <a:prstGeom prst="rect">
+            <a:avLst/>
+          </a:prstGeom>
+        </p:spPr>
+      </p:pic>
+    </p:spTree>
+    <p:extLst>
+      <p:ext uri="{BB962C8B-B14F-4D97-AF65-F5344CB8AC3E}">
+        <p14:creationId xmlns:p14="http://schemas.microsoft.com/office/powerpoint/2010/main" val="89207075"/>
+      </p:ext>
+    </p:extLst>
+  </p:cSld>
+  <p:clrMapOvr>
+    <a:masterClrMapping/>
+  </p:clrMapOvr>
+  <p:timing>
+    <p:tnLst>
+      <p:par>
+        <p:cTn id="1" dur="indefinite" restart="never" nodeType="tmRoot">
+          <p:childTnLst>
+            <p:seq concurrent="1" nextAc="seek">
+              <p:cTn id="2" dur="indefinite" nodeType="mainSeq">
+                <p:childTnLst>
+                  <p:par>
+                    <p:cTn id="3" fill="hold">
+                      <p:stCondLst>
+                        <p:cond delay="indefinite"/>
+                      </p:stCondLst>
+                      <p:childTnLst>
+                        <p:par>
+                          <p:cTn id="4" fill="hold">
+                            <p:stCondLst>
+                              <p:cond delay="0"/>
+                            </p:stCondLst>
+                            <p:childTnLst>
+                              <p:par>
+                                <p:cTn id="5" presetID="1" presetClass="entr" presetSubtype="0" fill="hold" nodeType="clickEffect">
+                                  <p:stCondLst>
+                                    <p:cond delay="0"/>
+                                  </p:stCondLst>
+                                  <p:childTnLst>
+                                    <p:set>
+                                      <p:cBhvr>
+                                        <p:cTn id="6" dur="1" fill="hold">
+                                          <p:stCondLst>
+                                            <p:cond delay="0"/>
+                                          </p:stCondLst>
+                                        </p:cTn>
+                                        <p:tgtEl>
+                                          <p:spTgt spid="41"/>
+                                        </p:tgtEl>
+                                        <p:attrNameLst>
+                                          <p:attrName>style.visibility</p:attrName>
+                                        </p:attrNameLst>
+                                      </p:cBhvr>
+                                      <p:to>
+                                        <p:strVal val="visible"/>
+                                      </p:to>
+                                    </p:set>
+                                  </p:childTnLst>
+                                </p:cTn>
+                              </p:par>
+                            </p:childTnLst>
+                          </p:cTn>
+                        </p:par>
+                      </p:childTnLst>
+                    </p:cTn>
+                  </p:par>
+                  <p:par>
+                    <p:cTn id="7" fill="hold">
+                      <p:stCondLst>
+                        <p:cond delay="indefinite"/>
+                      </p:stCondLst>
+                      <p:childTnLst>
+                        <p:par>
+                          <p:cTn id="8" fill="hold">
+                            <p:stCondLst>
+                              <p:cond delay="0"/>
+                            </p:stCondLst>
+                            <p:childTnLst>
+                              <p:par>
+                                <p:cTn id="9" presetID="1" presetClass="entr" presetSubtype="0" fill="hold" nodeType="clickEffect">
+                                  <p:stCondLst>
+                                    <p:cond delay="0"/>
+                                  </p:stCondLst>
+                                  <p:childTnLst>
+                                    <p:set>
+                                      <p:cBhvr>
+                                        <p:cTn id="10" dur="1" fill="hold">
+                                          <p:stCondLst>
+                                            <p:cond delay="0"/>
+                                          </p:stCondLst>
+                                        </p:cTn>
+                                        <p:tgtEl>
+                                          <p:spTgt spid="42"/>
+                                        </p:tgtEl>
+                                        <p:attrNameLst>
+                                          <p:attrName>style.visibility</p:attrName>
+                                        </p:attrNameLst>
+                                      </p:cBhvr>
+                                      <p:to>
+                                        <p:strVal val="visible"/>
+                                      </p:to>
+                                    </p:set>
+                                  </p:childTnLst>
+                                </p:cTn>
+                              </p:par>
+                            </p:childTnLst>
+                          </p:cTn>
+                        </p:par>
+                      </p:childTnLst>
+                    </p:cTn>
+                  </p:par>
+                  <p:par>
+                    <p:cTn id="11" fill="hold">
+                      <p:stCondLst>
+                        <p:cond delay="indefinite"/>
+                      </p:stCondLst>
+                      <p:childTnLst>
+                        <p:par>
+                          <p:cTn id="12" fill="hold">
+                            <p:stCondLst>
+                              <p:cond delay="0"/>
+                            </p:stCondLst>
+                            <p:childTnLst>
+                              <p:par>
+                                <p:cTn id="13" presetID="1" presetClass="entr" presetSubtype="0" fill="hold" nodeType="clickEffect">
+                                  <p:stCondLst>
+                                    <p:cond delay="0"/>
+                                  </p:stCondLst>
+                                  <p:childTnLst>
+                                    <p:set>
+                                      <p:cBhvr>
+                                        <p:cTn id="14" dur="1" fill="hold">
+                                          <p:stCondLst>
+                                            <p:cond delay="0"/>
+                                          </p:stCondLst>
+                                        </p:cTn>
+                                        <p:tgtEl>
+                                          <p:spTgt spid="45"/>
+                                        </p:tgtEl>
+                                        <p:attrNameLst>
+                                          <p:attrName>style.visibility</p:attrName>
+                                        </p:attrNameLst>
+                                      </p:cBhvr>
+                                      <p:to>
+                                        <p:strVal val="visible"/>
+                                      </p:to>
+                                    </p:set>
+                                  </p:childTnLst>
+                                </p:cTn>
+                              </p:par>
+                            </p:childTnLst>
+                          </p:cTn>
+                        </p:par>
+                      </p:childTnLst>
+                    </p:cTn>
+                  </p:par>
+                </p:childTnLst>
+              </p:cTn>
+              <p:prevCondLst>
+                <p:cond evt="onPrev" delay="0">
+                  <p:tgtEl>
+                    <p:sldTgt/>
+                  </p:tgtEl>
+                </p:cond>
+              </p:prevCondLst>
+              <p:nextCondLst>
+                <p:cond evt="onNext" delay="0">
+                  <p:tgtEl>
+                    <p:sldTgt/>
+                  </p:tgtEl>
+                </p:cond>
+              </p:nextCondLst>
+            </p:seq>
+          </p:childTnLst>
+        </p:cTn>
+      </p:par>
+    </p:tnLst>
   </p:timing>
 </p:sld>
 </file>
@@ -15947,7 +18598,7 @@
         <p:spPr>
           <a:xfrm>
             <a:off x="6462134" y="3583001"/>
-            <a:ext cx="2064740" cy="461665"/>
+            <a:ext cx="1957587" cy="461665"/>
           </a:xfrm>
           <a:prstGeom prst="rect">
             <a:avLst/>
@@ -15962,8 +18613,9 @@
           <a:p>
             <a:r>
               <a:rPr lang="en-US" sz="2400" dirty="0">
-                <a:latin typeface="Xingkai SC Light"/>
-                <a:cs typeface="Xingkai SC Light"/>
+                <a:latin typeface="Brush Script MT" panose="03060802040406070304" pitchFamily="66" charset="-122"/>
+                <a:ea typeface="Brush Script MT" panose="03060802040406070304" pitchFamily="66" charset="-122"/>
+                <a:cs typeface="Brush Script MT" panose="03060802040406070304" pitchFamily="66" charset="-122"/>
               </a:rPr>
               <a:t>l</a:t>
             </a:r>
@@ -16053,9 +18705,10 @@
           <a:lstStyle/>
           <a:p>
             <a:r>
-              <a:rPr lang="en-US" sz="2400" b="1" dirty="0">
-                <a:latin typeface="Xingkai SC Light"/>
-                <a:cs typeface="Xingkai SC Light"/>
+              <a:rPr lang="en-US" sz="2400" dirty="0">
+                <a:latin typeface="Brush Script MT" panose="03060802040406070304" pitchFamily="66" charset="-122"/>
+                <a:ea typeface="Brush Script MT" panose="03060802040406070304" pitchFamily="66" charset="-122"/>
+                <a:cs typeface="Brush Script MT" panose="03060802040406070304" pitchFamily="66" charset="-122"/>
               </a:rPr>
               <a:t>l</a:t>
             </a:r>
@@ -16195,9 +18848,9 @@
         <p:grpSpPr>
           <a:xfrm>
             <a:off x="3683000" y="5728311"/>
-            <a:ext cx="4040741" cy="830996"/>
+            <a:ext cx="3945361" cy="830996"/>
             <a:chOff x="3683000" y="5728311"/>
-            <a:chExt cx="4040741" cy="830996"/>
+            <a:chExt cx="3945361" cy="830996"/>
           </a:xfrm>
         </p:grpSpPr>
         <p:sp>
@@ -16252,7 +18905,7 @@
           <p:spPr>
             <a:xfrm>
               <a:off x="6682268" y="5728311"/>
-              <a:ext cx="1041473" cy="461665"/>
+              <a:ext cx="946093" cy="461665"/>
             </a:xfrm>
             <a:prstGeom prst="rect">
               <a:avLst/>
@@ -16266,11 +18919,19 @@
             <a:lstStyle/>
             <a:p>
               <a:r>
+                <a:rPr lang="en-US" sz="2400" dirty="0">
+                  <a:latin typeface="Brush Script MT" panose="03060802040406070304" pitchFamily="66" charset="-122"/>
+                  <a:ea typeface="Brush Script MT" panose="03060802040406070304" pitchFamily="66" charset="-122"/>
+                  <a:cs typeface="Brush Script MT" panose="03060802040406070304" pitchFamily="66" charset="-122"/>
+                </a:rPr>
+                <a:t>l</a:t>
+              </a:r>
+              <a:r>
                 <a:rPr lang="en-US" sz="2400" b="1" dirty="0">
                   <a:latin typeface="Xingkai SC Light"/>
                   <a:cs typeface="Xingkai SC Light"/>
                 </a:rPr>
-                <a:t>l  </a:t>
+                <a:t>  </a:t>
               </a:r>
               <a:r>
                 <a:rPr lang="en-US" b="1" dirty="0">
@@ -16301,7 +18962,7 @@
           </p:nvSpPr>
           <p:spPr>
             <a:xfrm>
-              <a:off x="6797529" y="5843222"/>
+              <a:off x="6774379" y="5808497"/>
               <a:ext cx="290276" cy="369332"/>
             </a:xfrm>
             <a:prstGeom prst="rect">
@@ -16351,14 +19012,15 @@
           <a:lstStyle/>
           <a:p>
             <a:r>
-              <a:rPr lang="en-US" sz="2400" b="1" dirty="0" err="1">
-                <a:latin typeface="Xingkai SC Light"/>
-                <a:cs typeface="Xingkai SC Light"/>
-              </a:rPr>
-              <a:t>l</a:t>
-            </a:r>
-            <a:r>
-              <a:rPr lang="en-US" sz="2400" baseline="30000" dirty="0" err="1">
+              <a:rPr lang="en-US" sz="2400" dirty="0">
+                <a:latin typeface="Brush Script MT" panose="03060802040406070304" pitchFamily="66" charset="-122"/>
+                <a:ea typeface="Brush Script MT" panose="03060802040406070304" pitchFamily="66" charset="-122"/>
+                <a:cs typeface="Brush Script MT" panose="03060802040406070304" pitchFamily="66" charset="-122"/>
+              </a:rPr>
+              <a:t>l </a:t>
+            </a:r>
+            <a:r>
+              <a:rPr lang="en-US" sz="2400" baseline="30000" dirty="0">
                 <a:cs typeface="Times"/>
               </a:rPr>
               <a:t>T</a:t>
@@ -17509,9 +20171,10 @@
           <a:lstStyle/>
           <a:p>
             <a:r>
-              <a:rPr lang="en-US" sz="2400" b="1" dirty="0">
-                <a:latin typeface="Xingkai SC Light"/>
-                <a:cs typeface="Xingkai SC Light"/>
+              <a:rPr lang="en-US" sz="2400" dirty="0">
+                <a:latin typeface="Brush Script MT" panose="03060802040406070304" pitchFamily="66" charset="-122"/>
+                <a:ea typeface="Brush Script MT" panose="03060802040406070304" pitchFamily="66" charset="-122"/>
+                <a:cs typeface="Brush Script MT" panose="03060802040406070304" pitchFamily="66" charset="-122"/>
               </a:rPr>
               <a:t>l</a:t>
             </a:r>
@@ -17694,7 +20357,7 @@
         <p:spPr>
           <a:xfrm>
             <a:off x="4331381" y="3136915"/>
-            <a:ext cx="633507" cy="461665"/>
+            <a:ext cx="643125" cy="461665"/>
           </a:xfrm>
           <a:prstGeom prst="rect">
             <a:avLst/>
@@ -17708,11 +20371,19 @@
           <a:lstStyle/>
           <a:p>
             <a:r>
+              <a:rPr lang="en-US" sz="2400" dirty="0">
+                <a:latin typeface="Brush Script MT" panose="03060802040406070304" pitchFamily="66" charset="-122"/>
+                <a:ea typeface="Brush Script MT" panose="03060802040406070304" pitchFamily="66" charset="-122"/>
+                <a:cs typeface="Brush Script MT" panose="03060802040406070304" pitchFamily="66" charset="-122"/>
+              </a:rPr>
+              <a:t>l</a:t>
+            </a:r>
+            <a:r>
               <a:rPr lang="en-US" sz="2400" b="1" dirty="0">
                 <a:latin typeface="Xingkai SC Light"/>
                 <a:cs typeface="Xingkai SC Light"/>
               </a:rPr>
-              <a:t>l  </a:t>
+              <a:t>  </a:t>
             </a:r>
             <a:r>
               <a:rPr lang="en-US" b="1" dirty="0">
@@ -17743,7 +20414,7 @@
         </p:nvSpPr>
         <p:spPr>
           <a:xfrm>
-            <a:off x="4446642" y="3251826"/>
+            <a:off x="4423492" y="3217101"/>
             <a:ext cx="290276" cy="369332"/>
           </a:xfrm>
           <a:prstGeom prst="rect">

--- a/clases/Cap02_Geometria/presentaciones/CV02_PointsLinesPlanes.pptx
+++ b/clases/Cap02_Geometria/presentaciones/CV02_PointsLinesPlanes.pptx
@@ -225,7 +225,7 @@
           <a:p>
             <a:fld id="{089CB84B-3086-824D-91F5-F571CFDD3E7D}" type="datetimeFigureOut">
               <a:rPr lang="en-US" smtClean="0"/>
-              <a:t>8/20/21</a:t>
+              <a:t>8/9/22</a:t>
             </a:fld>
             <a:endParaRPr lang="en-US"/>
           </a:p>
@@ -2349,7 +2349,7 @@
           <a:p>
             <a:fld id="{D3AE09B4-90D0-1245-B83D-B1B2932963E4}" type="datetimeFigureOut">
               <a:rPr lang="en-US" smtClean="0"/>
-              <a:t>8/20/21</a:t>
+              <a:t>8/9/22</a:t>
             </a:fld>
             <a:endParaRPr lang="en-US"/>
           </a:p>
@@ -2519,7 +2519,7 @@
           <a:p>
             <a:fld id="{D3AE09B4-90D0-1245-B83D-B1B2932963E4}" type="datetimeFigureOut">
               <a:rPr lang="en-US" smtClean="0"/>
-              <a:t>8/20/21</a:t>
+              <a:t>8/9/22</a:t>
             </a:fld>
             <a:endParaRPr lang="en-US"/>
           </a:p>
@@ -2699,7 +2699,7 @@
           <a:p>
             <a:fld id="{D3AE09B4-90D0-1245-B83D-B1B2932963E4}" type="datetimeFigureOut">
               <a:rPr lang="en-US" smtClean="0"/>
-              <a:t>8/20/21</a:t>
+              <a:t>8/9/22</a:t>
             </a:fld>
             <a:endParaRPr lang="en-US"/>
           </a:p>
@@ -2869,7 +2869,7 @@
           <a:p>
             <a:fld id="{D3AE09B4-90D0-1245-B83D-B1B2932963E4}" type="datetimeFigureOut">
               <a:rPr lang="en-US" smtClean="0"/>
-              <a:t>8/20/21</a:t>
+              <a:t>8/9/22</a:t>
             </a:fld>
             <a:endParaRPr lang="en-US"/>
           </a:p>
@@ -3115,7 +3115,7 @@
           <a:p>
             <a:fld id="{D3AE09B4-90D0-1245-B83D-B1B2932963E4}" type="datetimeFigureOut">
               <a:rPr lang="en-US" smtClean="0"/>
-              <a:t>8/20/21</a:t>
+              <a:t>8/9/22</a:t>
             </a:fld>
             <a:endParaRPr lang="en-US"/>
           </a:p>
@@ -3403,7 +3403,7 @@
           <a:p>
             <a:fld id="{D3AE09B4-90D0-1245-B83D-B1B2932963E4}" type="datetimeFigureOut">
               <a:rPr lang="en-US" smtClean="0"/>
-              <a:t>8/20/21</a:t>
+              <a:t>8/9/22</a:t>
             </a:fld>
             <a:endParaRPr lang="en-US"/>
           </a:p>
@@ -3825,7 +3825,7 @@
           <a:p>
             <a:fld id="{D3AE09B4-90D0-1245-B83D-B1B2932963E4}" type="datetimeFigureOut">
               <a:rPr lang="en-US" smtClean="0"/>
-              <a:t>8/20/21</a:t>
+              <a:t>8/9/22</a:t>
             </a:fld>
             <a:endParaRPr lang="en-US"/>
           </a:p>
@@ -3943,7 +3943,7 @@
           <a:p>
             <a:fld id="{D3AE09B4-90D0-1245-B83D-B1B2932963E4}" type="datetimeFigureOut">
               <a:rPr lang="en-US" smtClean="0"/>
-              <a:t>8/20/21</a:t>
+              <a:t>8/9/22</a:t>
             </a:fld>
             <a:endParaRPr lang="en-US"/>
           </a:p>
@@ -4038,7 +4038,7 @@
           <a:p>
             <a:fld id="{D3AE09B4-90D0-1245-B83D-B1B2932963E4}" type="datetimeFigureOut">
               <a:rPr lang="en-US" smtClean="0"/>
-              <a:t>8/20/21</a:t>
+              <a:t>8/9/22</a:t>
             </a:fld>
             <a:endParaRPr lang="en-US"/>
           </a:p>
@@ -4315,7 +4315,7 @@
           <a:p>
             <a:fld id="{D3AE09B4-90D0-1245-B83D-B1B2932963E4}" type="datetimeFigureOut">
               <a:rPr lang="en-US" smtClean="0"/>
-              <a:t>8/20/21</a:t>
+              <a:t>8/9/22</a:t>
             </a:fld>
             <a:endParaRPr lang="en-US"/>
           </a:p>
@@ -4568,7 +4568,7 @@
           <a:p>
             <a:fld id="{D3AE09B4-90D0-1245-B83D-B1B2932963E4}" type="datetimeFigureOut">
               <a:rPr lang="en-US" smtClean="0"/>
-              <a:t>8/20/21</a:t>
+              <a:t>8/9/22</a:t>
             </a:fld>
             <a:endParaRPr lang="en-US"/>
           </a:p>
@@ -4779,7 +4779,7 @@
           <a:p>
             <a:fld id="{D3AE09B4-90D0-1245-B83D-B1B2932963E4}" type="datetimeFigureOut">
               <a:rPr lang="en-US" smtClean="0"/>
-              <a:t>8/20/21</a:t>
+              <a:t>8/9/22</a:t>
             </a:fld>
             <a:endParaRPr lang="en-US"/>
           </a:p>
@@ -5491,8 +5491,8 @@
         </p:nvSpPr>
         <p:spPr bwMode="auto">
           <a:xfrm>
-            <a:off x="2726783" y="1536174"/>
-            <a:ext cx="3690433" cy="3785652"/>
+            <a:off x="2679494" y="1536174"/>
+            <a:ext cx="3785011" cy="3785652"/>
           </a:xfrm>
           <a:prstGeom prst="rect">
             <a:avLst/>
@@ -5880,7 +5880,7 @@
                 </a:solidFill>
                 <a:latin typeface="Trebuchet MS" pitchFamily="34" charset="0"/>
               </a:rPr>
-              <a:t>Departmento de Ciencia de la Computación</a:t>
+              <a:t>Departamento de Ciencia de la Computación</a:t>
             </a:r>
           </a:p>
           <a:p>
@@ -14138,36 +14138,6 @@
           </a:p>
         </p:txBody>
       </p:sp>
-      <p:pic>
-        <p:nvPicPr>
-          <p:cNvPr id="7" name="Picture 6">
-            <a:extLst>
-              <a:ext uri="{FF2B5EF4-FFF2-40B4-BE49-F238E27FC236}">
-                <a16:creationId xmlns:a16="http://schemas.microsoft.com/office/drawing/2014/main" id="{33BEB5A4-23EB-6243-8DE5-541A4A26EF71}"/>
-              </a:ext>
-            </a:extLst>
-          </p:cNvPr>
-          <p:cNvPicPr>
-            <a:picLocks noChangeAspect="1"/>
-          </p:cNvPicPr>
-          <p:nvPr/>
-        </p:nvPicPr>
-        <p:blipFill>
-          <a:blip r:embed="rId7"/>
-          <a:stretch>
-            <a:fillRect/>
-          </a:stretch>
-        </p:blipFill>
-        <p:spPr>
-          <a:xfrm>
-            <a:off x="0" y="2337816"/>
-            <a:ext cx="9144000" cy="2182368"/>
-          </a:xfrm>
-          <a:prstGeom prst="rect">
-            <a:avLst/>
-          </a:prstGeom>
-        </p:spPr>
-      </p:pic>
     </p:spTree>
     <p:extLst>
       <p:ext uri="{BB962C8B-B14F-4D97-AF65-F5344CB8AC3E}">

--- a/clases/Cap02_Geometria/presentaciones/CV02_PointsLinesPlanes.pptx
+++ b/clases/Cap02_Geometria/presentaciones/CV02_PointsLinesPlanes.pptx
@@ -225,7 +225,7 @@
           <a:p>
             <a:fld id="{089CB84B-3086-824D-91F5-F571CFDD3E7D}" type="datetimeFigureOut">
               <a:rPr lang="en-US" smtClean="0"/>
-              <a:t>8/9/22</a:t>
+              <a:t>8/13/24</a:t>
             </a:fld>
             <a:endParaRPr lang="en-US"/>
           </a:p>
@@ -2349,7 +2349,7 @@
           <a:p>
             <a:fld id="{D3AE09B4-90D0-1245-B83D-B1B2932963E4}" type="datetimeFigureOut">
               <a:rPr lang="en-US" smtClean="0"/>
-              <a:t>8/9/22</a:t>
+              <a:t>8/13/24</a:t>
             </a:fld>
             <a:endParaRPr lang="en-US"/>
           </a:p>
@@ -2519,7 +2519,7 @@
           <a:p>
             <a:fld id="{D3AE09B4-90D0-1245-B83D-B1B2932963E4}" type="datetimeFigureOut">
               <a:rPr lang="en-US" smtClean="0"/>
-              <a:t>8/9/22</a:t>
+              <a:t>8/13/24</a:t>
             </a:fld>
             <a:endParaRPr lang="en-US"/>
           </a:p>
@@ -2699,7 +2699,7 @@
           <a:p>
             <a:fld id="{D3AE09B4-90D0-1245-B83D-B1B2932963E4}" type="datetimeFigureOut">
               <a:rPr lang="en-US" smtClean="0"/>
-              <a:t>8/9/22</a:t>
+              <a:t>8/13/24</a:t>
             </a:fld>
             <a:endParaRPr lang="en-US"/>
           </a:p>
@@ -2869,7 +2869,7 @@
           <a:p>
             <a:fld id="{D3AE09B4-90D0-1245-B83D-B1B2932963E4}" type="datetimeFigureOut">
               <a:rPr lang="en-US" smtClean="0"/>
-              <a:t>8/9/22</a:t>
+              <a:t>8/13/24</a:t>
             </a:fld>
             <a:endParaRPr lang="en-US"/>
           </a:p>
@@ -3115,7 +3115,7 @@
           <a:p>
             <a:fld id="{D3AE09B4-90D0-1245-B83D-B1B2932963E4}" type="datetimeFigureOut">
               <a:rPr lang="en-US" smtClean="0"/>
-              <a:t>8/9/22</a:t>
+              <a:t>8/13/24</a:t>
             </a:fld>
             <a:endParaRPr lang="en-US"/>
           </a:p>
@@ -3403,7 +3403,7 @@
           <a:p>
             <a:fld id="{D3AE09B4-90D0-1245-B83D-B1B2932963E4}" type="datetimeFigureOut">
               <a:rPr lang="en-US" smtClean="0"/>
-              <a:t>8/9/22</a:t>
+              <a:t>8/13/24</a:t>
             </a:fld>
             <a:endParaRPr lang="en-US"/>
           </a:p>
@@ -3825,7 +3825,7 @@
           <a:p>
             <a:fld id="{D3AE09B4-90D0-1245-B83D-B1B2932963E4}" type="datetimeFigureOut">
               <a:rPr lang="en-US" smtClean="0"/>
-              <a:t>8/9/22</a:t>
+              <a:t>8/13/24</a:t>
             </a:fld>
             <a:endParaRPr lang="en-US"/>
           </a:p>
@@ -3943,7 +3943,7 @@
           <a:p>
             <a:fld id="{D3AE09B4-90D0-1245-B83D-B1B2932963E4}" type="datetimeFigureOut">
               <a:rPr lang="en-US" smtClean="0"/>
-              <a:t>8/9/22</a:t>
+              <a:t>8/13/24</a:t>
             </a:fld>
             <a:endParaRPr lang="en-US"/>
           </a:p>
@@ -4038,7 +4038,7 @@
           <a:p>
             <a:fld id="{D3AE09B4-90D0-1245-B83D-B1B2932963E4}" type="datetimeFigureOut">
               <a:rPr lang="en-US" smtClean="0"/>
-              <a:t>8/9/22</a:t>
+              <a:t>8/13/24</a:t>
             </a:fld>
             <a:endParaRPr lang="en-US"/>
           </a:p>
@@ -4315,7 +4315,7 @@
           <a:p>
             <a:fld id="{D3AE09B4-90D0-1245-B83D-B1B2932963E4}" type="datetimeFigureOut">
               <a:rPr lang="en-US" smtClean="0"/>
-              <a:t>8/9/22</a:t>
+              <a:t>8/13/24</a:t>
             </a:fld>
             <a:endParaRPr lang="en-US"/>
           </a:p>
@@ -4568,7 +4568,7 @@
           <a:p>
             <a:fld id="{D3AE09B4-90D0-1245-B83D-B1B2932963E4}" type="datetimeFigureOut">
               <a:rPr lang="en-US" smtClean="0"/>
-              <a:t>8/9/22</a:t>
+              <a:t>8/13/24</a:t>
             </a:fld>
             <a:endParaRPr lang="en-US"/>
           </a:p>
@@ -4779,7 +4779,7 @@
           <a:p>
             <a:fld id="{D3AE09B4-90D0-1245-B83D-B1B2932963E4}" type="datetimeFigureOut">
               <a:rPr lang="en-US" smtClean="0"/>
-              <a:t>8/9/22</a:t>
+              <a:t>8/13/24</a:t>
             </a:fld>
             <a:endParaRPr lang="en-US"/>
           </a:p>
@@ -11425,13 +11425,6 @@
             </a:endParaRPr>
           </a:p>
           <a:p>
-            <a:r>
-              <a:rPr lang="en-US" sz="2400" b="1" dirty="0">
-                <a:latin typeface="Xingkai SC Light"/>
-                <a:cs typeface="Xingkai SC Light"/>
-              </a:rPr>
-              <a:t>  </a:t>
-            </a:r>
             <a:r>
               <a:rPr lang="en-US" sz="2400" dirty="0">
                 <a:latin typeface="Brush Script MT" panose="03060802040406070304" pitchFamily="66" charset="-122"/>

--- a/clases/Cap02_Geometria/presentaciones/CV02_PointsLinesPlanes.pptx
+++ b/clases/Cap02_Geometria/presentaciones/CV02_PointsLinesPlanes.pptx
@@ -225,7 +225,7 @@
           <a:p>
             <a:fld id="{089CB84B-3086-824D-91F5-F571CFDD3E7D}" type="datetimeFigureOut">
               <a:rPr lang="en-US" smtClean="0"/>
-              <a:t>8/13/24</a:t>
+              <a:t>8/12/25</a:t>
             </a:fld>
             <a:endParaRPr lang="en-US"/>
           </a:p>
@@ -2349,7 +2349,7 @@
           <a:p>
             <a:fld id="{D3AE09B4-90D0-1245-B83D-B1B2932963E4}" type="datetimeFigureOut">
               <a:rPr lang="en-US" smtClean="0"/>
-              <a:t>8/13/24</a:t>
+              <a:t>8/12/25</a:t>
             </a:fld>
             <a:endParaRPr lang="en-US"/>
           </a:p>
@@ -2519,7 +2519,7 @@
           <a:p>
             <a:fld id="{D3AE09B4-90D0-1245-B83D-B1B2932963E4}" type="datetimeFigureOut">
               <a:rPr lang="en-US" smtClean="0"/>
-              <a:t>8/13/24</a:t>
+              <a:t>8/12/25</a:t>
             </a:fld>
             <a:endParaRPr lang="en-US"/>
           </a:p>
@@ -2699,7 +2699,7 @@
           <a:p>
             <a:fld id="{D3AE09B4-90D0-1245-B83D-B1B2932963E4}" type="datetimeFigureOut">
               <a:rPr lang="en-US" smtClean="0"/>
-              <a:t>8/13/24</a:t>
+              <a:t>8/12/25</a:t>
             </a:fld>
             <a:endParaRPr lang="en-US"/>
           </a:p>
@@ -2869,7 +2869,7 @@
           <a:p>
             <a:fld id="{D3AE09B4-90D0-1245-B83D-B1B2932963E4}" type="datetimeFigureOut">
               <a:rPr lang="en-US" smtClean="0"/>
-              <a:t>8/13/24</a:t>
+              <a:t>8/12/25</a:t>
             </a:fld>
             <a:endParaRPr lang="en-US"/>
           </a:p>
@@ -3115,7 +3115,7 @@
           <a:p>
             <a:fld id="{D3AE09B4-90D0-1245-B83D-B1B2932963E4}" type="datetimeFigureOut">
               <a:rPr lang="en-US" smtClean="0"/>
-              <a:t>8/13/24</a:t>
+              <a:t>8/12/25</a:t>
             </a:fld>
             <a:endParaRPr lang="en-US"/>
           </a:p>
@@ -3403,7 +3403,7 @@
           <a:p>
             <a:fld id="{D3AE09B4-90D0-1245-B83D-B1B2932963E4}" type="datetimeFigureOut">
               <a:rPr lang="en-US" smtClean="0"/>
-              <a:t>8/13/24</a:t>
+              <a:t>8/12/25</a:t>
             </a:fld>
             <a:endParaRPr lang="en-US"/>
           </a:p>
@@ -3825,7 +3825,7 @@
           <a:p>
             <a:fld id="{D3AE09B4-90D0-1245-B83D-B1B2932963E4}" type="datetimeFigureOut">
               <a:rPr lang="en-US" smtClean="0"/>
-              <a:t>8/13/24</a:t>
+              <a:t>8/12/25</a:t>
             </a:fld>
             <a:endParaRPr lang="en-US"/>
           </a:p>
@@ -3943,7 +3943,7 @@
           <a:p>
             <a:fld id="{D3AE09B4-90D0-1245-B83D-B1B2932963E4}" type="datetimeFigureOut">
               <a:rPr lang="en-US" smtClean="0"/>
-              <a:t>8/13/24</a:t>
+              <a:t>8/12/25</a:t>
             </a:fld>
             <a:endParaRPr lang="en-US"/>
           </a:p>
@@ -4038,7 +4038,7 @@
           <a:p>
             <a:fld id="{D3AE09B4-90D0-1245-B83D-B1B2932963E4}" type="datetimeFigureOut">
               <a:rPr lang="en-US" smtClean="0"/>
-              <a:t>8/13/24</a:t>
+              <a:t>8/12/25</a:t>
             </a:fld>
             <a:endParaRPr lang="en-US"/>
           </a:p>
@@ -4315,7 +4315,7 @@
           <a:p>
             <a:fld id="{D3AE09B4-90D0-1245-B83D-B1B2932963E4}" type="datetimeFigureOut">
               <a:rPr lang="en-US" smtClean="0"/>
-              <a:t>8/13/24</a:t>
+              <a:t>8/12/25</a:t>
             </a:fld>
             <a:endParaRPr lang="en-US"/>
           </a:p>
@@ -4568,7 +4568,7 @@
           <a:p>
             <a:fld id="{D3AE09B4-90D0-1245-B83D-B1B2932963E4}" type="datetimeFigureOut">
               <a:rPr lang="en-US" smtClean="0"/>
-              <a:t>8/13/24</a:t>
+              <a:t>8/12/25</a:t>
             </a:fld>
             <a:endParaRPr lang="en-US"/>
           </a:p>
@@ -4779,7 +4779,7 @@
           <a:p>
             <a:fld id="{D3AE09B4-90D0-1245-B83D-B1B2932963E4}" type="datetimeFigureOut">
               <a:rPr lang="en-US" smtClean="0"/>
-              <a:t>8/13/24</a:t>
+              <a:t>8/12/25</a:t>
             </a:fld>
             <a:endParaRPr lang="en-US"/>
           </a:p>
@@ -11518,7 +11518,7 @@
         </p:nvSpPr>
         <p:spPr>
           <a:xfrm>
-            <a:off x="5650501" y="1902295"/>
+            <a:off x="5505819" y="1902295"/>
             <a:ext cx="290276" cy="369332"/>
           </a:xfrm>
           <a:prstGeom prst="rect">
@@ -11552,7 +11552,7 @@
         </p:nvSpPr>
         <p:spPr>
           <a:xfrm>
-            <a:off x="7384438" y="1899474"/>
+            <a:off x="7233968" y="1899474"/>
             <a:ext cx="290276" cy="369332"/>
           </a:xfrm>
           <a:prstGeom prst="rect">
@@ -12717,7 +12717,7 @@
         <p:spPr>
           <a:xfrm>
             <a:off x="1142270" y="5877460"/>
-            <a:ext cx="1910737" cy="369332"/>
+            <a:ext cx="1890261" cy="369332"/>
           </a:xfrm>
           <a:prstGeom prst="rect">
             <a:avLst/>
@@ -12777,7 +12777,7 @@
                 <a:latin typeface="Times"/>
                 <a:cs typeface="Times"/>
               </a:rPr>
-              <a:t>   x</a:t>
+              <a:t>   y</a:t>
             </a:r>
             <a:r>
               <a:rPr lang="en-US" baseline="-25000" dirty="0">
